--- a/package01/slides.pptx
+++ b/package01/slides.pptx
@@ -5,7 +5,7 @@
     <p:sldMasterId id="2147485465" r:id="rId1"/>
   </p:sldMasterIdLst>
   <p:notesMasterIdLst>
-    <p:notesMasterId r:id="rId40"/>
+    <p:notesMasterId r:id="rId42"/>
   </p:notesMasterIdLst>
   <p:sldIdLst>
     <p:sldId id="256" r:id="rId2"/>
@@ -23,29 +23,31 @@
     <p:sldId id="270" r:id="rId14"/>
     <p:sldId id="271" r:id="rId15"/>
     <p:sldId id="272" r:id="rId16"/>
-    <p:sldId id="273" r:id="rId17"/>
-    <p:sldId id="274" r:id="rId18"/>
-    <p:sldId id="275" r:id="rId19"/>
-    <p:sldId id="276" r:id="rId20"/>
-    <p:sldId id="277" r:id="rId21"/>
-    <p:sldId id="278" r:id="rId22"/>
-    <p:sldId id="279" r:id="rId23"/>
-    <p:sldId id="280" r:id="rId24"/>
-    <p:sldId id="281" r:id="rId25"/>
-    <p:sldId id="282" r:id="rId26"/>
-    <p:sldId id="283" r:id="rId27"/>
-    <p:sldId id="284" r:id="rId28"/>
-    <p:sldId id="285" r:id="rId29"/>
-    <p:sldId id="286" r:id="rId30"/>
-    <p:sldId id="287" r:id="rId31"/>
-    <p:sldId id="288" r:id="rId32"/>
-    <p:sldId id="289" r:id="rId33"/>
-    <p:sldId id="290" r:id="rId34"/>
-    <p:sldId id="291" r:id="rId35"/>
-    <p:sldId id="292" r:id="rId36"/>
-    <p:sldId id="293" r:id="rId37"/>
-    <p:sldId id="294" r:id="rId38"/>
-    <p:sldId id="295" r:id="rId39"/>
+    <p:sldId id="296" r:id="rId17"/>
+    <p:sldId id="297" r:id="rId18"/>
+    <p:sldId id="273" r:id="rId19"/>
+    <p:sldId id="274" r:id="rId20"/>
+    <p:sldId id="275" r:id="rId21"/>
+    <p:sldId id="276" r:id="rId22"/>
+    <p:sldId id="277" r:id="rId23"/>
+    <p:sldId id="278" r:id="rId24"/>
+    <p:sldId id="279" r:id="rId25"/>
+    <p:sldId id="280" r:id="rId26"/>
+    <p:sldId id="281" r:id="rId27"/>
+    <p:sldId id="282" r:id="rId28"/>
+    <p:sldId id="283" r:id="rId29"/>
+    <p:sldId id="284" r:id="rId30"/>
+    <p:sldId id="285" r:id="rId31"/>
+    <p:sldId id="286" r:id="rId32"/>
+    <p:sldId id="287" r:id="rId33"/>
+    <p:sldId id="288" r:id="rId34"/>
+    <p:sldId id="289" r:id="rId35"/>
+    <p:sldId id="290" r:id="rId36"/>
+    <p:sldId id="291" r:id="rId37"/>
+    <p:sldId id="292" r:id="rId38"/>
+    <p:sldId id="293" r:id="rId39"/>
+    <p:sldId id="294" r:id="rId40"/>
+    <p:sldId id="295" r:id="rId41"/>
   </p:sldIdLst>
   <p:sldSz cx="9144000" cy="5143500" type="screen16x9"/>
   <p:notesSz cx="6858000" cy="9144000"/>
@@ -53,7 +55,7 @@
     <a:defPPr>
       <a:defRPr lang="en-US"/>
     </a:defPPr>
-    <a:lvl1pPr marL="0" algn="l" defTabSz="457200" rtl="0" eaLnBrk="1" latinLnBrk="0" hangingPunct="1">
+    <a:lvl1pPr marL="0" algn="l" defTabSz="457189" rtl="0" eaLnBrk="1" latinLnBrk="0" hangingPunct="1">
       <a:defRPr sz="1800" kern="1200">
         <a:solidFill>
           <a:schemeClr val="tx1"/>
@@ -63,7 +65,7 @@
         <a:cs typeface="+mn-cs"/>
       </a:defRPr>
     </a:lvl1pPr>
-    <a:lvl2pPr marL="457200" algn="l" defTabSz="457200" rtl="0" eaLnBrk="1" latinLnBrk="0" hangingPunct="1">
+    <a:lvl2pPr marL="457189" algn="l" defTabSz="457189" rtl="0" eaLnBrk="1" latinLnBrk="0" hangingPunct="1">
       <a:defRPr sz="1800" kern="1200">
         <a:solidFill>
           <a:schemeClr val="tx1"/>
@@ -73,7 +75,7 @@
         <a:cs typeface="+mn-cs"/>
       </a:defRPr>
     </a:lvl2pPr>
-    <a:lvl3pPr marL="914400" algn="l" defTabSz="457200" rtl="0" eaLnBrk="1" latinLnBrk="0" hangingPunct="1">
+    <a:lvl3pPr marL="914377" algn="l" defTabSz="457189" rtl="0" eaLnBrk="1" latinLnBrk="0" hangingPunct="1">
       <a:defRPr sz="1800" kern="1200">
         <a:solidFill>
           <a:schemeClr val="tx1"/>
@@ -83,7 +85,7 @@
         <a:cs typeface="+mn-cs"/>
       </a:defRPr>
     </a:lvl3pPr>
-    <a:lvl4pPr marL="1371600" algn="l" defTabSz="457200" rtl="0" eaLnBrk="1" latinLnBrk="0" hangingPunct="1">
+    <a:lvl4pPr marL="1371566" algn="l" defTabSz="457189" rtl="0" eaLnBrk="1" latinLnBrk="0" hangingPunct="1">
       <a:defRPr sz="1800" kern="1200">
         <a:solidFill>
           <a:schemeClr val="tx1"/>
@@ -93,7 +95,7 @@
         <a:cs typeface="+mn-cs"/>
       </a:defRPr>
     </a:lvl4pPr>
-    <a:lvl5pPr marL="1828800" algn="l" defTabSz="457200" rtl="0" eaLnBrk="1" latinLnBrk="0" hangingPunct="1">
+    <a:lvl5pPr marL="1828754" algn="l" defTabSz="457189" rtl="0" eaLnBrk="1" latinLnBrk="0" hangingPunct="1">
       <a:defRPr sz="1800" kern="1200">
         <a:solidFill>
           <a:schemeClr val="tx1"/>
@@ -103,7 +105,7 @@
         <a:cs typeface="+mn-cs"/>
       </a:defRPr>
     </a:lvl5pPr>
-    <a:lvl6pPr marL="2286000" algn="l" defTabSz="457200" rtl="0" eaLnBrk="1" latinLnBrk="0" hangingPunct="1">
+    <a:lvl6pPr marL="2285943" algn="l" defTabSz="457189" rtl="0" eaLnBrk="1" latinLnBrk="0" hangingPunct="1">
       <a:defRPr sz="1800" kern="1200">
         <a:solidFill>
           <a:schemeClr val="tx1"/>
@@ -113,7 +115,7 @@
         <a:cs typeface="+mn-cs"/>
       </a:defRPr>
     </a:lvl6pPr>
-    <a:lvl7pPr marL="2743200" algn="l" defTabSz="457200" rtl="0" eaLnBrk="1" latinLnBrk="0" hangingPunct="1">
+    <a:lvl7pPr marL="2743131" algn="l" defTabSz="457189" rtl="0" eaLnBrk="1" latinLnBrk="0" hangingPunct="1">
       <a:defRPr sz="1800" kern="1200">
         <a:solidFill>
           <a:schemeClr val="tx1"/>
@@ -123,7 +125,7 @@
         <a:cs typeface="+mn-cs"/>
       </a:defRPr>
     </a:lvl7pPr>
-    <a:lvl8pPr marL="3200400" algn="l" defTabSz="457200" rtl="0" eaLnBrk="1" latinLnBrk="0" hangingPunct="1">
+    <a:lvl8pPr marL="3200320" algn="l" defTabSz="457189" rtl="0" eaLnBrk="1" latinLnBrk="0" hangingPunct="1">
       <a:defRPr sz="1800" kern="1200">
         <a:solidFill>
           <a:schemeClr val="tx1"/>
@@ -133,7 +135,7 @@
         <a:cs typeface="+mn-cs"/>
       </a:defRPr>
     </a:lvl8pPr>
-    <a:lvl9pPr marL="3657600" algn="l" defTabSz="457200" rtl="0" eaLnBrk="1" latinLnBrk="0" hangingPunct="1">
+    <a:lvl9pPr marL="3657509" algn="l" defTabSz="457189" rtl="0" eaLnBrk="1" latinLnBrk="0" hangingPunct="1">
       <a:defRPr sz="1800" kern="1200">
         <a:solidFill>
           <a:schemeClr val="tx1"/>
@@ -229,7 +231,7 @@
           <a:p>
             <a:fld id="{CA2C2033-85FE-A047-A0A0-3F1F7EDB8643}" type="datetimeFigureOut">
               <a:rPr lang="en-US" smtClean="0"/>
-              <a:t>03/09/15</a:t>
+              <a:t>20/10/15</a:t>
             </a:fld>
             <a:endParaRPr lang="en-US"/>
           </a:p>
@@ -403,7 +405,7 @@
   </p:cSld>
   <p:clrMap bg1="lt1" tx1="dk1" bg2="lt2" tx2="dk2" accent1="accent1" accent2="accent2" accent3="accent3" accent4="accent4" accent5="accent5" accent6="accent6" hlink="hlink" folHlink="folHlink"/>
   <p:notesStyle>
-    <a:lvl1pPr marL="0" algn="l" defTabSz="457200" rtl="0" eaLnBrk="1" latinLnBrk="0" hangingPunct="1">
+    <a:lvl1pPr marL="0" algn="l" defTabSz="457189" rtl="0" eaLnBrk="1" latinLnBrk="0" hangingPunct="1">
       <a:defRPr sz="1200" kern="1200">
         <a:solidFill>
           <a:schemeClr val="tx1"/>
@@ -413,7 +415,7 @@
         <a:cs typeface="+mn-cs"/>
       </a:defRPr>
     </a:lvl1pPr>
-    <a:lvl2pPr marL="457200" algn="l" defTabSz="457200" rtl="0" eaLnBrk="1" latinLnBrk="0" hangingPunct="1">
+    <a:lvl2pPr marL="457189" algn="l" defTabSz="457189" rtl="0" eaLnBrk="1" latinLnBrk="0" hangingPunct="1">
       <a:defRPr sz="1200" kern="1200">
         <a:solidFill>
           <a:schemeClr val="tx1"/>
@@ -423,7 +425,7 @@
         <a:cs typeface="+mn-cs"/>
       </a:defRPr>
     </a:lvl2pPr>
-    <a:lvl3pPr marL="914400" algn="l" defTabSz="457200" rtl="0" eaLnBrk="1" latinLnBrk="0" hangingPunct="1">
+    <a:lvl3pPr marL="914377" algn="l" defTabSz="457189" rtl="0" eaLnBrk="1" latinLnBrk="0" hangingPunct="1">
       <a:defRPr sz="1200" kern="1200">
         <a:solidFill>
           <a:schemeClr val="tx1"/>
@@ -433,7 +435,7 @@
         <a:cs typeface="+mn-cs"/>
       </a:defRPr>
     </a:lvl3pPr>
-    <a:lvl4pPr marL="1371600" algn="l" defTabSz="457200" rtl="0" eaLnBrk="1" latinLnBrk="0" hangingPunct="1">
+    <a:lvl4pPr marL="1371566" algn="l" defTabSz="457189" rtl="0" eaLnBrk="1" latinLnBrk="0" hangingPunct="1">
       <a:defRPr sz="1200" kern="1200">
         <a:solidFill>
           <a:schemeClr val="tx1"/>
@@ -443,7 +445,7 @@
         <a:cs typeface="+mn-cs"/>
       </a:defRPr>
     </a:lvl4pPr>
-    <a:lvl5pPr marL="1828800" algn="l" defTabSz="457200" rtl="0" eaLnBrk="1" latinLnBrk="0" hangingPunct="1">
+    <a:lvl5pPr marL="1828754" algn="l" defTabSz="457189" rtl="0" eaLnBrk="1" latinLnBrk="0" hangingPunct="1">
       <a:defRPr sz="1200" kern="1200">
         <a:solidFill>
           <a:schemeClr val="tx1"/>
@@ -453,7 +455,7 @@
         <a:cs typeface="+mn-cs"/>
       </a:defRPr>
     </a:lvl5pPr>
-    <a:lvl6pPr marL="2286000" algn="l" defTabSz="457200" rtl="0" eaLnBrk="1" latinLnBrk="0" hangingPunct="1">
+    <a:lvl6pPr marL="2285943" algn="l" defTabSz="457189" rtl="0" eaLnBrk="1" latinLnBrk="0" hangingPunct="1">
       <a:defRPr sz="1200" kern="1200">
         <a:solidFill>
           <a:schemeClr val="tx1"/>
@@ -463,7 +465,7 @@
         <a:cs typeface="+mn-cs"/>
       </a:defRPr>
     </a:lvl6pPr>
-    <a:lvl7pPr marL="2743200" algn="l" defTabSz="457200" rtl="0" eaLnBrk="1" latinLnBrk="0" hangingPunct="1">
+    <a:lvl7pPr marL="2743131" algn="l" defTabSz="457189" rtl="0" eaLnBrk="1" latinLnBrk="0" hangingPunct="1">
       <a:defRPr sz="1200" kern="1200">
         <a:solidFill>
           <a:schemeClr val="tx1"/>
@@ -473,7 +475,7 @@
         <a:cs typeface="+mn-cs"/>
       </a:defRPr>
     </a:lvl7pPr>
-    <a:lvl8pPr marL="3200400" algn="l" defTabSz="457200" rtl="0" eaLnBrk="1" latinLnBrk="0" hangingPunct="1">
+    <a:lvl8pPr marL="3200320" algn="l" defTabSz="457189" rtl="0" eaLnBrk="1" latinLnBrk="0" hangingPunct="1">
       <a:defRPr sz="1200" kern="1200">
         <a:solidFill>
           <a:schemeClr val="tx1"/>
@@ -483,7 +485,7 @@
         <a:cs typeface="+mn-cs"/>
       </a:defRPr>
     </a:lvl8pPr>
-    <a:lvl9pPr marL="3657600" algn="l" defTabSz="457200" rtl="0" eaLnBrk="1" latinLnBrk="0" hangingPunct="1">
+    <a:lvl9pPr marL="3657509" algn="l" defTabSz="457189" rtl="0" eaLnBrk="1" latinLnBrk="0" hangingPunct="1">
       <a:defRPr sz="1200" kern="1200">
         <a:solidFill>
           <a:schemeClr val="tx1"/>
@@ -541,21 +543,207 @@
           <a:bodyPr/>
           <a:lstStyle/>
           <a:p>
-            <a:r>
-              <a:rPr lang="en-US" dirty="0" smtClean="0"/>
-              <a:t>Say that a</a:t>
+            <a:pPr marL="0" lvl="0" indent="0">
+              <a:buNone/>
+            </a:pPr>
+            <a:r>
+              <a:rPr lang="en-US" dirty="0" smtClean="0"/>
+              <a:t>Simply put, cloud computing means: </a:t>
+            </a:r>
+          </a:p>
+          <a:p>
+            <a:pPr marL="0" lvl="0" indent="0">
+              <a:buNone/>
+            </a:pPr>
+            <a:endParaRPr lang="en-US" dirty="0" smtClean="0"/>
+          </a:p>
+          <a:p>
+            <a:pPr marL="0" lvl="0" indent="0">
+              <a:buNone/>
+            </a:pPr>
+            <a:r>
+              <a:rPr lang="en-US" dirty="0" smtClean="0"/>
+              <a:t>So</a:t>
             </a:r>
             <a:r>
               <a:rPr lang="en-US" baseline="0" dirty="0" smtClean="0"/>
-              <a:t> VM is </a:t>
-            </a:r>
-            <a:r>
-              <a:rPr lang="en-US" dirty="0" err="1" smtClean="0"/>
-              <a:t>utilising</a:t>
-            </a:r>
-            <a:r>
-              <a:rPr lang="en-US" dirty="0" smtClean="0"/>
-              <a:t> (parts of) the real hardware to simulate virtual hardware.</a:t>
+              <a:t> what is cloud computing?</a:t>
+            </a:r>
+          </a:p>
+          <a:p>
+            <a:pPr marL="0" lvl="0" indent="0">
+              <a:buNone/>
+            </a:pPr>
+            <a:r>
+              <a:rPr lang="en-US" baseline="0" dirty="0" smtClean="0"/>
+              <a:t>Simply put, cloud computing means </a:t>
+            </a:r>
+          </a:p>
+          <a:p>
+            <a:pPr marL="0" lvl="0" indent="0">
+              <a:buNone/>
+            </a:pPr>
+            <a:r>
+              <a:rPr lang="en-US" dirty="0" smtClean="0"/>
+              <a:t>Storing and accessing </a:t>
+            </a:r>
+            <a:r>
+              <a:rPr lang="en-US" b="1" dirty="0" smtClean="0">
+                <a:sym typeface="Helvetica"/>
+              </a:rPr>
+              <a:t>data and programs</a:t>
+            </a:r>
+            <a:r>
+              <a:rPr lang="en-US" b="1" i="1" dirty="0" smtClean="0"/>
+              <a:t> </a:t>
+            </a:r>
+            <a:r>
+              <a:rPr lang="en-US" i="1" dirty="0" smtClean="0"/>
+              <a:t>over the Internet</a:t>
+            </a:r>
+            <a:r>
+              <a:rPr lang="en-US" dirty="0" smtClean="0"/>
+              <a:t> instead of on your own computers hard drive.</a:t>
+            </a:r>
+          </a:p>
+          <a:p>
+            <a:pPr marL="0" lvl="0" indent="0">
+              <a:buNone/>
+            </a:pPr>
+            <a:endParaRPr lang="en-US" dirty="0" smtClean="0"/>
+          </a:p>
+          <a:p>
+            <a:pPr marL="0" lvl="0" indent="0">
+              <a:buNone/>
+            </a:pPr>
+            <a:r>
+              <a:rPr lang="en-US" dirty="0" smtClean="0"/>
+              <a:t>[next animation]</a:t>
+            </a:r>
+          </a:p>
+          <a:p>
+            <a:pPr marL="0" lvl="0" indent="0">
+              <a:buNone/>
+            </a:pPr>
+            <a:r>
+              <a:rPr lang="en-US" dirty="0" smtClean="0"/>
+              <a:t>Cloud</a:t>
+            </a:r>
+            <a:r>
+              <a:rPr lang="en-US" baseline="0" dirty="0" smtClean="0"/>
+              <a:t> infrastructure consists of computers </a:t>
+            </a:r>
+          </a:p>
+          <a:p>
+            <a:pPr marL="0" lvl="0" indent="0">
+              <a:buNone/>
+            </a:pPr>
+            <a:r>
+              <a:rPr lang="en-US" baseline="0" dirty="0" smtClean="0"/>
+              <a:t>[next animation]</a:t>
+            </a:r>
+          </a:p>
+          <a:p>
+            <a:pPr marL="0" lvl="0" indent="0">
+              <a:buNone/>
+            </a:pPr>
+            <a:r>
+              <a:rPr lang="en-US" baseline="0" dirty="0" smtClean="0"/>
+              <a:t>and storage. They are located in a data center.</a:t>
+            </a:r>
+          </a:p>
+          <a:p>
+            <a:pPr marL="0" lvl="0" indent="0">
+              <a:buNone/>
+            </a:pPr>
+            <a:r>
+              <a:rPr lang="en-US" baseline="0" dirty="0" smtClean="0"/>
+              <a:t>[ next animation]</a:t>
+            </a:r>
+            <a:endParaRPr lang="en-US" dirty="0" smtClean="0"/>
+          </a:p>
+          <a:p>
+            <a:r>
+              <a:rPr lang="en-US" dirty="0" smtClean="0"/>
+              <a:t>You can use</a:t>
+            </a:r>
+            <a:r>
+              <a:rPr lang="en-US" baseline="0" dirty="0" smtClean="0"/>
+              <a:t> the compute resources that you require, so a number of computers, </a:t>
+            </a:r>
+          </a:p>
+          <a:p>
+            <a:r>
+              <a:rPr lang="en-US" baseline="0" dirty="0" smtClean="0"/>
+              <a:t>and some storage.</a:t>
+            </a:r>
+            <a:endParaRPr lang="en-US" dirty="0" smtClean="0"/>
+          </a:p>
+          <a:p>
+            <a:r>
+              <a:rPr lang="en-US" smtClean="0"/>
+              <a:t>It</a:t>
+            </a:r>
+            <a:r>
+              <a:rPr lang="en-US" baseline="0" smtClean="0"/>
+              <a:t> is easy to scale up resources by requesting more at the time when you need it, easily and quickly.</a:t>
+            </a:r>
+          </a:p>
+          <a:p>
+            <a:endParaRPr lang="en-US" dirty="0" smtClean="0"/>
+          </a:p>
+          <a:p>
+            <a:r>
+              <a:rPr lang="en-US" dirty="0" smtClean="0"/>
+              <a:t>You local computer is only used to connect to the resources and control them via the internet.</a:t>
+            </a:r>
+          </a:p>
+          <a:p>
+            <a:r>
+              <a:rPr lang="en-US" dirty="0" smtClean="0"/>
+              <a:t>It</a:t>
+            </a:r>
+            <a:r>
+              <a:rPr lang="en-US" baseline="0" dirty="0" smtClean="0"/>
+              <a:t> shows the screen of your remote computer, and you can use your keyboard and mouse to control it.</a:t>
+            </a:r>
+          </a:p>
+          <a:p>
+            <a:endParaRPr lang="en-US" dirty="0" smtClean="0"/>
+          </a:p>
+          <a:p>
+            <a:r>
+              <a:rPr lang="en-US" dirty="0" smtClean="0"/>
+              <a:t>[next animation]</a:t>
+            </a:r>
+          </a:p>
+          <a:p>
+            <a:r>
+              <a:rPr lang="en-US" dirty="0" smtClean="0"/>
+              <a:t>You</a:t>
+            </a:r>
+            <a:r>
+              <a:rPr lang="en-US" baseline="0" dirty="0" smtClean="0"/>
+              <a:t> can share access to these resources with collaborators easily.</a:t>
+            </a:r>
+          </a:p>
+          <a:p>
+            <a:endParaRPr lang="en-US" baseline="0" dirty="0" smtClean="0"/>
+          </a:p>
+          <a:p>
+            <a:r>
+              <a:rPr lang="en-US" baseline="0" dirty="0" smtClean="0"/>
+              <a:t>[next animation]</a:t>
+            </a:r>
+          </a:p>
+          <a:p>
+            <a:r>
+              <a:rPr lang="en-US" baseline="0" dirty="0" smtClean="0"/>
+              <a:t>When you are done with your work, you can release the resources again, and they </a:t>
+            </a:r>
+            <a:r>
+              <a:rPr lang="en-US" baseline="0" smtClean="0"/>
+              <a:t>won’t incur any more maintenance activities or costs.</a:t>
             </a:r>
             <a:endParaRPr lang="en-US" dirty="0"/>
           </a:p>
@@ -578,7 +766,7 @@
           <a:p>
             <a:fld id="{BCD80747-F88F-2D4C-A748-BED093511FCD}" type="slidenum">
               <a:rPr lang="en-US" smtClean="0"/>
-              <a:t>25</a:t>
+              <a:t>16</a:t>
             </a:fld>
             <a:endParaRPr lang="en-US"/>
           </a:p>
@@ -587,7 +775,7 @@
     </p:spTree>
     <p:extLst>
       <p:ext uri="{BB962C8B-B14F-4D97-AF65-F5344CB8AC3E}">
-        <p14:creationId xmlns:p14="http://schemas.microsoft.com/office/powerpoint/2010/main" val="2301400743"/>
+        <p14:creationId xmlns:p14="http://schemas.microsoft.com/office/powerpoint/2010/main" val="2317623031"/>
       </p:ext>
     </p:extLst>
   </p:cSld>
@@ -643,15 +831,19 @@
           <a:p>
             <a:r>
               <a:rPr lang="en-US" dirty="0" smtClean="0"/>
-              <a:t>Mention</a:t>
+              <a:t>Say that a</a:t>
             </a:r>
             <a:r>
               <a:rPr lang="en-US" baseline="0" dirty="0" smtClean="0"/>
-              <a:t> that the AAF lets you</a:t>
-            </a:r>
-            <a:r>
-              <a:rPr lang="en-US" dirty="0" smtClean="0"/>
-              <a:t> access your services using your institutional login details (e.g. the normal university login)</a:t>
+              <a:t> VM is </a:t>
+            </a:r>
+            <a:r>
+              <a:rPr lang="en-US" dirty="0" err="1" smtClean="0"/>
+              <a:t>utilising</a:t>
+            </a:r>
+            <a:r>
+              <a:rPr lang="en-US" dirty="0" smtClean="0"/>
+              <a:t> (parts of) the real hardware to simulate virtual hardware.</a:t>
             </a:r>
             <a:endParaRPr lang="en-US" dirty="0"/>
           </a:p>
@@ -674,7 +866,7 @@
           <a:p>
             <a:fld id="{BCD80747-F88F-2D4C-A748-BED093511FCD}" type="slidenum">
               <a:rPr lang="en-US" smtClean="0"/>
-              <a:t>33</a:t>
+              <a:t>27</a:t>
             </a:fld>
             <a:endParaRPr lang="en-US"/>
           </a:p>
@@ -683,7 +875,7 @@
     </p:spTree>
     <p:extLst>
       <p:ext uri="{BB962C8B-B14F-4D97-AF65-F5344CB8AC3E}">
-        <p14:creationId xmlns:p14="http://schemas.microsoft.com/office/powerpoint/2010/main" val="2406344242"/>
+        <p14:creationId xmlns:p14="http://schemas.microsoft.com/office/powerpoint/2010/main" val="2301400743"/>
       </p:ext>
     </p:extLst>
   </p:cSld>
@@ -739,6 +931,102 @@
           <a:p>
             <a:r>
               <a:rPr lang="en-US" dirty="0" smtClean="0"/>
+              <a:t>Mention</a:t>
+            </a:r>
+            <a:r>
+              <a:rPr lang="en-US" baseline="0" dirty="0" smtClean="0"/>
+              <a:t> that the AAF lets you</a:t>
+            </a:r>
+            <a:r>
+              <a:rPr lang="en-US" dirty="0" smtClean="0"/>
+              <a:t> access your services using your institutional login details (e.g. the normal university login)</a:t>
+            </a:r>
+            <a:endParaRPr lang="en-US" dirty="0"/>
+          </a:p>
+        </p:txBody>
+      </p:sp>
+      <p:sp>
+        <p:nvSpPr>
+          <p:cNvPr id="4" name="Slide Number Placeholder 3"/>
+          <p:cNvSpPr>
+            <a:spLocks noGrp="1"/>
+          </p:cNvSpPr>
+          <p:nvPr>
+            <p:ph type="sldNum" sz="quarter" idx="10"/>
+          </p:nvPr>
+        </p:nvSpPr>
+        <p:spPr/>
+        <p:txBody>
+          <a:bodyPr/>
+          <a:lstStyle/>
+          <a:p>
+            <a:fld id="{BCD80747-F88F-2D4C-A748-BED093511FCD}" type="slidenum">
+              <a:rPr lang="en-US" smtClean="0"/>
+              <a:t>35</a:t>
+            </a:fld>
+            <a:endParaRPr lang="en-US"/>
+          </a:p>
+        </p:txBody>
+      </p:sp>
+    </p:spTree>
+    <p:extLst>
+      <p:ext uri="{BB962C8B-B14F-4D97-AF65-F5344CB8AC3E}">
+        <p14:creationId xmlns:p14="http://schemas.microsoft.com/office/powerpoint/2010/main" val="2406344242"/>
+      </p:ext>
+    </p:extLst>
+  </p:cSld>
+  <p:clrMapOvr>
+    <a:masterClrMapping/>
+  </p:clrMapOvr>
+</p:notes>
+</file>
+
+<file path=ppt/notesSlides/notesSlide4.xml><?xml version="1.0" encoding="utf-8"?>
+<p:notes xmlns:a="http://schemas.openxmlformats.org/drawingml/2006/main" xmlns:r="http://schemas.openxmlformats.org/officeDocument/2006/relationships" xmlns:p="http://schemas.openxmlformats.org/presentationml/2006/main">
+  <p:cSld>
+    <p:spTree>
+      <p:nvGrpSpPr>
+        <p:cNvPr id="1" name=""/>
+        <p:cNvGrpSpPr/>
+        <p:nvPr/>
+      </p:nvGrpSpPr>
+      <p:grpSpPr>
+        <a:xfrm>
+          <a:off x="0" y="0"/>
+          <a:ext cx="0" cy="0"/>
+          <a:chOff x="0" y="0"/>
+          <a:chExt cx="0" cy="0"/>
+        </a:xfrm>
+      </p:grpSpPr>
+      <p:sp>
+        <p:nvSpPr>
+          <p:cNvPr id="2" name="Slide Image Placeholder 1"/>
+          <p:cNvSpPr>
+            <a:spLocks noGrp="1" noRot="1" noChangeAspect="1"/>
+          </p:cNvSpPr>
+          <p:nvPr>
+            <p:ph type="sldImg"/>
+          </p:nvPr>
+        </p:nvSpPr>
+        <p:spPr/>
+      </p:sp>
+      <p:sp>
+        <p:nvSpPr>
+          <p:cNvPr id="3" name="Notes Placeholder 2"/>
+          <p:cNvSpPr>
+            <a:spLocks noGrp="1"/>
+          </p:cNvSpPr>
+          <p:nvPr>
+            <p:ph type="body" idx="1"/>
+          </p:nvPr>
+        </p:nvSpPr>
+        <p:spPr/>
+        <p:txBody>
+          <a:bodyPr/>
+          <a:lstStyle/>
+          <a:p>
+            <a:r>
+              <a:rPr lang="en-US" dirty="0" smtClean="0"/>
               <a:t>See Tutorial</a:t>
             </a:r>
             <a:r>
@@ -766,7 +1054,7 @@
           <a:p>
             <a:fld id="{BCD80747-F88F-2D4C-A748-BED093511FCD}" type="slidenum">
               <a:rPr lang="en-US" smtClean="0"/>
-              <a:t>34</a:t>
+              <a:t>36</a:t>
             </a:fld>
             <a:endParaRPr lang="en-US"/>
           </a:p>
@@ -825,7 +1113,7 @@
         </p:nvSpPr>
         <p:spPr>
           <a:xfrm>
-            <a:off x="688011" y="2320993"/>
+            <a:off x="688011" y="2320994"/>
             <a:ext cx="7772400" cy="763487"/>
           </a:xfrm>
         </p:spPr>
@@ -874,7 +1162,7 @@
                 </a:solidFill>
               </a:defRPr>
             </a:lvl1pPr>
-            <a:lvl2pPr marL="457200" indent="0" algn="ctr">
+            <a:lvl2pPr marL="457189" indent="0" algn="ctr">
               <a:buNone/>
               <a:defRPr>
                 <a:solidFill>
@@ -884,7 +1172,7 @@
                 </a:solidFill>
               </a:defRPr>
             </a:lvl2pPr>
-            <a:lvl3pPr marL="914400" indent="0" algn="ctr">
+            <a:lvl3pPr marL="914377" indent="0" algn="ctr">
               <a:buNone/>
               <a:defRPr>
                 <a:solidFill>
@@ -894,7 +1182,7 @@
                 </a:solidFill>
               </a:defRPr>
             </a:lvl3pPr>
-            <a:lvl4pPr marL="1371600" indent="0" algn="ctr">
+            <a:lvl4pPr marL="1371566" indent="0" algn="ctr">
               <a:buNone/>
               <a:defRPr>
                 <a:solidFill>
@@ -904,7 +1192,7 @@
                 </a:solidFill>
               </a:defRPr>
             </a:lvl4pPr>
-            <a:lvl5pPr marL="1828800" indent="0" algn="ctr">
+            <a:lvl5pPr marL="1828754" indent="0" algn="ctr">
               <a:buNone/>
               <a:defRPr>
                 <a:solidFill>
@@ -914,7 +1202,7 @@
                 </a:solidFill>
               </a:defRPr>
             </a:lvl5pPr>
-            <a:lvl6pPr marL="2286000" indent="0" algn="ctr">
+            <a:lvl6pPr marL="2285943" indent="0" algn="ctr">
               <a:buNone/>
               <a:defRPr>
                 <a:solidFill>
@@ -924,7 +1212,7 @@
                 </a:solidFill>
               </a:defRPr>
             </a:lvl6pPr>
-            <a:lvl7pPr marL="2743200" indent="0" algn="ctr">
+            <a:lvl7pPr marL="2743131" indent="0" algn="ctr">
               <a:buNone/>
               <a:defRPr>
                 <a:solidFill>
@@ -934,7 +1222,7 @@
                 </a:solidFill>
               </a:defRPr>
             </a:lvl7pPr>
-            <a:lvl8pPr marL="3200400" indent="0" algn="ctr">
+            <a:lvl8pPr marL="3200320" indent="0" algn="ctr">
               <a:buNone/>
               <a:defRPr>
                 <a:solidFill>
@@ -944,7 +1232,7 @@
                 </a:solidFill>
               </a:defRPr>
             </a:lvl8pPr>
-            <a:lvl9pPr marL="3657600" indent="0" algn="ctr">
+            <a:lvl9pPr marL="3657509" indent="0" algn="ctr">
               <a:buNone/>
               <a:defRPr>
                 <a:solidFill>
@@ -972,7 +1260,7 @@
         </p:nvSpPr>
         <p:spPr>
           <a:xfrm>
-            <a:off x="325166" y="4535655"/>
+            <a:off x="325167" y="4535655"/>
             <a:ext cx="6069291" cy="292388"/>
           </a:xfrm>
           <a:prstGeom prst="rect">
@@ -981,7 +1269,7 @@
           <a:noFill/>
         </p:spPr>
         <p:txBody>
-          <a:bodyPr wrap="square" rtlCol="0">
+          <a:bodyPr wrap="square" lIns="91438" tIns="45719" rIns="91438" bIns="45719" rtlCol="0">
             <a:spAutoFit/>
           </a:bodyPr>
           <a:lstStyle/>
@@ -1060,7 +1348,7 @@
         </p:blipFill>
         <p:spPr>
           <a:xfrm>
-            <a:off x="7542817" y="4206545"/>
+            <a:off x="7542818" y="4206545"/>
             <a:ext cx="1170191" cy="561692"/>
           </a:xfrm>
           <a:prstGeom prst="rect">
@@ -1122,6 +1410,87 @@
 </p:sldLayout>
 </file>
 
+<file path=ppt/slideLayouts/slideLayout11.xml><?xml version="1.0" encoding="utf-8"?>
+<p:sldLayout xmlns:a="http://schemas.openxmlformats.org/drawingml/2006/main" xmlns:r="http://schemas.openxmlformats.org/officeDocument/2006/relationships" xmlns:p="http://schemas.openxmlformats.org/presentationml/2006/main" preserve="1">
+  <p:cSld name="Title centered">
+    <p:spTree>
+      <p:nvGrpSpPr>
+        <p:cNvPr id="1" name=""/>
+        <p:cNvGrpSpPr/>
+        <p:nvPr/>
+      </p:nvGrpSpPr>
+      <p:grpSpPr>
+        <a:xfrm>
+          <a:off x="0" y="0"/>
+          <a:ext cx="0" cy="0"/>
+          <a:chOff x="0" y="0"/>
+          <a:chExt cx="0" cy="0"/>
+        </a:xfrm>
+      </p:grpSpPr>
+      <p:sp>
+        <p:nvSpPr>
+          <p:cNvPr id="2" name="Title 1"/>
+          <p:cNvSpPr>
+            <a:spLocks noGrp="1"/>
+          </p:cNvSpPr>
+          <p:nvPr>
+            <p:ph type="title"/>
+          </p:nvPr>
+        </p:nvSpPr>
+        <p:spPr>
+          <a:xfrm>
+            <a:off x="457200" y="1935599"/>
+            <a:ext cx="8229600" cy="857250"/>
+          </a:xfrm>
+        </p:spPr>
+        <p:txBody>
+          <a:bodyPr/>
+          <a:lstStyle/>
+          <a:p>
+            <a:r>
+              <a:rPr lang="en-AU" smtClean="0"/>
+              <a:t>Click to edit Master title style</a:t>
+            </a:r>
+            <a:endParaRPr lang="en-US"/>
+          </a:p>
+        </p:txBody>
+      </p:sp>
+      <p:sp>
+        <p:nvSpPr>
+          <p:cNvPr id="3" name="Slide Number Placeholder 2"/>
+          <p:cNvSpPr>
+            <a:spLocks noGrp="1"/>
+          </p:cNvSpPr>
+          <p:nvPr>
+            <p:ph type="sldNum" sz="quarter" idx="10"/>
+          </p:nvPr>
+        </p:nvSpPr>
+        <p:spPr/>
+        <p:txBody>
+          <a:bodyPr/>
+          <a:lstStyle/>
+          <a:p>
+            <a:fld id="{35B016C7-40AF-144C-A4C2-FF12F9A38365}" type="slidenum">
+              <a:rPr lang="en-US" smtClean="0"/>
+              <a:t>‹#›</a:t>
+            </a:fld>
+            <a:endParaRPr lang="en-US"/>
+          </a:p>
+        </p:txBody>
+      </p:sp>
+    </p:spTree>
+    <p:extLst>
+      <p:ext uri="{BB962C8B-B14F-4D97-AF65-F5344CB8AC3E}">
+        <p14:creationId xmlns:p14="http://schemas.microsoft.com/office/powerpoint/2010/main" val="2430503110"/>
+      </p:ext>
+    </p:extLst>
+  </p:cSld>
+  <p:clrMapOvr>
+    <a:masterClrMapping/>
+  </p:clrMapOvr>
+</p:sldLayout>
+</file>
+
 <file path=ppt/slideLayouts/slideLayout2.xml><?xml version="1.0" encoding="utf-8"?>
 <p:sldLayout xmlns:a="http://schemas.openxmlformats.org/drawingml/2006/main" xmlns:r="http://schemas.openxmlformats.org/officeDocument/2006/relationships" xmlns:p="http://schemas.openxmlformats.org/presentationml/2006/main" preserve="1">
   <p:cSld name="Title and Content">
@@ -1174,19 +1543,19 @@
         </p:nvSpPr>
         <p:spPr>
           <a:xfrm>
-            <a:off x="457200" y="1218239"/>
+            <a:off x="457200" y="1218240"/>
             <a:ext cx="8229600" cy="3376383"/>
           </a:xfrm>
         </p:spPr>
         <p:txBody>
           <a:bodyPr/>
           <a:lstStyle>
-            <a:lvl1pPr marL="342900" indent="-342900">
+            <a:lvl1pPr marL="342891" indent="-342891">
               <a:buFont typeface="Arial"/>
               <a:buChar char="•"/>
               <a:defRPr b="0" i="0"/>
             </a:lvl1pPr>
-            <a:lvl2pPr marL="742950" indent="-285750">
+            <a:lvl2pPr marL="742931" indent="-285743">
               <a:buFont typeface="Arial"/>
               <a:buChar char="•"/>
               <a:defRPr/>
@@ -1318,19 +1687,19 @@
         </p:nvSpPr>
         <p:spPr>
           <a:xfrm>
-            <a:off x="457200" y="1658879"/>
+            <a:off x="457200" y="1658880"/>
             <a:ext cx="8229600" cy="2935743"/>
           </a:xfrm>
         </p:spPr>
         <p:txBody>
           <a:bodyPr/>
           <a:lstStyle>
-            <a:lvl1pPr marL="342900" indent="-342900">
+            <a:lvl1pPr marL="342891" indent="-342891">
               <a:buFont typeface="Arial"/>
               <a:buChar char="•"/>
               <a:defRPr b="0" i="0"/>
             </a:lvl1pPr>
-            <a:lvl2pPr marL="742950" indent="-285750">
+            <a:lvl2pPr marL="742931" indent="-285743">
               <a:buFont typeface="Arial"/>
               <a:buChar char="•"/>
               <a:defRPr/>
@@ -1412,14 +1781,14 @@
         </p:nvSpPr>
         <p:spPr>
           <a:xfrm>
-            <a:off x="457200" y="1063625"/>
+            <a:off x="457200" y="1063626"/>
             <a:ext cx="8229600" cy="595313"/>
           </a:xfrm>
         </p:spPr>
         <p:txBody>
           <a:bodyPr/>
           <a:lstStyle>
-            <a:lvl1pPr marL="0" marR="0" indent="0" algn="l" defTabSz="457200" rtl="0" eaLnBrk="1" fontAlgn="auto" latinLnBrk="0" hangingPunct="1">
+            <a:lvl1pPr marL="0" marR="0" indent="0" algn="l" defTabSz="457189" rtl="0" eaLnBrk="1" fontAlgn="auto" latinLnBrk="0" hangingPunct="1">
               <a:lnSpc>
                 <a:spcPct val="100000"/>
               </a:lnSpc>
@@ -1443,7 +1812,7 @@
             </a:lvl1pPr>
           </a:lstStyle>
           <a:p>
-            <a:pPr marL="0" marR="0" lvl="0" indent="0" algn="l" defTabSz="457200" rtl="0" eaLnBrk="1" fontAlgn="auto" latinLnBrk="0" hangingPunct="1">
+            <a:pPr marL="0" marR="0" lvl="0" indent="0" algn="l" defTabSz="457189" rtl="0" eaLnBrk="1" fontAlgn="auto" latinLnBrk="0" hangingPunct="1">
               <a:lnSpc>
                 <a:spcPct val="100000"/>
               </a:lnSpc>
@@ -1825,35 +2194,35 @@
               <a:buNone/>
               <a:defRPr sz="2400" b="1"/>
             </a:lvl1pPr>
-            <a:lvl2pPr marL="457200" indent="0">
+            <a:lvl2pPr marL="457189" indent="0">
               <a:buNone/>
               <a:defRPr sz="2000" b="1"/>
             </a:lvl2pPr>
-            <a:lvl3pPr marL="914400" indent="0">
+            <a:lvl3pPr marL="914377" indent="0">
               <a:buNone/>
               <a:defRPr sz="1800" b="1"/>
             </a:lvl3pPr>
-            <a:lvl4pPr marL="1371600" indent="0">
+            <a:lvl4pPr marL="1371566" indent="0">
               <a:buNone/>
               <a:defRPr sz="1600" b="1"/>
             </a:lvl4pPr>
-            <a:lvl5pPr marL="1828800" indent="0">
+            <a:lvl5pPr marL="1828754" indent="0">
               <a:buNone/>
               <a:defRPr sz="1600" b="1"/>
             </a:lvl5pPr>
-            <a:lvl6pPr marL="2286000" indent="0">
+            <a:lvl6pPr marL="2285943" indent="0">
               <a:buNone/>
               <a:defRPr sz="1600" b="1"/>
             </a:lvl6pPr>
-            <a:lvl7pPr marL="2743200" indent="0">
+            <a:lvl7pPr marL="2743131" indent="0">
               <a:buNone/>
               <a:defRPr sz="1600" b="1"/>
             </a:lvl7pPr>
-            <a:lvl8pPr marL="3200400" indent="0">
+            <a:lvl8pPr marL="3200320" indent="0">
               <a:buNone/>
               <a:defRPr sz="1600" b="1"/>
             </a:lvl8pPr>
-            <a:lvl9pPr marL="3657600" indent="0">
+            <a:lvl9pPr marL="3657509" indent="0">
               <a:buNone/>
               <a:defRPr sz="1600" b="1"/>
             </a:lvl9pPr>
@@ -1964,7 +2333,7 @@
         </p:nvSpPr>
         <p:spPr>
           <a:xfrm>
-            <a:off x="4645026" y="1151335"/>
+            <a:off x="4645027" y="1151335"/>
             <a:ext cx="4041775" cy="479822"/>
           </a:xfrm>
         </p:spPr>
@@ -1977,35 +2346,35 @@
               <a:buNone/>
               <a:defRPr sz="2400" b="1"/>
             </a:lvl1pPr>
-            <a:lvl2pPr marL="457200" indent="0">
+            <a:lvl2pPr marL="457189" indent="0">
               <a:buNone/>
               <a:defRPr sz="2000" b="1"/>
             </a:lvl2pPr>
-            <a:lvl3pPr marL="914400" indent="0">
+            <a:lvl3pPr marL="914377" indent="0">
               <a:buNone/>
               <a:defRPr sz="1800" b="1"/>
             </a:lvl3pPr>
-            <a:lvl4pPr marL="1371600" indent="0">
+            <a:lvl4pPr marL="1371566" indent="0">
               <a:buNone/>
               <a:defRPr sz="1600" b="1"/>
             </a:lvl4pPr>
-            <a:lvl5pPr marL="1828800" indent="0">
+            <a:lvl5pPr marL="1828754" indent="0">
               <a:buNone/>
               <a:defRPr sz="1600" b="1"/>
             </a:lvl5pPr>
-            <a:lvl6pPr marL="2286000" indent="0">
+            <a:lvl6pPr marL="2285943" indent="0">
               <a:buNone/>
               <a:defRPr sz="1600" b="1"/>
             </a:lvl6pPr>
-            <a:lvl7pPr marL="2743200" indent="0">
+            <a:lvl7pPr marL="2743131" indent="0">
               <a:buNone/>
               <a:defRPr sz="1600" b="1"/>
             </a:lvl7pPr>
-            <a:lvl8pPr marL="3200400" indent="0">
+            <a:lvl8pPr marL="3200320" indent="0">
               <a:buNone/>
               <a:defRPr sz="1600" b="1"/>
             </a:lvl8pPr>
-            <a:lvl9pPr marL="3657600" indent="0">
+            <a:lvl9pPr marL="3657509" indent="0">
               <a:buNone/>
               <a:defRPr sz="1600" b="1"/>
             </a:lvl9pPr>
@@ -2031,7 +2400,7 @@
         </p:nvSpPr>
         <p:spPr>
           <a:xfrm>
-            <a:off x="4645026" y="1631156"/>
+            <a:off x="4645027" y="1631156"/>
             <a:ext cx="4041775" cy="2963466"/>
           </a:xfrm>
         </p:spPr>
@@ -2364,7 +2733,7 @@
     <p:bg>
       <p:bgPr>
         <a:blipFill rotWithShape="1">
-          <a:blip r:embed="rId12"/>
+          <a:blip r:embed="rId13"/>
           <a:stretch>
             <a:fillRect/>
           </a:stretch>
@@ -2406,7 +2775,7 @@
           </a:prstGeom>
         </p:spPr>
         <p:txBody>
-          <a:bodyPr vert="horz" lIns="91440" tIns="45720" rIns="91440" bIns="45720" rtlCol="0" anchor="ctr">
+          <a:bodyPr vert="horz" lIns="91438" tIns="45719" rIns="91438" bIns="45719" rtlCol="0" anchor="ctr">
             <a:normAutofit/>
           </a:bodyPr>
           <a:lstStyle/>
@@ -2439,7 +2808,7 @@
           </a:prstGeom>
         </p:spPr>
         <p:txBody>
-          <a:bodyPr vert="horz" lIns="91440" tIns="45720" rIns="91440" bIns="45720" rtlCol="0">
+          <a:bodyPr vert="horz" lIns="91438" tIns="45719" rIns="91438" bIns="45719" rtlCol="0">
             <a:normAutofit/>
           </a:bodyPr>
           <a:lstStyle/>
@@ -2501,7 +2870,7 @@
           </a:prstGeom>
         </p:spPr>
         <p:txBody>
-          <a:bodyPr vert="horz" lIns="91440" tIns="45720" rIns="91440" bIns="45720" rtlCol="0" anchor="ctr"/>
+          <a:bodyPr vert="horz" lIns="91438" tIns="45719" rIns="91438" bIns="45719" rtlCol="0" anchor="ctr"/>
           <a:lstStyle>
             <a:lvl1pPr algn="r">
               <a:defRPr sz="1200">
@@ -2541,10 +2910,11 @@
     <p:sldLayoutId id="2147485473" r:id="rId8"/>
     <p:sldLayoutId id="2147485474" r:id="rId9"/>
     <p:sldLayoutId id="2147485475" r:id="rId10"/>
+    <p:sldLayoutId id="2147485476" r:id="rId11"/>
   </p:sldLayoutIdLst>
   <p:txStyles>
     <p:titleStyle>
-      <a:lvl1pPr algn="ctr" defTabSz="457200" rtl="0" eaLnBrk="1" latinLnBrk="0" hangingPunct="1">
+      <a:lvl1pPr algn="ctr" defTabSz="457189" rtl="0" eaLnBrk="1" latinLnBrk="0" hangingPunct="1">
         <a:spcBef>
           <a:spcPct val="0"/>
         </a:spcBef>
@@ -2560,7 +2930,7 @@
       </a:lvl1pPr>
     </p:titleStyle>
     <p:bodyStyle>
-      <a:lvl1pPr marL="342900" indent="-342900" algn="l" defTabSz="457200" rtl="0" eaLnBrk="1" latinLnBrk="0" hangingPunct="1">
+      <a:lvl1pPr marL="342891" indent="-342891" algn="l" defTabSz="457189" rtl="0" eaLnBrk="1" latinLnBrk="0" hangingPunct="1">
         <a:spcBef>
           <a:spcPct val="20000"/>
         </a:spcBef>
@@ -2575,7 +2945,7 @@
           <a:cs typeface="+mn-cs"/>
         </a:defRPr>
       </a:lvl1pPr>
-      <a:lvl2pPr marL="742950" indent="-285750" algn="l" defTabSz="457200" rtl="0" eaLnBrk="1" latinLnBrk="0" hangingPunct="1">
+      <a:lvl2pPr marL="742931" indent="-285743" algn="l" defTabSz="457189" rtl="0" eaLnBrk="1" latinLnBrk="0" hangingPunct="1">
         <a:spcBef>
           <a:spcPct val="20000"/>
         </a:spcBef>
@@ -2590,7 +2960,7 @@
           <a:cs typeface="+mn-cs"/>
         </a:defRPr>
       </a:lvl2pPr>
-      <a:lvl3pPr marL="1143000" indent="-228600" algn="l" defTabSz="457200" rtl="0" eaLnBrk="1" latinLnBrk="0" hangingPunct="1">
+      <a:lvl3pPr marL="1142972" indent="-228594" algn="l" defTabSz="457189" rtl="0" eaLnBrk="1" latinLnBrk="0" hangingPunct="1">
         <a:spcBef>
           <a:spcPct val="20000"/>
         </a:spcBef>
@@ -2605,7 +2975,7 @@
           <a:cs typeface="+mn-cs"/>
         </a:defRPr>
       </a:lvl3pPr>
-      <a:lvl4pPr marL="1600200" indent="-228600" algn="l" defTabSz="457200" rtl="0" eaLnBrk="1" latinLnBrk="0" hangingPunct="1">
+      <a:lvl4pPr marL="1600160" indent="-228594" algn="l" defTabSz="457189" rtl="0" eaLnBrk="1" latinLnBrk="0" hangingPunct="1">
         <a:spcBef>
           <a:spcPct val="20000"/>
         </a:spcBef>
@@ -2620,7 +2990,7 @@
           <a:cs typeface="+mn-cs"/>
         </a:defRPr>
       </a:lvl4pPr>
-      <a:lvl5pPr marL="2057400" indent="-228600" algn="l" defTabSz="457200" rtl="0" eaLnBrk="1" latinLnBrk="0" hangingPunct="1">
+      <a:lvl5pPr marL="2057349" indent="-228594" algn="l" defTabSz="457189" rtl="0" eaLnBrk="1" latinLnBrk="0" hangingPunct="1">
         <a:spcBef>
           <a:spcPct val="20000"/>
         </a:spcBef>
@@ -2635,7 +3005,7 @@
           <a:cs typeface="+mn-cs"/>
         </a:defRPr>
       </a:lvl5pPr>
-      <a:lvl6pPr marL="2514600" indent="-228600" algn="l" defTabSz="457200" rtl="0" eaLnBrk="1" latinLnBrk="0" hangingPunct="1">
+      <a:lvl6pPr marL="2514537" indent="-228594" algn="l" defTabSz="457189" rtl="0" eaLnBrk="1" latinLnBrk="0" hangingPunct="1">
         <a:spcBef>
           <a:spcPct val="20000"/>
         </a:spcBef>
@@ -2650,7 +3020,7 @@
           <a:cs typeface="+mn-cs"/>
         </a:defRPr>
       </a:lvl6pPr>
-      <a:lvl7pPr marL="2971800" indent="-228600" algn="l" defTabSz="457200" rtl="0" eaLnBrk="1" latinLnBrk="0" hangingPunct="1">
+      <a:lvl7pPr marL="2971726" indent="-228594" algn="l" defTabSz="457189" rtl="0" eaLnBrk="1" latinLnBrk="0" hangingPunct="1">
         <a:spcBef>
           <a:spcPct val="20000"/>
         </a:spcBef>
@@ -2665,7 +3035,7 @@
           <a:cs typeface="+mn-cs"/>
         </a:defRPr>
       </a:lvl7pPr>
-      <a:lvl8pPr marL="3429000" indent="-228600" algn="l" defTabSz="457200" rtl="0" eaLnBrk="1" latinLnBrk="0" hangingPunct="1">
+      <a:lvl8pPr marL="3428914" indent="-228594" algn="l" defTabSz="457189" rtl="0" eaLnBrk="1" latinLnBrk="0" hangingPunct="1">
         <a:spcBef>
           <a:spcPct val="20000"/>
         </a:spcBef>
@@ -2680,7 +3050,7 @@
           <a:cs typeface="+mn-cs"/>
         </a:defRPr>
       </a:lvl8pPr>
-      <a:lvl9pPr marL="3886200" indent="-228600" algn="l" defTabSz="457200" rtl="0" eaLnBrk="1" latinLnBrk="0" hangingPunct="1">
+      <a:lvl9pPr marL="3886103" indent="-228594" algn="l" defTabSz="457189" rtl="0" eaLnBrk="1" latinLnBrk="0" hangingPunct="1">
         <a:spcBef>
           <a:spcPct val="20000"/>
         </a:spcBef>
@@ -2700,7 +3070,7 @@
       <a:defPPr>
         <a:defRPr lang="en-US"/>
       </a:defPPr>
-      <a:lvl1pPr marL="0" algn="l" defTabSz="457200" rtl="0" eaLnBrk="1" latinLnBrk="0" hangingPunct="1">
+      <a:lvl1pPr marL="0" algn="l" defTabSz="457189" rtl="0" eaLnBrk="1" latinLnBrk="0" hangingPunct="1">
         <a:defRPr sz="1800" kern="1200">
           <a:solidFill>
             <a:schemeClr val="tx1"/>
@@ -2710,7 +3080,7 @@
           <a:cs typeface="+mn-cs"/>
         </a:defRPr>
       </a:lvl1pPr>
-      <a:lvl2pPr marL="457200" algn="l" defTabSz="457200" rtl="0" eaLnBrk="1" latinLnBrk="0" hangingPunct="1">
+      <a:lvl2pPr marL="457189" algn="l" defTabSz="457189" rtl="0" eaLnBrk="1" latinLnBrk="0" hangingPunct="1">
         <a:defRPr sz="1800" kern="1200">
           <a:solidFill>
             <a:schemeClr val="tx1"/>
@@ -2720,7 +3090,7 @@
           <a:cs typeface="+mn-cs"/>
         </a:defRPr>
       </a:lvl2pPr>
-      <a:lvl3pPr marL="914400" algn="l" defTabSz="457200" rtl="0" eaLnBrk="1" latinLnBrk="0" hangingPunct="1">
+      <a:lvl3pPr marL="914377" algn="l" defTabSz="457189" rtl="0" eaLnBrk="1" latinLnBrk="0" hangingPunct="1">
         <a:defRPr sz="1800" kern="1200">
           <a:solidFill>
             <a:schemeClr val="tx1"/>
@@ -2730,7 +3100,7 @@
           <a:cs typeface="+mn-cs"/>
         </a:defRPr>
       </a:lvl3pPr>
-      <a:lvl4pPr marL="1371600" algn="l" defTabSz="457200" rtl="0" eaLnBrk="1" latinLnBrk="0" hangingPunct="1">
+      <a:lvl4pPr marL="1371566" algn="l" defTabSz="457189" rtl="0" eaLnBrk="1" latinLnBrk="0" hangingPunct="1">
         <a:defRPr sz="1800" kern="1200">
           <a:solidFill>
             <a:schemeClr val="tx1"/>
@@ -2740,7 +3110,7 @@
           <a:cs typeface="+mn-cs"/>
         </a:defRPr>
       </a:lvl4pPr>
-      <a:lvl5pPr marL="1828800" algn="l" defTabSz="457200" rtl="0" eaLnBrk="1" latinLnBrk="0" hangingPunct="1">
+      <a:lvl5pPr marL="1828754" algn="l" defTabSz="457189" rtl="0" eaLnBrk="1" latinLnBrk="0" hangingPunct="1">
         <a:defRPr sz="1800" kern="1200">
           <a:solidFill>
             <a:schemeClr val="tx1"/>
@@ -2750,7 +3120,7 @@
           <a:cs typeface="+mn-cs"/>
         </a:defRPr>
       </a:lvl5pPr>
-      <a:lvl6pPr marL="2286000" algn="l" defTabSz="457200" rtl="0" eaLnBrk="1" latinLnBrk="0" hangingPunct="1">
+      <a:lvl6pPr marL="2285943" algn="l" defTabSz="457189" rtl="0" eaLnBrk="1" latinLnBrk="0" hangingPunct="1">
         <a:defRPr sz="1800" kern="1200">
           <a:solidFill>
             <a:schemeClr val="tx1"/>
@@ -2760,7 +3130,7 @@
           <a:cs typeface="+mn-cs"/>
         </a:defRPr>
       </a:lvl6pPr>
-      <a:lvl7pPr marL="2743200" algn="l" defTabSz="457200" rtl="0" eaLnBrk="1" latinLnBrk="0" hangingPunct="1">
+      <a:lvl7pPr marL="2743131" algn="l" defTabSz="457189" rtl="0" eaLnBrk="1" latinLnBrk="0" hangingPunct="1">
         <a:defRPr sz="1800" kern="1200">
           <a:solidFill>
             <a:schemeClr val="tx1"/>
@@ -2770,7 +3140,7 @@
           <a:cs typeface="+mn-cs"/>
         </a:defRPr>
       </a:lvl7pPr>
-      <a:lvl8pPr marL="3200400" algn="l" defTabSz="457200" rtl="0" eaLnBrk="1" latinLnBrk="0" hangingPunct="1">
+      <a:lvl8pPr marL="3200320" algn="l" defTabSz="457189" rtl="0" eaLnBrk="1" latinLnBrk="0" hangingPunct="1">
         <a:defRPr sz="1800" kern="1200">
           <a:solidFill>
             <a:schemeClr val="tx1"/>
@@ -2780,7 +3150,7 @@
           <a:cs typeface="+mn-cs"/>
         </a:defRPr>
       </a:lvl8pPr>
-      <a:lvl9pPr marL="3657600" algn="l" defTabSz="457200" rtl="0" eaLnBrk="1" latinLnBrk="0" hangingPunct="1">
+      <a:lvl9pPr marL="3657509" algn="l" defTabSz="457189" rtl="0" eaLnBrk="1" latinLnBrk="0" hangingPunct="1">
         <a:defRPr sz="1800" kern="1200">
           <a:solidFill>
             <a:schemeClr val="tx1"/>
@@ -2979,7 +3349,6 @@
               <a:rPr lang="en-US" dirty="0" smtClean="0"/>
               <a:t>Factors which help you determine the amount of resources (computing and storage) you require. </a:t>
             </a:r>
-            <a:endParaRPr lang="en-US" dirty="0" smtClean="0"/>
           </a:p>
           <a:p>
             <a:pPr marL="0" indent="0">
@@ -2987,25 +3356,8 @@
             </a:pPr>
             <a:r>
               <a:rPr lang="en-US" dirty="0" smtClean="0"/>
-              <a:t>We </a:t>
-            </a:r>
-            <a:r>
-              <a:rPr lang="en-US" dirty="0" smtClean="0"/>
-              <a:t>will take a look at the different types of storage that are available to </a:t>
-            </a:r>
-            <a:r>
-              <a:rPr lang="en-US" dirty="0" smtClean="0"/>
-              <a:t>you to help you decide which type(s) </a:t>
-            </a:r>
-            <a:r>
-              <a:rPr lang="en-US" dirty="0" smtClean="0"/>
-              <a:t>suits your purposes</a:t>
-            </a:r>
-            <a:r>
-              <a:rPr lang="en-US" dirty="0" smtClean="0"/>
-              <a:t>.</a:t>
-            </a:r>
-            <a:endParaRPr lang="en-US" dirty="0" smtClean="0"/>
+              <a:t>We will take a look at the different types of storage that are available to you to help you decide which type(s) suits your purposes.</a:t>
+            </a:r>
           </a:p>
         </p:txBody>
       </p:sp>
@@ -3224,7 +3576,6 @@
               <a:rPr lang="en-US" dirty="0" smtClean="0"/>
               <a:t>This module provides an introduction to key security issues, dangers and consequences when running a virtual machine in the cloud. </a:t>
             </a:r>
-            <a:endParaRPr lang="en-US" dirty="0" smtClean="0"/>
           </a:p>
           <a:p>
             <a:pPr marL="0" indent="0">
@@ -3232,11 +3583,7 @@
             </a:pPr>
             <a:r>
               <a:rPr lang="en-US" dirty="0" smtClean="0"/>
-              <a:t>Practical </a:t>
-            </a:r>
-            <a:r>
-              <a:rPr lang="en-US" dirty="0" smtClean="0"/>
-              <a:t>advice is given for making your machine secure and protect your data with encryption.</a:t>
+              <a:t>Practical advice is given for making your machine secure and protect your data with encryption.</a:t>
             </a:r>
             <a:endParaRPr lang="en-US" dirty="0"/>
           </a:p>
@@ -3356,6 +3703,13 @@
   <p:clrMapOvr>
     <a:masterClrMapping/>
   </p:clrMapOvr>
+  <p:timing>
+    <p:tnLst>
+      <p:par>
+        <p:cTn xmlns:p14="http://schemas.microsoft.com/office/powerpoint/2010/main" id="1" dur="indefinite" restart="never" nodeType="tmRoot"/>
+      </p:par>
+    </p:tnLst>
+  </p:timing>
 </p:sld>
 </file>
 
@@ -3471,6 +3825,13 @@
   <p:clrMapOvr>
     <a:masterClrMapping/>
   </p:clrMapOvr>
+  <p:timing>
+    <p:tnLst>
+      <p:par>
+        <p:cTn xmlns:p14="http://schemas.microsoft.com/office/powerpoint/2010/main" id="1" dur="indefinite" restart="never" nodeType="tmRoot"/>
+      </p:par>
+    </p:tnLst>
+  </p:timing>
 </p:sld>
 </file>
 
@@ -3514,83 +3875,6 @@
           </a:p>
         </p:txBody>
       </p:sp>
-      <p:sp>
-        <p:nvSpPr>
-          <p:cNvPr id="5" name="Content Placeholder 4"/>
-          <p:cNvSpPr>
-            <a:spLocks noGrp="1"/>
-          </p:cNvSpPr>
-          <p:nvPr>
-            <p:ph sz="half" idx="1"/>
-          </p:nvPr>
-        </p:nvSpPr>
-        <p:spPr/>
-        <p:txBody>
-          <a:bodyPr>
-            <a:normAutofit fontScale="85000" lnSpcReduction="10000"/>
-          </a:bodyPr>
-          <a:lstStyle/>
-          <a:p>
-            <a:pPr lvl="0"/>
-            <a:r>
-              <a:rPr lang="en-US" dirty="0" smtClean="0"/>
-              <a:t>Simply put, cloud computing means storing and accessing </a:t>
-            </a:r>
-            <a:r>
-              <a:rPr lang="en-US" b="1" dirty="0" smtClean="0">
-                <a:sym typeface="Helvetica"/>
-              </a:rPr>
-              <a:t>data and programs</a:t>
-            </a:r>
-            <a:r>
-              <a:rPr lang="en-US" b="1" dirty="0" smtClean="0"/>
-              <a:t> </a:t>
-            </a:r>
-            <a:r>
-              <a:rPr lang="en-US" dirty="0" smtClean="0"/>
-              <a:t>over the Internet instead of on your own computers hard drive.</a:t>
-            </a:r>
-          </a:p>
-          <a:p>
-            <a:pPr lvl="0"/>
-            <a:r>
-              <a:rPr lang="en-US" dirty="0" smtClean="0"/>
-              <a:t>Your local computer is only used to control your resources from remote and display things on your screen — the data and compute servers are actually “in the cloud”</a:t>
-            </a:r>
-            <a:endParaRPr lang="en-US" dirty="0"/>
-          </a:p>
-        </p:txBody>
-      </p:sp>
-      <p:pic>
-        <p:nvPicPr>
-          <p:cNvPr id="3" name="Picture 2" descr="CloudServices.png"/>
-          <p:cNvPicPr>
-            <a:picLocks noChangeAspect="1"/>
-          </p:cNvPicPr>
-          <p:nvPr/>
-        </p:nvPicPr>
-        <p:blipFill>
-          <a:blip r:embed="rId2">
-            <a:extLst>
-              <a:ext uri="{28A0092B-C50C-407E-A947-70E740481C1C}">
-                <a14:useLocalDpi xmlns:a14="http://schemas.microsoft.com/office/drawing/2010/main" val="0"/>
-              </a:ext>
-            </a:extLst>
-          </a:blip>
-          <a:stretch>
-            <a:fillRect/>
-          </a:stretch>
-        </p:blipFill>
-        <p:spPr>
-          <a:xfrm>
-            <a:off x="4495800" y="1697760"/>
-            <a:ext cx="4233512" cy="1874575"/>
-          </a:xfrm>
-          <a:prstGeom prst="rect">
-            <a:avLst/>
-          </a:prstGeom>
-        </p:spPr>
-      </p:pic>
     </p:spTree>
     <p:extLst>
       <p:ext uri="{BB962C8B-B14F-4D97-AF65-F5344CB8AC3E}">
@@ -3601,6 +3885,13 @@
   <p:clrMapOvr>
     <a:masterClrMapping/>
   </p:clrMapOvr>
+  <p:timing>
+    <p:tnLst>
+      <p:par>
+        <p:cTn xmlns:p14="http://schemas.microsoft.com/office/powerpoint/2010/main" id="1" dur="indefinite" restart="never" nodeType="tmRoot"/>
+      </p:par>
+    </p:tnLst>
+  </p:timing>
 </p:sld>
 </file>
 
@@ -3621,110 +3912,46 @@
           <a:chExt cx="0" cy="0"/>
         </a:xfrm>
       </p:grpSpPr>
-      <p:sp>
-        <p:nvSpPr>
-          <p:cNvPr id="6" name="Title 5"/>
-          <p:cNvSpPr>
-            <a:spLocks noGrp="1"/>
-          </p:cNvSpPr>
-          <p:nvPr>
-            <p:ph type="title"/>
-          </p:nvPr>
-        </p:nvSpPr>
-        <p:spPr/>
-        <p:txBody>
-          <a:bodyPr/>
-          <a:lstStyle/>
-          <a:p>
-            <a:r>
-              <a:rPr lang="en-US" dirty="0" smtClean="0"/>
-              <a:t>Why is this good?</a:t>
-            </a:r>
-            <a:endParaRPr lang="en-US" dirty="0"/>
-          </a:p>
-        </p:txBody>
-      </p:sp>
-      <p:sp>
-        <p:nvSpPr>
-          <p:cNvPr id="3" name="Content Placeholder 2"/>
-          <p:cNvSpPr>
-            <a:spLocks noGrp="1"/>
-          </p:cNvSpPr>
-          <p:nvPr>
-            <p:ph sz="half" idx="1"/>
-          </p:nvPr>
-        </p:nvSpPr>
-        <p:spPr/>
-        <p:txBody>
-          <a:bodyPr>
-            <a:normAutofit fontScale="85000" lnSpcReduction="20000"/>
-          </a:bodyPr>
-          <a:lstStyle/>
-          <a:p>
-            <a:pPr lvl="0"/>
-            <a:r>
-              <a:rPr lang="en-US" dirty="0" smtClean="0"/>
-              <a:t>Imagine your research analysis software needs lots of computing power and </a:t>
-            </a:r>
-            <a:r>
-              <a:rPr lang="en-US" dirty="0" smtClean="0"/>
-              <a:t>storage.</a:t>
-            </a:r>
-            <a:endParaRPr lang="en-US" dirty="0" smtClean="0"/>
-          </a:p>
-          <a:p>
-            <a:pPr lvl="0"/>
-            <a:r>
-              <a:rPr lang="en-US" dirty="0" smtClean="0"/>
-              <a:t>Your research organization may not be able to provide you with enough resources easily.</a:t>
-            </a:r>
-          </a:p>
-          <a:p>
-            <a:pPr lvl="0"/>
-            <a:r>
-              <a:rPr lang="en-US" dirty="0" smtClean="0"/>
-              <a:t>In the cloud, you can easily </a:t>
-            </a:r>
-            <a:r>
-              <a:rPr lang="en-US" b="1" dirty="0" smtClean="0">
-                <a:sym typeface="Helvetica"/>
-              </a:rPr>
-              <a:t>scale up</a:t>
-            </a:r>
-            <a:r>
-              <a:rPr lang="en-US" b="1" dirty="0" smtClean="0"/>
-              <a:t> </a:t>
-            </a:r>
-            <a:r>
-              <a:rPr lang="en-US" dirty="0" smtClean="0"/>
-              <a:t>to the amount of resources you require at a time.</a:t>
-            </a:r>
-          </a:p>
-          <a:p>
-            <a:pPr lvl="0"/>
-            <a:r>
-              <a:rPr lang="en-US" dirty="0" smtClean="0"/>
-              <a:t>This model is commonly known as “pay-per-use”</a:t>
-            </a:r>
-            <a:endParaRPr lang="en-US" dirty="0"/>
-          </a:p>
-        </p:txBody>
-      </p:sp>
       <p:pic>
         <p:nvPicPr>
-          <p:cNvPr id="4" name="Picture 3" descr="CloudServices2.png"/>
+          <p:cNvPr id="119" name="Internet.png"/>
           <p:cNvPicPr>
             <a:picLocks noChangeAspect="1"/>
           </p:cNvPicPr>
           <p:nvPr/>
         </p:nvPicPr>
         <p:blipFill>
-          <a:blip r:embed="rId2">
-            <a:extLst>
-              <a:ext uri="{28A0092B-C50C-407E-A947-70E740481C1C}">
-                <a14:useLocalDpi xmlns:a14="http://schemas.microsoft.com/office/drawing/2010/main" val="0"/>
-              </a:ext>
-            </a:extLst>
+          <a:blip r:embed="rId3">
+            <a:extLst/>
+          </a:blip>
+          <a:stretch>
+            <a:fillRect/>
+          </a:stretch>
+        </p:blipFill>
+        <p:spPr>
+          <a:xfrm rot="2607345">
+            <a:off x="5997855" y="3686639"/>
+            <a:ext cx="1234482" cy="450420"/>
+          </a:xfrm>
+          <a:prstGeom prst="rect">
+            <a:avLst/>
+          </a:prstGeom>
+          <a:ln w="12700">
+            <a:miter lim="400000"/>
+          </a:ln>
+        </p:spPr>
+      </p:pic>
+      <p:pic>
+        <p:nvPicPr>
+          <p:cNvPr id="120" name="VM_blue.png"/>
+          <p:cNvPicPr>
+            <a:picLocks noChangeAspect="1"/>
+          </p:cNvPicPr>
+          <p:nvPr/>
+        </p:nvPicPr>
+        <p:blipFill>
+          <a:blip r:embed="rId4">
+            <a:extLst/>
           </a:blip>
           <a:stretch>
             <a:fillRect/>
@@ -3732,24 +3959,2210 @@
         </p:blipFill>
         <p:spPr>
           <a:xfrm>
-            <a:off x="4495800" y="1827360"/>
-            <a:ext cx="3901454" cy="1864053"/>
+            <a:off x="3688368" y="1196745"/>
+            <a:ext cx="836010" cy="810072"/>
           </a:xfrm>
           <a:prstGeom prst="rect">
             <a:avLst/>
           </a:prstGeom>
+          <a:ln w="12700">
+            <a:miter lim="400000"/>
+          </a:ln>
         </p:spPr>
       </p:pic>
+      <p:pic>
+        <p:nvPicPr>
+          <p:cNvPr id="121" name="Internet.png"/>
+          <p:cNvPicPr>
+            <a:picLocks noChangeAspect="1"/>
+          </p:cNvPicPr>
+          <p:nvPr/>
+        </p:nvPicPr>
+        <p:blipFill>
+          <a:blip r:embed="rId3">
+            <a:extLst/>
+          </a:blip>
+          <a:stretch>
+            <a:fillRect/>
+          </a:stretch>
+        </p:blipFill>
+        <p:spPr>
+          <a:xfrm rot="19819252">
+            <a:off x="1659221" y="3205434"/>
+            <a:ext cx="1234482" cy="450419"/>
+          </a:xfrm>
+          <a:prstGeom prst="rect">
+            <a:avLst/>
+          </a:prstGeom>
+          <a:ln w="12700">
+            <a:miter lim="400000"/>
+          </a:ln>
+        </p:spPr>
+      </p:pic>
+      <p:pic>
+        <p:nvPicPr>
+          <p:cNvPr id="122" name="Cloud_edited.png"/>
+          <p:cNvPicPr>
+            <a:picLocks/>
+          </p:cNvPicPr>
+          <p:nvPr/>
+        </p:nvPicPr>
+        <p:blipFill>
+          <a:blip r:embed="rId5">
+            <a:extLst/>
+          </a:blip>
+          <a:stretch>
+            <a:fillRect/>
+          </a:stretch>
+        </p:blipFill>
+        <p:spPr>
+          <a:xfrm>
+            <a:off x="1406589" y="52914"/>
+            <a:ext cx="6798267" cy="3398633"/>
+          </a:xfrm>
+          <a:prstGeom prst="rect">
+            <a:avLst/>
+          </a:prstGeom>
+          <a:ln w="12700">
+            <a:miter lim="400000"/>
+          </a:ln>
+        </p:spPr>
+      </p:pic>
+      <p:pic>
+        <p:nvPicPr>
+          <p:cNvPr id="123" name="VM_blue.png"/>
+          <p:cNvPicPr>
+            <a:picLocks noChangeAspect="1"/>
+          </p:cNvPicPr>
+          <p:nvPr/>
+        </p:nvPicPr>
+        <p:blipFill>
+          <a:blip r:embed="rId4">
+            <a:extLst/>
+          </a:blip>
+          <a:stretch>
+            <a:fillRect/>
+          </a:stretch>
+        </p:blipFill>
+        <p:spPr>
+          <a:xfrm>
+            <a:off x="4631343" y="1196745"/>
+            <a:ext cx="836010" cy="810072"/>
+          </a:xfrm>
+          <a:prstGeom prst="rect">
+            <a:avLst/>
+          </a:prstGeom>
+          <a:ln w="12700">
+            <a:miter lim="400000"/>
+          </a:ln>
+        </p:spPr>
+      </p:pic>
+      <p:pic>
+        <p:nvPicPr>
+          <p:cNvPr id="124" name="VM_blue.png"/>
+          <p:cNvPicPr>
+            <a:picLocks noChangeAspect="1"/>
+          </p:cNvPicPr>
+          <p:nvPr/>
+        </p:nvPicPr>
+        <p:blipFill>
+          <a:blip r:embed="rId4">
+            <a:extLst/>
+          </a:blip>
+          <a:stretch>
+            <a:fillRect/>
+          </a:stretch>
+        </p:blipFill>
+        <p:spPr>
+          <a:xfrm>
+            <a:off x="5574318" y="1196745"/>
+            <a:ext cx="836010" cy="810072"/>
+          </a:xfrm>
+          <a:prstGeom prst="rect">
+            <a:avLst/>
+          </a:prstGeom>
+          <a:ln w="12700">
+            <a:miter lim="400000"/>
+          </a:ln>
+        </p:spPr>
+      </p:pic>
+      <p:grpSp>
+        <p:nvGrpSpPr>
+          <p:cNvPr id="135" name="Group 135"/>
+          <p:cNvGrpSpPr/>
+          <p:nvPr/>
+        </p:nvGrpSpPr>
+        <p:grpSpPr>
+          <a:xfrm>
+            <a:off x="3986475" y="2009358"/>
+            <a:ext cx="3035065" cy="165914"/>
+            <a:chOff x="0" y="0"/>
+            <a:chExt cx="8093504" cy="442435"/>
+          </a:xfrm>
+        </p:grpSpPr>
+        <p:sp>
+          <p:nvSpPr>
+            <p:cNvPr id="125" name="Shape 125"/>
+            <p:cNvSpPr/>
+            <p:nvPr/>
+          </p:nvSpPr>
+          <p:spPr>
+            <a:xfrm>
+              <a:off x="0" y="237855"/>
+              <a:ext cx="6654801" cy="1"/>
+            </a:xfrm>
+            <a:prstGeom prst="line">
+              <a:avLst/>
+            </a:prstGeom>
+            <a:noFill/>
+            <a:ln w="63500" cap="flat">
+              <a:solidFill>
+                <a:schemeClr val="accent1">
+                  <a:hueOff val="47394"/>
+                  <a:satOff val="-25753"/>
+                  <a:lumOff val="-7544"/>
+                </a:schemeClr>
+              </a:solidFill>
+              <a:prstDash val="solid"/>
+              <a:miter lim="400000"/>
+            </a:ln>
+            <a:effectLst/>
+          </p:spPr>
+          <p:txBody>
+            <a:bodyPr wrap="square" lIns="50800" tIns="50800" rIns="50800" bIns="50800" numCol="1" anchor="ctr">
+              <a:noAutofit/>
+            </a:bodyPr>
+            <a:lstStyle/>
+            <a:p>
+              <a:pPr>
+                <a:defRPr sz="3200"/>
+              </a:pPr>
+              <a:endParaRPr/>
+            </a:p>
+          </p:txBody>
+        </p:sp>
+        <p:sp>
+          <p:nvSpPr>
+            <p:cNvPr id="126" name="Shape 126"/>
+            <p:cNvSpPr/>
+            <p:nvPr/>
+          </p:nvSpPr>
+          <p:spPr>
+            <a:xfrm flipH="1">
+              <a:off x="32096" y="0"/>
+              <a:ext cx="1" cy="236330"/>
+            </a:xfrm>
+            <a:prstGeom prst="line">
+              <a:avLst/>
+            </a:prstGeom>
+            <a:noFill/>
+            <a:ln w="63500" cap="flat">
+              <a:solidFill>
+                <a:schemeClr val="accent1">
+                  <a:hueOff val="47394"/>
+                  <a:satOff val="-25753"/>
+                  <a:lumOff val="-7544"/>
+                </a:schemeClr>
+              </a:solidFill>
+              <a:prstDash val="solid"/>
+              <a:miter lim="400000"/>
+            </a:ln>
+            <a:effectLst/>
+          </p:spPr>
+          <p:txBody>
+            <a:bodyPr wrap="square" lIns="50800" tIns="50800" rIns="50800" bIns="50800" numCol="1" anchor="ctr">
+              <a:noAutofit/>
+            </a:bodyPr>
+            <a:lstStyle/>
+            <a:p>
+              <a:pPr>
+                <a:defRPr sz="3200"/>
+              </a:pPr>
+              <a:endParaRPr/>
+            </a:p>
+          </p:txBody>
+        </p:sp>
+        <p:sp>
+          <p:nvSpPr>
+            <p:cNvPr id="127" name="Shape 127"/>
+            <p:cNvSpPr/>
+            <p:nvPr/>
+          </p:nvSpPr>
+          <p:spPr>
+            <a:xfrm>
+              <a:off x="2834332" y="20575"/>
+              <a:ext cx="1" cy="236331"/>
+            </a:xfrm>
+            <a:prstGeom prst="line">
+              <a:avLst/>
+            </a:prstGeom>
+            <a:noFill/>
+            <a:ln w="63500" cap="flat">
+              <a:solidFill>
+                <a:schemeClr val="accent1">
+                  <a:hueOff val="47394"/>
+                  <a:satOff val="-25753"/>
+                  <a:lumOff val="-7544"/>
+                </a:schemeClr>
+              </a:solidFill>
+              <a:prstDash val="solid"/>
+              <a:miter lim="400000"/>
+            </a:ln>
+            <a:effectLst/>
+          </p:spPr>
+          <p:txBody>
+            <a:bodyPr wrap="square" lIns="50800" tIns="50800" rIns="50800" bIns="50800" numCol="1" anchor="ctr">
+              <a:noAutofit/>
+            </a:bodyPr>
+            <a:lstStyle/>
+            <a:p>
+              <a:pPr>
+                <a:defRPr sz="3200"/>
+              </a:pPr>
+              <a:endParaRPr/>
+            </a:p>
+          </p:txBody>
+        </p:sp>
+        <p:sp>
+          <p:nvSpPr>
+            <p:cNvPr id="128" name="Shape 128"/>
+            <p:cNvSpPr/>
+            <p:nvPr/>
+          </p:nvSpPr>
+          <p:spPr>
+            <a:xfrm>
+              <a:off x="5348932" y="0"/>
+              <a:ext cx="1" cy="236330"/>
+            </a:xfrm>
+            <a:prstGeom prst="line">
+              <a:avLst/>
+            </a:prstGeom>
+            <a:noFill/>
+            <a:ln w="63500" cap="flat">
+              <a:solidFill>
+                <a:schemeClr val="accent1">
+                  <a:hueOff val="47394"/>
+                  <a:satOff val="-25753"/>
+                  <a:lumOff val="-7544"/>
+                </a:schemeClr>
+              </a:solidFill>
+              <a:prstDash val="solid"/>
+              <a:miter lim="400000"/>
+            </a:ln>
+            <a:effectLst/>
+          </p:spPr>
+          <p:txBody>
+            <a:bodyPr wrap="square" lIns="50800" tIns="50800" rIns="50800" bIns="50800" numCol="1" anchor="ctr">
+              <a:noAutofit/>
+            </a:bodyPr>
+            <a:lstStyle/>
+            <a:p>
+              <a:pPr>
+                <a:defRPr sz="3200"/>
+              </a:pPr>
+              <a:endParaRPr/>
+            </a:p>
+          </p:txBody>
+        </p:sp>
+        <p:sp>
+          <p:nvSpPr>
+            <p:cNvPr id="129" name="Shape 129"/>
+            <p:cNvSpPr/>
+            <p:nvPr/>
+          </p:nvSpPr>
+          <p:spPr>
+            <a:xfrm>
+              <a:off x="5765208" y="206105"/>
+              <a:ext cx="1" cy="236331"/>
+            </a:xfrm>
+            <a:prstGeom prst="line">
+              <a:avLst/>
+            </a:prstGeom>
+            <a:noFill/>
+            <a:ln w="63500" cap="flat">
+              <a:solidFill>
+                <a:schemeClr val="accent1">
+                  <a:hueOff val="47394"/>
+                  <a:satOff val="-25753"/>
+                  <a:lumOff val="-7544"/>
+                </a:schemeClr>
+              </a:solidFill>
+              <a:prstDash val="solid"/>
+              <a:miter lim="400000"/>
+            </a:ln>
+            <a:effectLst/>
+          </p:spPr>
+          <p:txBody>
+            <a:bodyPr wrap="square" lIns="50800" tIns="50800" rIns="50800" bIns="50800" numCol="1" anchor="ctr">
+              <a:noAutofit/>
+            </a:bodyPr>
+            <a:lstStyle/>
+            <a:p>
+              <a:pPr>
+                <a:defRPr sz="3200"/>
+              </a:pPr>
+              <a:endParaRPr/>
+            </a:p>
+          </p:txBody>
+        </p:sp>
+        <p:sp>
+          <p:nvSpPr>
+            <p:cNvPr id="130" name="Shape 130"/>
+            <p:cNvSpPr/>
+            <p:nvPr/>
+          </p:nvSpPr>
+          <p:spPr>
+            <a:xfrm>
+              <a:off x="3042470" y="206105"/>
+              <a:ext cx="1" cy="236331"/>
+            </a:xfrm>
+            <a:prstGeom prst="line">
+              <a:avLst/>
+            </a:prstGeom>
+            <a:noFill/>
+            <a:ln w="63500" cap="flat">
+              <a:solidFill>
+                <a:schemeClr val="accent1">
+                  <a:hueOff val="47394"/>
+                  <a:satOff val="-25753"/>
+                  <a:lumOff val="-7544"/>
+                </a:schemeClr>
+              </a:solidFill>
+              <a:prstDash val="solid"/>
+              <a:miter lim="400000"/>
+            </a:ln>
+            <a:effectLst/>
+          </p:spPr>
+          <p:txBody>
+            <a:bodyPr wrap="square" lIns="50800" tIns="50800" rIns="50800" bIns="50800" numCol="1" anchor="ctr">
+              <a:noAutofit/>
+            </a:bodyPr>
+            <a:lstStyle/>
+            <a:p>
+              <a:pPr>
+                <a:defRPr sz="3200"/>
+              </a:pPr>
+              <a:endParaRPr/>
+            </a:p>
+          </p:txBody>
+        </p:sp>
+        <p:sp>
+          <p:nvSpPr>
+            <p:cNvPr id="131" name="Shape 131"/>
+            <p:cNvSpPr/>
+            <p:nvPr/>
+          </p:nvSpPr>
+          <p:spPr>
+            <a:xfrm flipH="1">
+              <a:off x="319732" y="206105"/>
+              <a:ext cx="1" cy="236331"/>
+            </a:xfrm>
+            <a:prstGeom prst="line">
+              <a:avLst/>
+            </a:prstGeom>
+            <a:noFill/>
+            <a:ln w="63500" cap="flat">
+              <a:solidFill>
+                <a:schemeClr val="accent1">
+                  <a:hueOff val="47394"/>
+                  <a:satOff val="-25753"/>
+                  <a:lumOff val="-7544"/>
+                </a:schemeClr>
+              </a:solidFill>
+              <a:prstDash val="solid"/>
+              <a:miter lim="400000"/>
+            </a:ln>
+            <a:effectLst/>
+          </p:spPr>
+          <p:txBody>
+            <a:bodyPr wrap="square" lIns="50800" tIns="50800" rIns="50800" bIns="50800" numCol="1" anchor="ctr">
+              <a:noAutofit/>
+            </a:bodyPr>
+            <a:lstStyle/>
+            <a:p>
+              <a:pPr>
+                <a:defRPr sz="3200"/>
+              </a:pPr>
+              <a:endParaRPr/>
+            </a:p>
+          </p:txBody>
+        </p:sp>
+        <p:sp>
+          <p:nvSpPr>
+            <p:cNvPr id="132" name="Shape 132"/>
+            <p:cNvSpPr/>
+            <p:nvPr/>
+          </p:nvSpPr>
+          <p:spPr>
+            <a:xfrm>
+              <a:off x="6888856" y="237092"/>
+              <a:ext cx="261723" cy="1"/>
+            </a:xfrm>
+            <a:prstGeom prst="line">
+              <a:avLst/>
+            </a:prstGeom>
+            <a:noFill/>
+            <a:ln w="63500" cap="flat">
+              <a:solidFill>
+                <a:schemeClr val="accent1">
+                  <a:hueOff val="47394"/>
+                  <a:satOff val="-25753"/>
+                  <a:lumOff val="-7544"/>
+                </a:schemeClr>
+              </a:solidFill>
+              <a:prstDash val="solid"/>
+              <a:miter lim="400000"/>
+            </a:ln>
+            <a:effectLst/>
+          </p:spPr>
+          <p:txBody>
+            <a:bodyPr wrap="square" lIns="50800" tIns="50800" rIns="50800" bIns="50800" numCol="1" anchor="ctr">
+              <a:noAutofit/>
+            </a:bodyPr>
+            <a:lstStyle/>
+            <a:p>
+              <a:pPr>
+                <a:defRPr sz="3200"/>
+              </a:pPr>
+              <a:endParaRPr/>
+            </a:p>
+          </p:txBody>
+        </p:sp>
+        <p:sp>
+          <p:nvSpPr>
+            <p:cNvPr id="133" name="Shape 133"/>
+            <p:cNvSpPr/>
+            <p:nvPr/>
+          </p:nvSpPr>
+          <p:spPr>
+            <a:xfrm>
+              <a:off x="7374714" y="237092"/>
+              <a:ext cx="261723" cy="1"/>
+            </a:xfrm>
+            <a:prstGeom prst="line">
+              <a:avLst/>
+            </a:prstGeom>
+            <a:noFill/>
+            <a:ln w="63500" cap="flat">
+              <a:solidFill>
+                <a:schemeClr val="accent1">
+                  <a:hueOff val="47394"/>
+                  <a:satOff val="-25753"/>
+                  <a:lumOff val="-7544"/>
+                </a:schemeClr>
+              </a:solidFill>
+              <a:prstDash val="solid"/>
+              <a:miter lim="400000"/>
+            </a:ln>
+            <a:effectLst/>
+          </p:spPr>
+          <p:txBody>
+            <a:bodyPr wrap="square" lIns="50800" tIns="50800" rIns="50800" bIns="50800" numCol="1" anchor="ctr">
+              <a:noAutofit/>
+            </a:bodyPr>
+            <a:lstStyle/>
+            <a:p>
+              <a:pPr>
+                <a:defRPr sz="3200"/>
+              </a:pPr>
+              <a:endParaRPr/>
+            </a:p>
+          </p:txBody>
+        </p:sp>
+        <p:sp>
+          <p:nvSpPr>
+            <p:cNvPr id="134" name="Shape 134"/>
+            <p:cNvSpPr/>
+            <p:nvPr/>
+          </p:nvSpPr>
+          <p:spPr>
+            <a:xfrm>
+              <a:off x="7831782" y="237092"/>
+              <a:ext cx="261723" cy="1"/>
+            </a:xfrm>
+            <a:prstGeom prst="line">
+              <a:avLst/>
+            </a:prstGeom>
+            <a:noFill/>
+            <a:ln w="63500" cap="flat">
+              <a:solidFill>
+                <a:schemeClr val="accent1">
+                  <a:hueOff val="47394"/>
+                  <a:satOff val="-25753"/>
+                  <a:lumOff val="-7544"/>
+                </a:schemeClr>
+              </a:solidFill>
+              <a:prstDash val="solid"/>
+              <a:miter lim="400000"/>
+            </a:ln>
+            <a:effectLst/>
+          </p:spPr>
+          <p:txBody>
+            <a:bodyPr wrap="square" lIns="50800" tIns="50800" rIns="50800" bIns="50800" numCol="1" anchor="ctr">
+              <a:noAutofit/>
+            </a:bodyPr>
+            <a:lstStyle/>
+            <a:p>
+              <a:pPr>
+                <a:defRPr sz="3200"/>
+              </a:pPr>
+              <a:endParaRPr/>
+            </a:p>
+          </p:txBody>
+        </p:sp>
+      </p:grpSp>
+      <p:pic>
+        <p:nvPicPr>
+          <p:cNvPr id="136" name="Storage_blue.png"/>
+          <p:cNvPicPr>
+            <a:picLocks noChangeAspect="1"/>
+          </p:cNvPicPr>
+          <p:nvPr/>
+        </p:nvPicPr>
+        <p:blipFill>
+          <a:blip r:embed="rId6">
+            <a:extLst/>
+          </a:blip>
+          <a:stretch>
+            <a:fillRect/>
+          </a:stretch>
+        </p:blipFill>
+        <p:spPr>
+          <a:xfrm>
+            <a:off x="3764624" y="2190292"/>
+            <a:ext cx="683498" cy="810072"/>
+          </a:xfrm>
+          <a:prstGeom prst="rect">
+            <a:avLst/>
+          </a:prstGeom>
+          <a:ln w="12700">
+            <a:miter lim="400000"/>
+          </a:ln>
+        </p:spPr>
+      </p:pic>
+      <p:pic>
+        <p:nvPicPr>
+          <p:cNvPr id="137" name="Storage_blue.png"/>
+          <p:cNvPicPr>
+            <a:picLocks noChangeAspect="1"/>
+          </p:cNvPicPr>
+          <p:nvPr/>
+        </p:nvPicPr>
+        <p:blipFill>
+          <a:blip r:embed="rId6">
+            <a:extLst/>
+          </a:blip>
+          <a:stretch>
+            <a:fillRect/>
+          </a:stretch>
+        </p:blipFill>
+        <p:spPr>
+          <a:xfrm>
+            <a:off x="4785651" y="2190292"/>
+            <a:ext cx="683498" cy="810072"/>
+          </a:xfrm>
+          <a:prstGeom prst="rect">
+            <a:avLst/>
+          </a:prstGeom>
+          <a:ln w="12700">
+            <a:miter lim="400000"/>
+          </a:ln>
+        </p:spPr>
+      </p:pic>
+      <p:pic>
+        <p:nvPicPr>
+          <p:cNvPr id="138" name="Storage_blue.png"/>
+          <p:cNvPicPr>
+            <a:picLocks noChangeAspect="1"/>
+          </p:cNvPicPr>
+          <p:nvPr/>
+        </p:nvPicPr>
+        <p:blipFill>
+          <a:blip r:embed="rId6">
+            <a:extLst/>
+          </a:blip>
+          <a:stretch>
+            <a:fillRect/>
+          </a:stretch>
+        </p:blipFill>
+        <p:spPr>
+          <a:xfrm>
+            <a:off x="5806678" y="2190292"/>
+            <a:ext cx="683498" cy="810072"/>
+          </a:xfrm>
+          <a:prstGeom prst="rect">
+            <a:avLst/>
+          </a:prstGeom>
+          <a:ln w="12700">
+            <a:miter lim="400000"/>
+          </a:ln>
+        </p:spPr>
+      </p:pic>
+      <p:pic>
+        <p:nvPicPr>
+          <p:cNvPr id="139" name="Storage_red.png"/>
+          <p:cNvPicPr>
+            <a:picLocks noChangeAspect="1"/>
+          </p:cNvPicPr>
+          <p:nvPr/>
+        </p:nvPicPr>
+        <p:blipFill>
+          <a:blip r:embed="rId7">
+            <a:extLst/>
+          </a:blip>
+          <a:stretch>
+            <a:fillRect/>
+          </a:stretch>
+        </p:blipFill>
+        <p:spPr>
+          <a:xfrm>
+            <a:off x="3786674" y="2174432"/>
+            <a:ext cx="661448" cy="848270"/>
+          </a:xfrm>
+          <a:prstGeom prst="rect">
+            <a:avLst/>
+          </a:prstGeom>
+          <a:ln w="12700">
+            <a:miter lim="400000"/>
+          </a:ln>
+        </p:spPr>
+      </p:pic>
+      <p:pic>
+        <p:nvPicPr>
+          <p:cNvPr id="140" name="Storage_red.png"/>
+          <p:cNvPicPr>
+            <a:picLocks noChangeAspect="1"/>
+          </p:cNvPicPr>
+          <p:nvPr/>
+        </p:nvPicPr>
+        <p:blipFill>
+          <a:blip r:embed="rId7">
+            <a:extLst/>
+          </a:blip>
+          <a:stretch>
+            <a:fillRect/>
+          </a:stretch>
+        </p:blipFill>
+        <p:spPr>
+          <a:xfrm>
+            <a:off x="4805905" y="2174432"/>
+            <a:ext cx="661448" cy="848270"/>
+          </a:xfrm>
+          <a:prstGeom prst="rect">
+            <a:avLst/>
+          </a:prstGeom>
+          <a:ln w="12700">
+            <a:miter lim="400000"/>
+          </a:ln>
+        </p:spPr>
+      </p:pic>
+      <p:pic>
+        <p:nvPicPr>
+          <p:cNvPr id="141" name="VM_red.png"/>
+          <p:cNvPicPr>
+            <a:picLocks noChangeAspect="1"/>
+          </p:cNvPicPr>
+          <p:nvPr/>
+        </p:nvPicPr>
+        <p:blipFill>
+          <a:blip r:embed="rId8">
+            <a:extLst/>
+          </a:blip>
+          <a:stretch>
+            <a:fillRect/>
+          </a:stretch>
+        </p:blipFill>
+        <p:spPr>
+          <a:xfrm>
+            <a:off x="3667562" y="1177646"/>
+            <a:ext cx="856816" cy="848270"/>
+          </a:xfrm>
+          <a:prstGeom prst="rect">
+            <a:avLst/>
+          </a:prstGeom>
+          <a:ln w="12700">
+            <a:miter lim="400000"/>
+          </a:ln>
+        </p:spPr>
+      </p:pic>
+      <p:pic>
+        <p:nvPicPr>
+          <p:cNvPr id="142" name="VM_red.png"/>
+          <p:cNvPicPr>
+            <a:picLocks noChangeAspect="1"/>
+          </p:cNvPicPr>
+          <p:nvPr/>
+        </p:nvPicPr>
+        <p:blipFill>
+          <a:blip r:embed="rId8">
+            <a:extLst/>
+          </a:blip>
+          <a:stretch>
+            <a:fillRect/>
+          </a:stretch>
+        </p:blipFill>
+        <p:spPr>
+          <a:xfrm>
+            <a:off x="4631344" y="1177646"/>
+            <a:ext cx="856817" cy="848270"/>
+          </a:xfrm>
+          <a:prstGeom prst="rect">
+            <a:avLst/>
+          </a:prstGeom>
+          <a:ln w="12700">
+            <a:miter lim="400000"/>
+          </a:ln>
+        </p:spPr>
+      </p:pic>
+      <p:sp>
+        <p:nvSpPr>
+          <p:cNvPr id="143" name="Shape 143"/>
+          <p:cNvSpPr/>
+          <p:nvPr/>
+        </p:nvSpPr>
+        <p:spPr>
+          <a:xfrm>
+            <a:off x="6552914" y="2559419"/>
+            <a:ext cx="897895" cy="315471"/>
+          </a:xfrm>
+          <a:prstGeom prst="rect">
+            <a:avLst/>
+          </a:prstGeom>
+          <a:ln w="12700">
+            <a:miter lim="400000"/>
+          </a:ln>
+          <a:extLst>
+            <a:ext uri="{C572A759-6A51-4108-AA02-DFA0A04FC94B}">
+              <ma14:wrappingTextBoxFlag xmlns:ma14="http://schemas.microsoft.com/office/mac/drawingml/2011/main" val="1"/>
+            </a:ext>
+          </a:extLst>
+        </p:spPr>
+        <p:txBody>
+          <a:bodyPr wrap="none" lIns="19050" tIns="19050" rIns="19050" bIns="19050" anchor="ctr">
+            <a:spAutoFit/>
+          </a:bodyPr>
+          <a:lstStyle>
+            <a:lvl1pPr>
+              <a:defRPr b="1">
+                <a:latin typeface="Helvetica"/>
+                <a:ea typeface="Helvetica"/>
+                <a:cs typeface="Helvetica"/>
+                <a:sym typeface="Helvetica"/>
+              </a:defRPr>
+            </a:lvl1pPr>
+          </a:lstStyle>
+          <a:p>
+            <a:r>
+              <a:t>Storage</a:t>
+            </a:r>
+          </a:p>
+        </p:txBody>
+      </p:sp>
+      <p:sp>
+        <p:nvSpPr>
+          <p:cNvPr id="144" name="Shape 144"/>
+          <p:cNvSpPr/>
+          <p:nvPr/>
+        </p:nvSpPr>
+        <p:spPr>
+          <a:xfrm>
+            <a:off x="2570272" y="1631234"/>
+            <a:ext cx="1038746" cy="592470"/>
+          </a:xfrm>
+          <a:prstGeom prst="rect">
+            <a:avLst/>
+          </a:prstGeom>
+          <a:ln w="12700">
+            <a:miter lim="400000"/>
+          </a:ln>
+          <a:extLst>
+            <a:ext uri="{C572A759-6A51-4108-AA02-DFA0A04FC94B}">
+              <ma14:wrappingTextBoxFlag xmlns:ma14="http://schemas.microsoft.com/office/mac/drawingml/2011/main" val="1"/>
+            </a:ext>
+          </a:extLst>
+        </p:spPr>
+        <p:txBody>
+          <a:bodyPr wrap="none" lIns="19050" tIns="19050" rIns="19050" bIns="19050" anchor="ctr">
+            <a:spAutoFit/>
+          </a:bodyPr>
+          <a:lstStyle/>
+          <a:p>
+            <a:pPr>
+              <a:defRPr b="1">
+                <a:latin typeface="Helvetica"/>
+                <a:ea typeface="Helvetica"/>
+                <a:cs typeface="Helvetica"/>
+                <a:sym typeface="Helvetica"/>
+              </a:defRPr>
+            </a:pPr>
+            <a:r>
+              <a:t>Compute</a:t>
+            </a:r>
+          </a:p>
+          <a:p>
+            <a:pPr>
+              <a:defRPr b="1">
+                <a:latin typeface="Helvetica"/>
+                <a:ea typeface="Helvetica"/>
+                <a:cs typeface="Helvetica"/>
+                <a:sym typeface="Helvetica"/>
+              </a:defRPr>
+            </a:pPr>
+            <a:r>
+              <a:t>Servers</a:t>
+            </a:r>
+          </a:p>
+        </p:txBody>
+      </p:sp>
+      <p:sp>
+        <p:nvSpPr>
+          <p:cNvPr id="145" name="Shape 145"/>
+          <p:cNvSpPr/>
+          <p:nvPr/>
+        </p:nvSpPr>
+        <p:spPr>
+          <a:xfrm>
+            <a:off x="2228146" y="3672890"/>
+            <a:ext cx="897682" cy="315471"/>
+          </a:xfrm>
+          <a:prstGeom prst="rect">
+            <a:avLst/>
+          </a:prstGeom>
+          <a:ln w="12700">
+            <a:miter lim="400000"/>
+          </a:ln>
+          <a:extLst>
+            <a:ext uri="{C572A759-6A51-4108-AA02-DFA0A04FC94B}">
+              <ma14:wrappingTextBoxFlag xmlns:ma14="http://schemas.microsoft.com/office/mac/drawingml/2011/main" val="1"/>
+            </a:ext>
+          </a:extLst>
+        </p:spPr>
+        <p:txBody>
+          <a:bodyPr wrap="none" lIns="19050" tIns="19050" rIns="19050" bIns="19050" anchor="ctr">
+            <a:spAutoFit/>
+          </a:bodyPr>
+          <a:lstStyle>
+            <a:lvl1pPr>
+              <a:defRPr b="1">
+                <a:latin typeface="Helvetica"/>
+                <a:ea typeface="Helvetica"/>
+                <a:cs typeface="Helvetica"/>
+                <a:sym typeface="Helvetica"/>
+              </a:defRPr>
+            </a:lvl1pPr>
+          </a:lstStyle>
+          <a:p>
+            <a:r>
+              <a:t>Internet</a:t>
+            </a:r>
+          </a:p>
+        </p:txBody>
+      </p:sp>
+      <p:sp>
+        <p:nvSpPr>
+          <p:cNvPr id="146" name="Shape 146"/>
+          <p:cNvSpPr/>
+          <p:nvPr/>
+        </p:nvSpPr>
+        <p:spPr>
+          <a:xfrm>
+            <a:off x="4117031" y="427760"/>
+            <a:ext cx="1891568" cy="346249"/>
+          </a:xfrm>
+          <a:prstGeom prst="rect">
+            <a:avLst/>
+          </a:prstGeom>
+          <a:ln w="12700">
+            <a:miter lim="400000"/>
+          </a:ln>
+          <a:extLst>
+            <a:ext uri="{C572A759-6A51-4108-AA02-DFA0A04FC94B}">
+              <ma14:wrappingTextBoxFlag xmlns:ma14="http://schemas.microsoft.com/office/mac/drawingml/2011/main" val="1"/>
+            </a:ext>
+          </a:extLst>
+        </p:spPr>
+        <p:txBody>
+          <a:bodyPr wrap="none" lIns="19050" tIns="19050" rIns="19050" bIns="19050" anchor="ctr">
+            <a:spAutoFit/>
+          </a:bodyPr>
+          <a:lstStyle>
+            <a:lvl1pPr>
+              <a:defRPr sz="6400" b="1">
+                <a:solidFill>
+                  <a:schemeClr val="accent1">
+                    <a:hueOff val="47394"/>
+                    <a:satOff val="-25753"/>
+                    <a:lumOff val="-7544"/>
+                  </a:schemeClr>
+                </a:solidFill>
+                <a:latin typeface="Helvetica"/>
+                <a:ea typeface="Helvetica"/>
+                <a:cs typeface="Helvetica"/>
+                <a:sym typeface="Helvetica"/>
+              </a:defRPr>
+            </a:lvl1pPr>
+          </a:lstStyle>
+          <a:p>
+            <a:r>
+              <a:rPr sz="2000" dirty="0">
+                <a:solidFill>
+                  <a:srgbClr val="1F4C90"/>
+                </a:solidFill>
+              </a:rPr>
+              <a:t>Cloud Services</a:t>
+            </a:r>
+          </a:p>
+        </p:txBody>
+      </p:sp>
+      <p:grpSp>
+        <p:nvGrpSpPr>
+          <p:cNvPr id="149" name="Group 149"/>
+          <p:cNvGrpSpPr/>
+          <p:nvPr/>
+        </p:nvGrpSpPr>
+        <p:grpSpPr>
+          <a:xfrm>
+            <a:off x="364159" y="3356197"/>
+            <a:ext cx="1359874" cy="1260143"/>
+            <a:chOff x="0" y="0"/>
+            <a:chExt cx="3626328" cy="3360380"/>
+          </a:xfrm>
+        </p:grpSpPr>
+        <p:pic>
+          <p:nvPicPr>
+            <p:cNvPr id="147" name="User.png"/>
+            <p:cNvPicPr>
+              <a:picLocks noChangeAspect="1"/>
+            </p:cNvPicPr>
+            <p:nvPr/>
+          </p:nvPicPr>
+          <p:blipFill>
+            <a:blip r:embed="rId9">
+              <a:extLst/>
+            </a:blip>
+            <a:stretch>
+              <a:fillRect/>
+            </a:stretch>
+          </p:blipFill>
+          <p:spPr>
+            <a:xfrm>
+              <a:off x="0" y="0"/>
+              <a:ext cx="1503077" cy="3360381"/>
+            </a:xfrm>
+            <a:prstGeom prst="rect">
+              <a:avLst/>
+            </a:prstGeom>
+            <a:ln w="12700" cap="flat">
+              <a:noFill/>
+              <a:miter lim="400000"/>
+            </a:ln>
+            <a:effectLst/>
+          </p:spPr>
+        </p:pic>
+        <p:pic>
+          <p:nvPicPr>
+            <p:cNvPr id="148" name="Terminal.png"/>
+            <p:cNvPicPr>
+              <a:picLocks noChangeAspect="1"/>
+            </p:cNvPicPr>
+            <p:nvPr/>
+          </p:nvPicPr>
+          <p:blipFill>
+            <a:blip r:embed="rId10">
+              <a:extLst/>
+            </a:blip>
+            <a:stretch>
+              <a:fillRect/>
+            </a:stretch>
+          </p:blipFill>
+          <p:spPr>
+            <a:xfrm>
+              <a:off x="1558310" y="121241"/>
+              <a:ext cx="2068019" cy="2007785"/>
+            </a:xfrm>
+            <a:prstGeom prst="rect">
+              <a:avLst/>
+            </a:prstGeom>
+            <a:ln w="12700" cap="flat">
+              <a:noFill/>
+              <a:miter lim="400000"/>
+            </a:ln>
+            <a:effectLst/>
+          </p:spPr>
+        </p:pic>
+      </p:grpSp>
+      <p:sp>
+        <p:nvSpPr>
+          <p:cNvPr id="150" name="Shape 150"/>
+          <p:cNvSpPr/>
+          <p:nvPr/>
+        </p:nvSpPr>
+        <p:spPr>
+          <a:xfrm>
+            <a:off x="853665" y="4214046"/>
+            <a:ext cx="1128514" cy="592470"/>
+          </a:xfrm>
+          <a:prstGeom prst="rect">
+            <a:avLst/>
+          </a:prstGeom>
+          <a:ln w="12700">
+            <a:miter lim="400000"/>
+          </a:ln>
+          <a:extLst>
+            <a:ext uri="{C572A759-6A51-4108-AA02-DFA0A04FC94B}">
+              <ma14:wrappingTextBoxFlag xmlns:ma14="http://schemas.microsoft.com/office/mac/drawingml/2011/main" val="1"/>
+            </a:ext>
+          </a:extLst>
+        </p:spPr>
+        <p:txBody>
+          <a:bodyPr wrap="none" lIns="19050" tIns="19050" rIns="19050" bIns="19050" anchor="ctr">
+            <a:spAutoFit/>
+          </a:bodyPr>
+          <a:lstStyle/>
+          <a:p>
+            <a:pPr>
+              <a:defRPr b="1">
+                <a:latin typeface="Helvetica"/>
+                <a:ea typeface="Helvetica"/>
+                <a:cs typeface="Helvetica"/>
+                <a:sym typeface="Helvetica"/>
+              </a:defRPr>
+            </a:pPr>
+            <a:r>
+              <a:t>Your</a:t>
+            </a:r>
+          </a:p>
+          <a:p>
+            <a:pPr>
+              <a:defRPr b="1">
+                <a:latin typeface="Helvetica"/>
+                <a:ea typeface="Helvetica"/>
+                <a:cs typeface="Helvetica"/>
+                <a:sym typeface="Helvetica"/>
+              </a:defRPr>
+            </a:pPr>
+            <a:r>
+              <a:t>Computer</a:t>
+            </a:r>
+          </a:p>
+        </p:txBody>
+      </p:sp>
+      <p:grpSp>
+        <p:nvGrpSpPr>
+          <p:cNvPr id="153" name="Group 153"/>
+          <p:cNvGrpSpPr/>
+          <p:nvPr/>
+        </p:nvGrpSpPr>
+        <p:grpSpPr>
+          <a:xfrm>
+            <a:off x="7166503" y="3430893"/>
+            <a:ext cx="1198655" cy="1110748"/>
+            <a:chOff x="0" y="0"/>
+            <a:chExt cx="3196412" cy="2961993"/>
+          </a:xfrm>
+        </p:grpSpPr>
+        <p:pic>
+          <p:nvPicPr>
+            <p:cNvPr id="151" name="User.png"/>
+            <p:cNvPicPr>
+              <a:picLocks noChangeAspect="1"/>
+            </p:cNvPicPr>
+            <p:nvPr/>
+          </p:nvPicPr>
+          <p:blipFill>
+            <a:blip r:embed="rId9">
+              <a:extLst/>
+            </a:blip>
+            <a:stretch>
+              <a:fillRect/>
+            </a:stretch>
+          </p:blipFill>
+          <p:spPr>
+            <a:xfrm>
+              <a:off x="0" y="0"/>
+              <a:ext cx="1324881" cy="2961994"/>
+            </a:xfrm>
+            <a:prstGeom prst="rect">
+              <a:avLst/>
+            </a:prstGeom>
+            <a:ln w="12700" cap="flat">
+              <a:noFill/>
+              <a:miter lim="400000"/>
+            </a:ln>
+            <a:effectLst/>
+          </p:spPr>
+        </p:pic>
+        <p:pic>
+          <p:nvPicPr>
+            <p:cNvPr id="152" name="Terminal.png"/>
+            <p:cNvPicPr>
+              <a:picLocks noChangeAspect="1"/>
+            </p:cNvPicPr>
+            <p:nvPr/>
+          </p:nvPicPr>
+          <p:blipFill>
+            <a:blip r:embed="rId10">
+              <a:extLst/>
+            </a:blip>
+            <a:stretch>
+              <a:fillRect/>
+            </a:stretch>
+          </p:blipFill>
+          <p:spPr>
+            <a:xfrm>
+              <a:off x="1373566" y="106867"/>
+              <a:ext cx="1822847" cy="1769754"/>
+            </a:xfrm>
+            <a:prstGeom prst="rect">
+              <a:avLst/>
+            </a:prstGeom>
+            <a:ln w="12700" cap="flat">
+              <a:noFill/>
+              <a:miter lim="400000"/>
+            </a:ln>
+            <a:effectLst/>
+          </p:spPr>
+        </p:pic>
+      </p:grpSp>
+      <p:sp>
+        <p:nvSpPr>
+          <p:cNvPr id="154" name="Shape 154"/>
+          <p:cNvSpPr/>
+          <p:nvPr/>
+        </p:nvSpPr>
+        <p:spPr>
+          <a:xfrm>
+            <a:off x="7168235" y="4562606"/>
+            <a:ext cx="1410730" cy="315471"/>
+          </a:xfrm>
+          <a:prstGeom prst="rect">
+            <a:avLst/>
+          </a:prstGeom>
+          <a:ln w="12700">
+            <a:miter lim="400000"/>
+          </a:ln>
+          <a:extLst>
+            <a:ext uri="{C572A759-6A51-4108-AA02-DFA0A04FC94B}">
+              <ma14:wrappingTextBoxFlag xmlns:ma14="http://schemas.microsoft.com/office/mac/drawingml/2011/main" val="1"/>
+            </a:ext>
+          </a:extLst>
+        </p:spPr>
+        <p:txBody>
+          <a:bodyPr wrap="none" lIns="19050" tIns="19050" rIns="19050" bIns="19050" anchor="ctr">
+            <a:spAutoFit/>
+          </a:bodyPr>
+          <a:lstStyle>
+            <a:lvl1pPr>
+              <a:defRPr b="1">
+                <a:latin typeface="Helvetica"/>
+                <a:ea typeface="Helvetica"/>
+                <a:cs typeface="Helvetica"/>
+                <a:sym typeface="Helvetica"/>
+              </a:defRPr>
+            </a:lvl1pPr>
+          </a:lstStyle>
+          <a:p>
+            <a:r>
+              <a:rPr dirty="0"/>
+              <a:t>Collaborator</a:t>
+            </a:r>
+          </a:p>
+        </p:txBody>
+      </p:sp>
     </p:spTree>
     <p:extLst>
       <p:ext uri="{BB962C8B-B14F-4D97-AF65-F5344CB8AC3E}">
-        <p14:creationId xmlns:p14="http://schemas.microsoft.com/office/powerpoint/2010/main" val="2078772393"/>
+        <p14:creationId xmlns:p14="http://schemas.microsoft.com/office/powerpoint/2010/main" val="4099594500"/>
       </p:ext>
     </p:extLst>
   </p:cSld>
   <p:clrMapOvr>
     <a:masterClrMapping/>
   </p:clrMapOvr>
+  <mc:AlternateContent xmlns:mc="http://schemas.openxmlformats.org/markup-compatibility/2006">
+    <mc:Choice xmlns:p14="http://schemas.microsoft.com/office/powerpoint/2010/main" Requires="p14">
+      <p:transition spd="slow" p14:dur="2000"/>
+    </mc:Choice>
+    <mc:Fallback>
+      <p:transition xmlns:p14="http://schemas.microsoft.com/office/powerpoint/2010/main" spd="slow"/>
+    </mc:Fallback>
+  </mc:AlternateContent>
+  <p:timing>
+    <p:tnLst>
+      <p:par>
+        <p:cTn xmlns:p14="http://schemas.microsoft.com/office/powerpoint/2010/main" id="1" dur="indefinite" restart="never" fill="hold" nodeType="tmRoot">
+          <p:childTnLst>
+            <p:seq concurrent="1" prevAc="none" nextAc="seek">
+              <p:cTn id="2" dur="indefinite" fill="hold" nodeType="mainSeq">
+                <p:childTnLst>
+                  <p:par>
+                    <p:cTn id="3" fill="hold">
+                      <p:stCondLst>
+                        <p:cond delay="indefinite"/>
+                      </p:stCondLst>
+                      <p:childTnLst>
+                        <p:par>
+                          <p:cTn id="4" fill="hold">
+                            <p:stCondLst>
+                              <p:cond delay="0"/>
+                            </p:stCondLst>
+                            <p:childTnLst>
+                              <p:par>
+                                <p:cTn id="5" presetID="1" presetClass="entr" presetSubtype="0" fill="hold" grpId="0" nodeType="clickEffect">
+                                  <p:stCondLst>
+                                    <p:cond delay="0"/>
+                                  </p:stCondLst>
+                                  <p:iterate>
+                                    <p:tmAbs val="0"/>
+                                  </p:iterate>
+                                  <p:childTnLst>
+                                    <p:set>
+                                      <p:cBhvr>
+                                        <p:cTn id="6" fill="hold"/>
+                                        <p:tgtEl>
+                                          <p:spTgt spid="122"/>
+                                        </p:tgtEl>
+                                        <p:attrNameLst>
+                                          <p:attrName>style.visibility</p:attrName>
+                                        </p:attrNameLst>
+                                      </p:cBhvr>
+                                      <p:to>
+                                        <p:strVal val="visible"/>
+                                      </p:to>
+                                    </p:set>
+                                  </p:childTnLst>
+                                </p:cTn>
+                              </p:par>
+                            </p:childTnLst>
+                          </p:cTn>
+                        </p:par>
+                        <p:par>
+                          <p:cTn id="7" fill="hold">
+                            <p:stCondLst>
+                              <p:cond delay="0"/>
+                            </p:stCondLst>
+                            <p:childTnLst>
+                              <p:par>
+                                <p:cTn id="8" presetID="1" presetClass="entr" presetSubtype="0" fill="hold" grpId="0" nodeType="afterEffect">
+                                  <p:stCondLst>
+                                    <p:cond delay="0"/>
+                                  </p:stCondLst>
+                                  <p:iterate>
+                                    <p:tmAbs val="0"/>
+                                  </p:iterate>
+                                  <p:childTnLst>
+                                    <p:set>
+                                      <p:cBhvr>
+                                        <p:cTn id="9" fill="hold"/>
+                                        <p:tgtEl>
+                                          <p:spTgt spid="146"/>
+                                        </p:tgtEl>
+                                        <p:attrNameLst>
+                                          <p:attrName>style.visibility</p:attrName>
+                                        </p:attrNameLst>
+                                      </p:cBhvr>
+                                      <p:to>
+                                        <p:strVal val="visible"/>
+                                      </p:to>
+                                    </p:set>
+                                  </p:childTnLst>
+                                </p:cTn>
+                              </p:par>
+                            </p:childTnLst>
+                          </p:cTn>
+                        </p:par>
+                      </p:childTnLst>
+                    </p:cTn>
+                  </p:par>
+                  <p:par>
+                    <p:cTn id="10" fill="hold">
+                      <p:stCondLst>
+                        <p:cond delay="indefinite"/>
+                      </p:stCondLst>
+                      <p:childTnLst>
+                        <p:par>
+                          <p:cTn id="11" fill="hold">
+                            <p:stCondLst>
+                              <p:cond delay="0"/>
+                            </p:stCondLst>
+                            <p:childTnLst>
+                              <p:par>
+                                <p:cTn id="12" presetID="1" presetClass="entr" presetSubtype="0" fill="hold" grpId="0" nodeType="clickEffect">
+                                  <p:stCondLst>
+                                    <p:cond delay="0"/>
+                                  </p:stCondLst>
+                                  <p:iterate>
+                                    <p:tmAbs val="0"/>
+                                  </p:iterate>
+                                  <p:childTnLst>
+                                    <p:set>
+                                      <p:cBhvr>
+                                        <p:cTn id="13" fill="hold"/>
+                                        <p:tgtEl>
+                                          <p:spTgt spid="120"/>
+                                        </p:tgtEl>
+                                        <p:attrNameLst>
+                                          <p:attrName>style.visibility</p:attrName>
+                                        </p:attrNameLst>
+                                      </p:cBhvr>
+                                      <p:to>
+                                        <p:strVal val="visible"/>
+                                      </p:to>
+                                    </p:set>
+                                  </p:childTnLst>
+                                </p:cTn>
+                              </p:par>
+                            </p:childTnLst>
+                          </p:cTn>
+                        </p:par>
+                        <p:par>
+                          <p:cTn id="14" fill="hold">
+                            <p:stCondLst>
+                              <p:cond delay="0"/>
+                            </p:stCondLst>
+                            <p:childTnLst>
+                              <p:par>
+                                <p:cTn id="15" presetID="1" presetClass="entr" presetSubtype="0" fill="hold" grpId="0" nodeType="afterEffect">
+                                  <p:stCondLst>
+                                    <p:cond delay="0"/>
+                                  </p:stCondLst>
+                                  <p:iterate>
+                                    <p:tmAbs val="0"/>
+                                  </p:iterate>
+                                  <p:childTnLst>
+                                    <p:set>
+                                      <p:cBhvr>
+                                        <p:cTn id="16" fill="hold"/>
+                                        <p:tgtEl>
+                                          <p:spTgt spid="123"/>
+                                        </p:tgtEl>
+                                        <p:attrNameLst>
+                                          <p:attrName>style.visibility</p:attrName>
+                                        </p:attrNameLst>
+                                      </p:cBhvr>
+                                      <p:to>
+                                        <p:strVal val="visible"/>
+                                      </p:to>
+                                    </p:set>
+                                  </p:childTnLst>
+                                </p:cTn>
+                              </p:par>
+                            </p:childTnLst>
+                          </p:cTn>
+                        </p:par>
+                        <p:par>
+                          <p:cTn id="17" fill="hold">
+                            <p:stCondLst>
+                              <p:cond delay="0"/>
+                            </p:stCondLst>
+                            <p:childTnLst>
+                              <p:par>
+                                <p:cTn id="18" presetID="1" presetClass="entr" presetSubtype="0" fill="hold" grpId="0" nodeType="afterEffect">
+                                  <p:stCondLst>
+                                    <p:cond delay="0"/>
+                                  </p:stCondLst>
+                                  <p:iterate>
+                                    <p:tmAbs val="0"/>
+                                  </p:iterate>
+                                  <p:childTnLst>
+                                    <p:set>
+                                      <p:cBhvr>
+                                        <p:cTn id="19" fill="hold"/>
+                                        <p:tgtEl>
+                                          <p:spTgt spid="124"/>
+                                        </p:tgtEl>
+                                        <p:attrNameLst>
+                                          <p:attrName>style.visibility</p:attrName>
+                                        </p:attrNameLst>
+                                      </p:cBhvr>
+                                      <p:to>
+                                        <p:strVal val="visible"/>
+                                      </p:to>
+                                    </p:set>
+                                  </p:childTnLst>
+                                </p:cTn>
+                              </p:par>
+                              <p:par>
+                                <p:cTn id="20" presetID="1" presetClass="entr" presetSubtype="0" fill="hold" grpId="0" nodeType="withEffect">
+                                  <p:stCondLst>
+                                    <p:cond delay="0"/>
+                                  </p:stCondLst>
+                                  <p:iterate>
+                                    <p:tmAbs val="0"/>
+                                  </p:iterate>
+                                  <p:childTnLst>
+                                    <p:set>
+                                      <p:cBhvr>
+                                        <p:cTn id="21" fill="hold"/>
+                                        <p:tgtEl>
+                                          <p:spTgt spid="144"/>
+                                        </p:tgtEl>
+                                        <p:attrNameLst>
+                                          <p:attrName>style.visibility</p:attrName>
+                                        </p:attrNameLst>
+                                      </p:cBhvr>
+                                      <p:to>
+                                        <p:strVal val="visible"/>
+                                      </p:to>
+                                    </p:set>
+                                  </p:childTnLst>
+                                </p:cTn>
+                              </p:par>
+                            </p:childTnLst>
+                          </p:cTn>
+                        </p:par>
+                      </p:childTnLst>
+                    </p:cTn>
+                  </p:par>
+                  <p:par>
+                    <p:cTn id="22" fill="hold">
+                      <p:stCondLst>
+                        <p:cond delay="indefinite"/>
+                      </p:stCondLst>
+                      <p:childTnLst>
+                        <p:par>
+                          <p:cTn id="23" fill="hold">
+                            <p:stCondLst>
+                              <p:cond delay="0"/>
+                            </p:stCondLst>
+                            <p:childTnLst>
+                              <p:par>
+                                <p:cTn id="24" presetID="1" presetClass="entr" presetSubtype="0" fill="hold" grpId="0" nodeType="clickEffect">
+                                  <p:stCondLst>
+                                    <p:cond delay="0"/>
+                                  </p:stCondLst>
+                                  <p:iterate>
+                                    <p:tmAbs val="0"/>
+                                  </p:iterate>
+                                  <p:childTnLst>
+                                    <p:set>
+                                      <p:cBhvr>
+                                        <p:cTn id="25" fill="hold"/>
+                                        <p:tgtEl>
+                                          <p:spTgt spid="136"/>
+                                        </p:tgtEl>
+                                        <p:attrNameLst>
+                                          <p:attrName>style.visibility</p:attrName>
+                                        </p:attrNameLst>
+                                      </p:cBhvr>
+                                      <p:to>
+                                        <p:strVal val="visible"/>
+                                      </p:to>
+                                    </p:set>
+                                  </p:childTnLst>
+                                </p:cTn>
+                              </p:par>
+                            </p:childTnLst>
+                          </p:cTn>
+                        </p:par>
+                        <p:par>
+                          <p:cTn id="26" fill="hold">
+                            <p:stCondLst>
+                              <p:cond delay="0"/>
+                            </p:stCondLst>
+                            <p:childTnLst>
+                              <p:par>
+                                <p:cTn id="27" presetID="1" presetClass="entr" presetSubtype="0" fill="hold" grpId="0" nodeType="afterEffect">
+                                  <p:stCondLst>
+                                    <p:cond delay="0"/>
+                                  </p:stCondLst>
+                                  <p:iterate>
+                                    <p:tmAbs val="0"/>
+                                  </p:iterate>
+                                  <p:childTnLst>
+                                    <p:set>
+                                      <p:cBhvr>
+                                        <p:cTn id="28" fill="hold"/>
+                                        <p:tgtEl>
+                                          <p:spTgt spid="137"/>
+                                        </p:tgtEl>
+                                        <p:attrNameLst>
+                                          <p:attrName>style.visibility</p:attrName>
+                                        </p:attrNameLst>
+                                      </p:cBhvr>
+                                      <p:to>
+                                        <p:strVal val="visible"/>
+                                      </p:to>
+                                    </p:set>
+                                  </p:childTnLst>
+                                </p:cTn>
+                              </p:par>
+                            </p:childTnLst>
+                          </p:cTn>
+                        </p:par>
+                        <p:par>
+                          <p:cTn id="29" fill="hold">
+                            <p:stCondLst>
+                              <p:cond delay="0"/>
+                            </p:stCondLst>
+                            <p:childTnLst>
+                              <p:par>
+                                <p:cTn id="30" presetID="1" presetClass="entr" presetSubtype="0" fill="hold" grpId="0" nodeType="afterEffect">
+                                  <p:stCondLst>
+                                    <p:cond delay="0"/>
+                                  </p:stCondLst>
+                                  <p:iterate>
+                                    <p:tmAbs val="0"/>
+                                  </p:iterate>
+                                  <p:childTnLst>
+                                    <p:set>
+                                      <p:cBhvr>
+                                        <p:cTn id="31" fill="hold"/>
+                                        <p:tgtEl>
+                                          <p:spTgt spid="138"/>
+                                        </p:tgtEl>
+                                        <p:attrNameLst>
+                                          <p:attrName>style.visibility</p:attrName>
+                                        </p:attrNameLst>
+                                      </p:cBhvr>
+                                      <p:to>
+                                        <p:strVal val="visible"/>
+                                      </p:to>
+                                    </p:set>
+                                  </p:childTnLst>
+                                </p:cTn>
+                              </p:par>
+                              <p:par>
+                                <p:cTn id="32" presetID="1" presetClass="entr" presetSubtype="0" fill="hold" grpId="0" nodeType="withEffect">
+                                  <p:stCondLst>
+                                    <p:cond delay="0"/>
+                                  </p:stCondLst>
+                                  <p:iterate>
+                                    <p:tmAbs val="0"/>
+                                  </p:iterate>
+                                  <p:childTnLst>
+                                    <p:set>
+                                      <p:cBhvr>
+                                        <p:cTn id="33" fill="hold"/>
+                                        <p:tgtEl>
+                                          <p:spTgt spid="143"/>
+                                        </p:tgtEl>
+                                        <p:attrNameLst>
+                                          <p:attrName>style.visibility</p:attrName>
+                                        </p:attrNameLst>
+                                      </p:cBhvr>
+                                      <p:to>
+                                        <p:strVal val="visible"/>
+                                      </p:to>
+                                    </p:set>
+                                  </p:childTnLst>
+                                </p:cTn>
+                              </p:par>
+                              <p:par>
+                                <p:cTn id="34" presetID="1" presetClass="entr" presetSubtype="0" fill="hold" grpId="0" nodeType="withEffect">
+                                  <p:stCondLst>
+                                    <p:cond delay="0"/>
+                                  </p:stCondLst>
+                                  <p:iterate>
+                                    <p:tmAbs val="0"/>
+                                  </p:iterate>
+                                  <p:childTnLst>
+                                    <p:set>
+                                      <p:cBhvr>
+                                        <p:cTn id="35" fill="hold"/>
+                                        <p:tgtEl>
+                                          <p:spTgt spid="135"/>
+                                        </p:tgtEl>
+                                        <p:attrNameLst>
+                                          <p:attrName>style.visibility</p:attrName>
+                                        </p:attrNameLst>
+                                      </p:cBhvr>
+                                      <p:to>
+                                        <p:strVal val="visible"/>
+                                      </p:to>
+                                    </p:set>
+                                  </p:childTnLst>
+                                </p:cTn>
+                              </p:par>
+                            </p:childTnLst>
+                          </p:cTn>
+                        </p:par>
+                      </p:childTnLst>
+                    </p:cTn>
+                  </p:par>
+                  <p:par>
+                    <p:cTn id="36" fill="hold">
+                      <p:stCondLst>
+                        <p:cond delay="indefinite"/>
+                      </p:stCondLst>
+                      <p:childTnLst>
+                        <p:par>
+                          <p:cTn id="37" fill="hold">
+                            <p:stCondLst>
+                              <p:cond delay="0"/>
+                            </p:stCondLst>
+                            <p:childTnLst>
+                              <p:par>
+                                <p:cTn id="38" presetID="1" presetClass="entr" presetSubtype="0" fill="hold" grpId="0" nodeType="clickEffect">
+                                  <p:stCondLst>
+                                    <p:cond delay="0"/>
+                                  </p:stCondLst>
+                                  <p:iterate>
+                                    <p:tmAbs val="0"/>
+                                  </p:iterate>
+                                  <p:childTnLst>
+                                    <p:set>
+                                      <p:cBhvr>
+                                        <p:cTn id="39" fill="hold"/>
+                                        <p:tgtEl>
+                                          <p:spTgt spid="121"/>
+                                        </p:tgtEl>
+                                        <p:attrNameLst>
+                                          <p:attrName>style.visibility</p:attrName>
+                                        </p:attrNameLst>
+                                      </p:cBhvr>
+                                      <p:to>
+                                        <p:strVal val="visible"/>
+                                      </p:to>
+                                    </p:set>
+                                  </p:childTnLst>
+                                </p:cTn>
+                              </p:par>
+                            </p:childTnLst>
+                          </p:cTn>
+                        </p:par>
+                        <p:par>
+                          <p:cTn id="40" fill="hold">
+                            <p:stCondLst>
+                              <p:cond delay="0"/>
+                            </p:stCondLst>
+                            <p:childTnLst>
+                              <p:par>
+                                <p:cTn id="41" presetID="1" presetClass="entr" presetSubtype="0" fill="hold" grpId="0" nodeType="afterEffect">
+                                  <p:stCondLst>
+                                    <p:cond delay="0"/>
+                                  </p:stCondLst>
+                                  <p:iterate>
+                                    <p:tmAbs val="0"/>
+                                  </p:iterate>
+                                  <p:childTnLst>
+                                    <p:set>
+                                      <p:cBhvr>
+                                        <p:cTn id="42" fill="hold"/>
+                                        <p:tgtEl>
+                                          <p:spTgt spid="145"/>
+                                        </p:tgtEl>
+                                        <p:attrNameLst>
+                                          <p:attrName>style.visibility</p:attrName>
+                                        </p:attrNameLst>
+                                      </p:cBhvr>
+                                      <p:to>
+                                        <p:strVal val="visible"/>
+                                      </p:to>
+                                    </p:set>
+                                  </p:childTnLst>
+                                </p:cTn>
+                              </p:par>
+                            </p:childTnLst>
+                          </p:cTn>
+                        </p:par>
+                      </p:childTnLst>
+                    </p:cTn>
+                  </p:par>
+                  <p:par>
+                    <p:cTn id="43" fill="hold">
+                      <p:stCondLst>
+                        <p:cond delay="indefinite"/>
+                      </p:stCondLst>
+                      <p:childTnLst>
+                        <p:par>
+                          <p:cTn id="44" fill="hold">
+                            <p:stCondLst>
+                              <p:cond delay="0"/>
+                            </p:stCondLst>
+                            <p:childTnLst>
+                              <p:par>
+                                <p:cTn id="45" presetID="1" presetClass="entr" presetSubtype="0" fill="hold" grpId="0" nodeType="clickEffect">
+                                  <p:stCondLst>
+                                    <p:cond delay="0"/>
+                                  </p:stCondLst>
+                                  <p:iterate>
+                                    <p:tmAbs val="0"/>
+                                  </p:iterate>
+                                  <p:childTnLst>
+                                    <p:set>
+                                      <p:cBhvr>
+                                        <p:cTn id="46" fill="hold"/>
+                                        <p:tgtEl>
+                                          <p:spTgt spid="141"/>
+                                        </p:tgtEl>
+                                        <p:attrNameLst>
+                                          <p:attrName>style.visibility</p:attrName>
+                                        </p:attrNameLst>
+                                      </p:cBhvr>
+                                      <p:to>
+                                        <p:strVal val="visible"/>
+                                      </p:to>
+                                    </p:set>
+                                  </p:childTnLst>
+                                </p:cTn>
+                              </p:par>
+                              <p:par>
+                                <p:cTn id="47" presetID="1" presetClass="entr" presetSubtype="0" fill="hold" grpId="0" nodeType="withEffect">
+                                  <p:stCondLst>
+                                    <p:cond delay="0"/>
+                                  </p:stCondLst>
+                                  <p:iterate>
+                                    <p:tmAbs val="0"/>
+                                  </p:iterate>
+                                  <p:childTnLst>
+                                    <p:set>
+                                      <p:cBhvr>
+                                        <p:cTn id="48" fill="hold"/>
+                                        <p:tgtEl>
+                                          <p:spTgt spid="142"/>
+                                        </p:tgtEl>
+                                        <p:attrNameLst>
+                                          <p:attrName>style.visibility</p:attrName>
+                                        </p:attrNameLst>
+                                      </p:cBhvr>
+                                      <p:to>
+                                        <p:strVal val="visible"/>
+                                      </p:to>
+                                    </p:set>
+                                  </p:childTnLst>
+                                </p:cTn>
+                              </p:par>
+                              <p:par>
+                                <p:cTn id="49" presetID="1" presetClass="entr" presetSubtype="0" fill="hold" grpId="0" nodeType="withEffect">
+                                  <p:stCondLst>
+                                    <p:cond delay="0"/>
+                                  </p:stCondLst>
+                                  <p:iterate>
+                                    <p:tmAbs val="0"/>
+                                  </p:iterate>
+                                  <p:childTnLst>
+                                    <p:set>
+                                      <p:cBhvr>
+                                        <p:cTn id="50" fill="hold"/>
+                                        <p:tgtEl>
+                                          <p:spTgt spid="140"/>
+                                        </p:tgtEl>
+                                        <p:attrNameLst>
+                                          <p:attrName>style.visibility</p:attrName>
+                                        </p:attrNameLst>
+                                      </p:cBhvr>
+                                      <p:to>
+                                        <p:strVal val="visible"/>
+                                      </p:to>
+                                    </p:set>
+                                  </p:childTnLst>
+                                </p:cTn>
+                              </p:par>
+                              <p:par>
+                                <p:cTn id="51" presetID="1" presetClass="entr" presetSubtype="0" fill="hold" grpId="0" nodeType="withEffect">
+                                  <p:stCondLst>
+                                    <p:cond delay="0"/>
+                                  </p:stCondLst>
+                                  <p:iterate>
+                                    <p:tmAbs val="0"/>
+                                  </p:iterate>
+                                  <p:childTnLst>
+                                    <p:set>
+                                      <p:cBhvr>
+                                        <p:cTn id="52" fill="hold"/>
+                                        <p:tgtEl>
+                                          <p:spTgt spid="139"/>
+                                        </p:tgtEl>
+                                        <p:attrNameLst>
+                                          <p:attrName>style.visibility</p:attrName>
+                                        </p:attrNameLst>
+                                      </p:cBhvr>
+                                      <p:to>
+                                        <p:strVal val="visible"/>
+                                      </p:to>
+                                    </p:set>
+                                  </p:childTnLst>
+                                </p:cTn>
+                              </p:par>
+                            </p:childTnLst>
+                          </p:cTn>
+                        </p:par>
+                      </p:childTnLst>
+                    </p:cTn>
+                  </p:par>
+                  <p:par>
+                    <p:cTn id="53" fill="hold">
+                      <p:stCondLst>
+                        <p:cond delay="indefinite"/>
+                      </p:stCondLst>
+                      <p:childTnLst>
+                        <p:par>
+                          <p:cTn id="54" fill="hold">
+                            <p:stCondLst>
+                              <p:cond delay="0"/>
+                            </p:stCondLst>
+                            <p:childTnLst>
+                              <p:par>
+                                <p:cTn id="55" presetID="1" presetClass="entr" presetSubtype="0" fill="hold" grpId="0" nodeType="clickEffect">
+                                  <p:stCondLst>
+                                    <p:cond delay="0"/>
+                                  </p:stCondLst>
+                                  <p:iterate>
+                                    <p:tmAbs val="0"/>
+                                  </p:iterate>
+                                  <p:childTnLst>
+                                    <p:set>
+                                      <p:cBhvr>
+                                        <p:cTn id="56" fill="hold"/>
+                                        <p:tgtEl>
+                                          <p:spTgt spid="153"/>
+                                        </p:tgtEl>
+                                        <p:attrNameLst>
+                                          <p:attrName>style.visibility</p:attrName>
+                                        </p:attrNameLst>
+                                      </p:cBhvr>
+                                      <p:to>
+                                        <p:strVal val="visible"/>
+                                      </p:to>
+                                    </p:set>
+                                  </p:childTnLst>
+                                </p:cTn>
+                              </p:par>
+                            </p:childTnLst>
+                          </p:cTn>
+                        </p:par>
+                        <p:par>
+                          <p:cTn id="57" fill="hold">
+                            <p:stCondLst>
+                              <p:cond delay="0"/>
+                            </p:stCondLst>
+                            <p:childTnLst>
+                              <p:par>
+                                <p:cTn id="58" presetID="1" presetClass="entr" presetSubtype="0" fill="hold" grpId="0" nodeType="afterEffect">
+                                  <p:stCondLst>
+                                    <p:cond delay="0"/>
+                                  </p:stCondLst>
+                                  <p:iterate>
+                                    <p:tmAbs val="0"/>
+                                  </p:iterate>
+                                  <p:childTnLst>
+                                    <p:set>
+                                      <p:cBhvr>
+                                        <p:cTn id="59" fill="hold"/>
+                                        <p:tgtEl>
+                                          <p:spTgt spid="154"/>
+                                        </p:tgtEl>
+                                        <p:attrNameLst>
+                                          <p:attrName>style.visibility</p:attrName>
+                                        </p:attrNameLst>
+                                      </p:cBhvr>
+                                      <p:to>
+                                        <p:strVal val="visible"/>
+                                      </p:to>
+                                    </p:set>
+                                  </p:childTnLst>
+                                </p:cTn>
+                              </p:par>
+                            </p:childTnLst>
+                          </p:cTn>
+                        </p:par>
+                        <p:par>
+                          <p:cTn id="60" fill="hold">
+                            <p:stCondLst>
+                              <p:cond delay="0"/>
+                            </p:stCondLst>
+                            <p:childTnLst>
+                              <p:par>
+                                <p:cTn id="61" presetID="1" presetClass="entr" presetSubtype="0" fill="hold" grpId="0" nodeType="afterEffect">
+                                  <p:stCondLst>
+                                    <p:cond delay="0"/>
+                                  </p:stCondLst>
+                                  <p:iterate>
+                                    <p:tmAbs val="0"/>
+                                  </p:iterate>
+                                  <p:childTnLst>
+                                    <p:set>
+                                      <p:cBhvr>
+                                        <p:cTn id="62" fill="hold"/>
+                                        <p:tgtEl>
+                                          <p:spTgt spid="119"/>
+                                        </p:tgtEl>
+                                        <p:attrNameLst>
+                                          <p:attrName>style.visibility</p:attrName>
+                                        </p:attrNameLst>
+                                      </p:cBhvr>
+                                      <p:to>
+                                        <p:strVal val="visible"/>
+                                      </p:to>
+                                    </p:set>
+                                  </p:childTnLst>
+                                </p:cTn>
+                              </p:par>
+                            </p:childTnLst>
+                          </p:cTn>
+                        </p:par>
+                      </p:childTnLst>
+                    </p:cTn>
+                  </p:par>
+                  <p:par>
+                    <p:cTn id="63" fill="hold">
+                      <p:stCondLst>
+                        <p:cond delay="indefinite"/>
+                      </p:stCondLst>
+                      <p:childTnLst>
+                        <p:par>
+                          <p:cTn id="64" fill="hold">
+                            <p:stCondLst>
+                              <p:cond delay="0"/>
+                            </p:stCondLst>
+                            <p:childTnLst>
+                              <p:par>
+                                <p:cTn id="65" presetID="1" presetClass="exit" presetSubtype="0" fill="hold" grpId="1" nodeType="clickEffect">
+                                  <p:stCondLst>
+                                    <p:cond delay="0"/>
+                                  </p:stCondLst>
+                                  <p:iterate>
+                                    <p:tmAbs val="0"/>
+                                  </p:iterate>
+                                  <p:childTnLst>
+                                    <p:set>
+                                      <p:cBhvr>
+                                        <p:cTn id="66" fill="hold">
+                                          <p:stCondLst>
+                                            <p:cond delay="0"/>
+                                          </p:stCondLst>
+                                        </p:cTn>
+                                        <p:tgtEl>
+                                          <p:spTgt spid="141"/>
+                                        </p:tgtEl>
+                                        <p:attrNameLst>
+                                          <p:attrName>style.visibility</p:attrName>
+                                        </p:attrNameLst>
+                                      </p:cBhvr>
+                                      <p:to>
+                                        <p:strVal val="hidden"/>
+                                      </p:to>
+                                    </p:set>
+                                  </p:childTnLst>
+                                </p:cTn>
+                              </p:par>
+                              <p:par>
+                                <p:cTn id="67" presetID="1" presetClass="exit" presetSubtype="0" fill="hold" grpId="1" nodeType="withEffect">
+                                  <p:stCondLst>
+                                    <p:cond delay="0"/>
+                                  </p:stCondLst>
+                                  <p:iterate>
+                                    <p:tmAbs val="0"/>
+                                  </p:iterate>
+                                  <p:childTnLst>
+                                    <p:set>
+                                      <p:cBhvr>
+                                        <p:cTn id="68" fill="hold">
+                                          <p:stCondLst>
+                                            <p:cond delay="0"/>
+                                          </p:stCondLst>
+                                        </p:cTn>
+                                        <p:tgtEl>
+                                          <p:spTgt spid="142"/>
+                                        </p:tgtEl>
+                                        <p:attrNameLst>
+                                          <p:attrName>style.visibility</p:attrName>
+                                        </p:attrNameLst>
+                                      </p:cBhvr>
+                                      <p:to>
+                                        <p:strVal val="hidden"/>
+                                      </p:to>
+                                    </p:set>
+                                  </p:childTnLst>
+                                </p:cTn>
+                              </p:par>
+                              <p:par>
+                                <p:cTn id="69" presetID="1" presetClass="exit" presetSubtype="0" fill="hold" grpId="1" nodeType="withEffect">
+                                  <p:stCondLst>
+                                    <p:cond delay="0"/>
+                                  </p:stCondLst>
+                                  <p:iterate>
+                                    <p:tmAbs val="0"/>
+                                  </p:iterate>
+                                  <p:childTnLst>
+                                    <p:set>
+                                      <p:cBhvr>
+                                        <p:cTn id="70" fill="hold">
+                                          <p:stCondLst>
+                                            <p:cond delay="0"/>
+                                          </p:stCondLst>
+                                        </p:cTn>
+                                        <p:tgtEl>
+                                          <p:spTgt spid="140"/>
+                                        </p:tgtEl>
+                                        <p:attrNameLst>
+                                          <p:attrName>style.visibility</p:attrName>
+                                        </p:attrNameLst>
+                                      </p:cBhvr>
+                                      <p:to>
+                                        <p:strVal val="hidden"/>
+                                      </p:to>
+                                    </p:set>
+                                  </p:childTnLst>
+                                </p:cTn>
+                              </p:par>
+                              <p:par>
+                                <p:cTn id="71" presetID="1" presetClass="exit" presetSubtype="0" fill="hold" grpId="1" nodeType="withEffect">
+                                  <p:stCondLst>
+                                    <p:cond delay="0"/>
+                                  </p:stCondLst>
+                                  <p:iterate>
+                                    <p:tmAbs val="0"/>
+                                  </p:iterate>
+                                  <p:childTnLst>
+                                    <p:set>
+                                      <p:cBhvr>
+                                        <p:cTn id="72" fill="hold">
+                                          <p:stCondLst>
+                                            <p:cond delay="0"/>
+                                          </p:stCondLst>
+                                        </p:cTn>
+                                        <p:tgtEl>
+                                          <p:spTgt spid="139"/>
+                                        </p:tgtEl>
+                                        <p:attrNameLst>
+                                          <p:attrName>style.visibility</p:attrName>
+                                        </p:attrNameLst>
+                                      </p:cBhvr>
+                                      <p:to>
+                                        <p:strVal val="hidden"/>
+                                      </p:to>
+                                    </p:set>
+                                  </p:childTnLst>
+                                </p:cTn>
+                              </p:par>
+                              <p:par>
+                                <p:cTn id="73" presetID="1" presetClass="exit" presetSubtype="0" fill="hold" grpId="1" nodeType="withEffect">
+                                  <p:stCondLst>
+                                    <p:cond delay="0"/>
+                                  </p:stCondLst>
+                                  <p:childTnLst>
+                                    <p:set>
+                                      <p:cBhvr>
+                                        <p:cTn id="74" dur="1" fill="hold">
+                                          <p:stCondLst>
+                                            <p:cond delay="0"/>
+                                          </p:stCondLst>
+                                        </p:cTn>
+                                        <p:tgtEl>
+                                          <p:spTgt spid="154"/>
+                                        </p:tgtEl>
+                                        <p:attrNameLst>
+                                          <p:attrName>style.visibility</p:attrName>
+                                        </p:attrNameLst>
+                                      </p:cBhvr>
+                                      <p:to>
+                                        <p:strVal val="hidden"/>
+                                      </p:to>
+                                    </p:set>
+                                  </p:childTnLst>
+                                </p:cTn>
+                              </p:par>
+                              <p:par>
+                                <p:cTn id="75" presetID="1" presetClass="exit" presetSubtype="0" fill="hold" nodeType="withEffect">
+                                  <p:stCondLst>
+                                    <p:cond delay="0"/>
+                                  </p:stCondLst>
+                                  <p:childTnLst>
+                                    <p:set>
+                                      <p:cBhvr>
+                                        <p:cTn id="76" dur="1" fill="hold">
+                                          <p:stCondLst>
+                                            <p:cond delay="0"/>
+                                          </p:stCondLst>
+                                        </p:cTn>
+                                        <p:tgtEl>
+                                          <p:spTgt spid="153"/>
+                                        </p:tgtEl>
+                                        <p:attrNameLst>
+                                          <p:attrName>style.visibility</p:attrName>
+                                        </p:attrNameLst>
+                                      </p:cBhvr>
+                                      <p:to>
+                                        <p:strVal val="hidden"/>
+                                      </p:to>
+                                    </p:set>
+                                  </p:childTnLst>
+                                </p:cTn>
+                              </p:par>
+                              <p:par>
+                                <p:cTn id="77" presetID="1" presetClass="exit" presetSubtype="0" fill="hold" nodeType="withEffect">
+                                  <p:stCondLst>
+                                    <p:cond delay="0"/>
+                                  </p:stCondLst>
+                                  <p:childTnLst>
+                                    <p:set>
+                                      <p:cBhvr>
+                                        <p:cTn id="78" dur="1" fill="hold">
+                                          <p:stCondLst>
+                                            <p:cond delay="0"/>
+                                          </p:stCondLst>
+                                        </p:cTn>
+                                        <p:tgtEl>
+                                          <p:spTgt spid="119"/>
+                                        </p:tgtEl>
+                                        <p:attrNameLst>
+                                          <p:attrName>style.visibility</p:attrName>
+                                        </p:attrNameLst>
+                                      </p:cBhvr>
+                                      <p:to>
+                                        <p:strVal val="hidden"/>
+                                      </p:to>
+                                    </p:set>
+                                  </p:childTnLst>
+                                </p:cTn>
+                              </p:par>
+                            </p:childTnLst>
+                          </p:cTn>
+                        </p:par>
+                      </p:childTnLst>
+                    </p:cTn>
+                  </p:par>
+                </p:childTnLst>
+              </p:cTn>
+              <p:prevCondLst>
+                <p:cond evt="onPrev" delay="0">
+                  <p:tgtEl>
+                    <p:sldTgt/>
+                  </p:tgtEl>
+                </p:cond>
+              </p:prevCondLst>
+              <p:nextCondLst>
+                <p:cond evt="onNext" delay="0">
+                  <p:tgtEl>
+                    <p:sldTgt/>
+                  </p:tgtEl>
+                </p:cond>
+              </p:nextCondLst>
+            </p:seq>
+          </p:childTnLst>
+        </p:cTn>
+      </p:par>
+    </p:tnLst>
+    <p:bldLst>
+      <p:bldP spid="119" grpId="0" animBg="1" advAuto="0"/>
+      <p:bldP spid="120" grpId="0" animBg="1" advAuto="0"/>
+      <p:bldP spid="121" grpId="0" animBg="1" advAuto="0"/>
+      <p:bldP spid="122" grpId="0" animBg="1" advAuto="0"/>
+      <p:bldP spid="123" grpId="0" animBg="1" advAuto="0"/>
+      <p:bldP spid="124" grpId="0" animBg="1" advAuto="0"/>
+      <p:bldP spid="135" grpId="0" animBg="1" advAuto="0"/>
+      <p:bldP spid="136" grpId="0" animBg="1" advAuto="0"/>
+      <p:bldP spid="137" grpId="0" animBg="1" advAuto="0"/>
+      <p:bldP spid="138" grpId="0" animBg="1" advAuto="0"/>
+      <p:bldP spid="139" grpId="0" animBg="1" advAuto="0"/>
+      <p:bldP spid="139" grpId="1" animBg="1" advAuto="0"/>
+      <p:bldP spid="140" grpId="0" animBg="1" advAuto="0"/>
+      <p:bldP spid="140" grpId="1" animBg="1" advAuto="0"/>
+      <p:bldP spid="141" grpId="0" animBg="1" advAuto="0"/>
+      <p:bldP spid="141" grpId="1" animBg="1" advAuto="0"/>
+      <p:bldP spid="142" grpId="0" animBg="1" advAuto="0"/>
+      <p:bldP spid="142" grpId="1" animBg="1" advAuto="0"/>
+      <p:bldP spid="143" grpId="0" animBg="1" advAuto="0"/>
+      <p:bldP spid="144" grpId="0" animBg="1" advAuto="0"/>
+      <p:bldP spid="145" grpId="0" animBg="1" advAuto="0"/>
+      <p:bldP spid="146" grpId="0" animBg="1" advAuto="0"/>
+      <p:bldP spid="153" grpId="0" animBg="1" advAuto="0"/>
+      <p:bldP spid="154" grpId="0" animBg="1" advAuto="0"/>
+      <p:bldP spid="154" grpId="1" animBg="1"/>
+    </p:bldLst>
+  </p:timing>
 </p:sld>
 </file>
 
@@ -3786,8 +6199,8 @@
           <a:lstStyle/>
           <a:p>
             <a:r>
-              <a:rPr lang="en-US" smtClean="0"/>
-              <a:t>Why is this good?</a:t>
+              <a:rPr lang="en-US" dirty="0" smtClean="0"/>
+              <a:t>What is cloud computing</a:t>
             </a:r>
             <a:endParaRPr lang="en-US" dirty="0"/>
           </a:p>
@@ -3800,91 +6213,86 @@
             <a:spLocks noGrp="1"/>
           </p:cNvSpPr>
           <p:nvPr>
-            <p:ph sz="half" idx="1"/>
-          </p:nvPr>
-        </p:nvSpPr>
-        <p:spPr/>
-        <p:txBody>
-          <a:bodyPr>
-            <a:normAutofit fontScale="92500" lnSpcReduction="10000"/>
-          </a:bodyPr>
+            <p:ph idx="1"/>
+          </p:nvPr>
+        </p:nvSpPr>
+        <p:spPr>
+          <a:xfrm>
+            <a:off x="457200" y="1469929"/>
+            <a:ext cx="8229600" cy="3124694"/>
+          </a:xfrm>
+        </p:spPr>
+        <p:txBody>
+          <a:bodyPr/>
           <a:lstStyle/>
           <a:p>
-            <a:pPr lvl="0"/>
+            <a:pPr marL="0" lvl="0" indent="0">
+              <a:buNone/>
+            </a:pPr>
             <a:r>
               <a:rPr lang="en-US" dirty="0"/>
-              <a:t>E</a:t>
-            </a:r>
-            <a:r>
-              <a:rPr lang="en-US" dirty="0" smtClean="0"/>
-              <a:t>asily provide </a:t>
-            </a:r>
-            <a:r>
-              <a:rPr lang="en-US" b="1" dirty="0" smtClean="0">
+              <a:t>Simply put, cloud computing means: </a:t>
+            </a:r>
+          </a:p>
+          <a:p>
+            <a:pPr marL="0" lvl="0" indent="0">
+              <a:buNone/>
+            </a:pPr>
+            <a:endParaRPr lang="en-US" dirty="0"/>
+          </a:p>
+          <a:p>
+            <a:pPr marL="0" lvl="0" indent="0">
+              <a:buNone/>
+            </a:pPr>
+            <a:r>
+              <a:rPr lang="en-US" dirty="0"/>
+              <a:t>Storing and accessing </a:t>
+            </a:r>
+            <a:r>
+              <a:rPr lang="en-US" b="1" dirty="0">
                 <a:sym typeface="Helvetica"/>
               </a:rPr>
-              <a:t>access to collaborators</a:t>
-            </a:r>
-            <a:r>
-              <a:rPr lang="en-US" b="1" dirty="0" smtClean="0"/>
+              <a:t>data and programs</a:t>
+            </a:r>
+            <a:r>
+              <a:rPr lang="en-US" b="1" i="1" dirty="0"/>
               <a:t> </a:t>
             </a:r>
             <a:r>
-              <a:rPr lang="en-US" dirty="0" smtClean="0"/>
-              <a:t>to the same resources.</a:t>
-            </a:r>
-          </a:p>
-          <a:p>
-            <a:pPr lvl="0"/>
-            <a:r>
-              <a:rPr lang="en-US" dirty="0" smtClean="0"/>
-              <a:t>Save time synchronizing the collaboration.</a:t>
-            </a:r>
-          </a:p>
-          <a:p>
-            <a:pPr lvl="0"/>
-            <a:r>
-              <a:rPr lang="en-US" dirty="0" smtClean="0"/>
-              <a:t>There are other advantages and also drawbacks, but first let’s define cloud computing in  a bit more detail…</a:t>
-            </a:r>
+              <a:rPr lang="en-US" i="1" dirty="0"/>
+              <a:t>over the Internet</a:t>
+            </a:r>
+            <a:r>
+              <a:rPr lang="en-US" dirty="0"/>
+              <a:t> instead of on your own computers hard drive</a:t>
+            </a:r>
+            <a:r>
+              <a:rPr lang="en-US" dirty="0" smtClean="0"/>
+              <a:t>.</a:t>
+            </a:r>
+          </a:p>
+          <a:p>
+            <a:pPr marL="0" lvl="0" indent="0">
+              <a:buNone/>
+            </a:pPr>
             <a:endParaRPr lang="en-US" dirty="0"/>
           </a:p>
-        </p:txBody>
-      </p:sp>
-      <p:pic>
-        <p:nvPicPr>
-          <p:cNvPr id="5" name="Picture 4" descr="CloudServices3.png"/>
-          <p:cNvPicPr>
-            <a:picLocks noChangeAspect="1"/>
-          </p:cNvPicPr>
-          <p:nvPr/>
-        </p:nvPicPr>
-        <p:blipFill>
-          <a:blip r:embed="rId2">
-            <a:extLst>
-              <a:ext uri="{28A0092B-C50C-407E-A947-70E740481C1C}">
-                <a14:useLocalDpi xmlns:a14="http://schemas.microsoft.com/office/drawing/2010/main" val="0"/>
-              </a:ext>
-            </a:extLst>
-          </a:blip>
-          <a:stretch>
-            <a:fillRect/>
-          </a:stretch>
-        </p:blipFill>
-        <p:spPr>
-          <a:xfrm>
-            <a:off x="4495800" y="1735713"/>
-            <a:ext cx="4103300" cy="1970389"/>
-          </a:xfrm>
-          <a:prstGeom prst="rect">
-            <a:avLst/>
-          </a:prstGeom>
-        </p:spPr>
-      </p:pic>
+          <a:p>
+            <a:pPr marL="0" lvl="0" indent="0">
+              <a:buNone/>
+            </a:pPr>
+            <a:r>
+              <a:rPr lang="en-US" dirty="0" smtClean="0"/>
+              <a:t>You local computer is only used to connect to and control the resources.</a:t>
+            </a:r>
+            <a:endParaRPr lang="en-US" dirty="0"/>
+          </a:p>
+        </p:txBody>
+      </p:sp>
     </p:spTree>
     <p:extLst>
       <p:ext uri="{BB962C8B-B14F-4D97-AF65-F5344CB8AC3E}">
-        <p14:creationId xmlns:p14="http://schemas.microsoft.com/office/powerpoint/2010/main" val="2407401319"/>
+        <p14:creationId xmlns:p14="http://schemas.microsoft.com/office/powerpoint/2010/main" val="3841455491"/>
       </p:ext>
     </p:extLst>
   </p:cSld>
@@ -3913,7 +6321,7 @@
       </p:grpSpPr>
       <p:sp>
         <p:nvSpPr>
-          <p:cNvPr id="2" name="Title 1"/>
+          <p:cNvPr id="6" name="Title 5"/>
           <p:cNvSpPr>
             <a:spLocks noGrp="1"/>
           </p:cNvSpPr>
@@ -3927,8 +6335,8 @@
           <a:lstStyle/>
           <a:p>
             <a:r>
-              <a:rPr lang="en-US" smtClean="0"/>
-              <a:t>Cloud Computing</a:t>
+              <a:rPr lang="en-US" dirty="0" smtClean="0"/>
+              <a:t>Why is this good?</a:t>
             </a:r>
             <a:endParaRPr lang="en-US" dirty="0"/>
           </a:p>
@@ -3936,7 +6344,7 @@
       </p:sp>
       <p:sp>
         <p:nvSpPr>
-          <p:cNvPr id="5" name="Content Placeholder 4"/>
+          <p:cNvPr id="3" name="Content Placeholder 2"/>
           <p:cNvSpPr>
             <a:spLocks noGrp="1"/>
           </p:cNvSpPr>
@@ -3947,83 +6355,71 @@
         <p:spPr/>
         <p:txBody>
           <a:bodyPr>
-            <a:normAutofit lnSpcReduction="10000"/>
+            <a:normAutofit/>
           </a:bodyPr>
           <a:lstStyle/>
           <a:p>
-            <a:pPr marL="0" indent="0">
-              <a:buNone/>
-            </a:pPr>
-            <a:r>
-              <a:rPr lang="en-US" dirty="0" smtClean="0"/>
-              <a:t>The </a:t>
-            </a:r>
-            <a:r>
-              <a:rPr lang="en-US" i="1" dirty="0" smtClean="0"/>
-              <a:t>National Institute for Standards and Technology (NIST) </a:t>
-            </a:r>
-            <a:r>
-              <a:rPr lang="en-US" dirty="0" smtClean="0"/>
-              <a:t>defines cloud computing as:</a:t>
-            </a:r>
-          </a:p>
-          <a:p>
-            <a:pPr marL="0" indent="0">
-              <a:buNone/>
-            </a:pPr>
-            <a:endParaRPr lang="en-US" dirty="0"/>
-          </a:p>
-          <a:p>
-            <a:pPr marL="0" indent="0">
-              <a:buNone/>
-            </a:pPr>
-            <a:r>
-              <a:rPr lang="en-US" dirty="0" smtClean="0"/>
-              <a:t>“A model for enabling ubiquitous, convenient</a:t>
-            </a:r>
-            <a:r>
-              <a:rPr lang="en-US" b="1" dirty="0" smtClean="0"/>
-              <a:t>, </a:t>
+            <a:pPr lvl="0"/>
+            <a:r>
+              <a:rPr lang="en-US" dirty="0" smtClean="0"/>
+              <a:t>Imagine your research analysis software needs lots of computing power and storage.</a:t>
+            </a:r>
+          </a:p>
+          <a:p>
+            <a:pPr lvl="0"/>
+            <a:r>
+              <a:rPr lang="en-US" dirty="0" smtClean="0"/>
+              <a:t>Your research organization may not be able to provide you with enough resources easily.</a:t>
+            </a:r>
+          </a:p>
+          <a:p>
+            <a:pPr lvl="0"/>
+            <a:r>
+              <a:rPr lang="en-US" dirty="0" smtClean="0"/>
+              <a:t>In the cloud, you can easily </a:t>
             </a:r>
             <a:r>
               <a:rPr lang="en-US" b="1" dirty="0" smtClean="0">
                 <a:sym typeface="Helvetica"/>
               </a:rPr>
-              <a:t>on-demand network access to a shared pool of configurable computing resources</a:t>
-            </a:r>
-            <a:r>
-              <a:rPr lang="en-US" dirty="0" smtClean="0"/>
-              <a:t> (e.g., networks, servers, storage, applications and services) that can be </a:t>
-            </a:r>
-            <a:r>
-              <a:rPr lang="en-US" b="1" dirty="0" smtClean="0">
-                <a:sym typeface="Helvetica"/>
-              </a:rPr>
-              <a:t>rapidly provisioned</a:t>
-            </a:r>
-            <a:r>
-              <a:rPr lang="en-US" dirty="0" smtClean="0">
-                <a:sym typeface="Helvetica"/>
-              </a:rPr>
-              <a:t> and released </a:t>
-            </a:r>
-            <a:r>
-              <a:rPr lang="en-US" dirty="0" smtClean="0"/>
-              <a:t>with minimal management effort or service provider interaction”</a:t>
-            </a:r>
+              <a:t>scale up</a:t>
+            </a:r>
+            <a:r>
+              <a:rPr lang="en-US" b="1" dirty="0" smtClean="0"/>
+              <a:t> </a:t>
+            </a:r>
+            <a:r>
+              <a:rPr lang="en-US" dirty="0" smtClean="0"/>
+              <a:t>to the amount of resources you require at a time.</a:t>
+            </a:r>
+          </a:p>
+          <a:p>
+            <a:pPr lvl="0"/>
+            <a:r>
+              <a:rPr lang="en-US" dirty="0" smtClean="0"/>
+              <a:t>This model is commonly known as “pay-per-use”</a:t>
+            </a:r>
+            <a:endParaRPr lang="en-US" dirty="0"/>
           </a:p>
         </p:txBody>
       </p:sp>
     </p:spTree>
     <p:extLst>
       <p:ext uri="{BB962C8B-B14F-4D97-AF65-F5344CB8AC3E}">
-        <p14:creationId xmlns:p14="http://schemas.microsoft.com/office/powerpoint/2010/main" val="3584086963"/>
+        <p14:creationId xmlns:p14="http://schemas.microsoft.com/office/powerpoint/2010/main" val="2078772393"/>
       </p:ext>
     </p:extLst>
   </p:cSld>
   <p:clrMapOvr>
     <a:masterClrMapping/>
   </p:clrMapOvr>
+  <p:timing>
+    <p:tnLst>
+      <p:par>
+        <p:cTn xmlns:p14="http://schemas.microsoft.com/office/powerpoint/2010/main" id="1" dur="indefinite" restart="never" nodeType="tmRoot"/>
+      </p:par>
+    </p:tnLst>
+  </p:timing>
 </p:sld>
 </file>
 
@@ -4061,7 +6457,7 @@
           <a:p>
             <a:r>
               <a:rPr lang="en-US" smtClean="0"/>
-              <a:t>Cloud Computing</a:t>
+              <a:t>Why is this good?</a:t>
             </a:r>
             <a:endParaRPr lang="en-US" dirty="0"/>
           </a:p>
@@ -4074,111 +6470,104 @@
             <a:spLocks noGrp="1"/>
           </p:cNvSpPr>
           <p:nvPr>
-            <p:ph idx="1"/>
+            <p:ph sz="half" idx="1"/>
           </p:nvPr>
         </p:nvSpPr>
         <p:spPr/>
         <p:txBody>
           <a:bodyPr>
-            <a:normAutofit fontScale="85000" lnSpcReduction="20000"/>
+            <a:normAutofit fontScale="92500" lnSpcReduction="10000"/>
           </a:bodyPr>
           <a:lstStyle/>
           <a:p>
-            <a:pPr marL="0" lvl="0" indent="0">
-              <a:buNone/>
-            </a:pPr>
-            <a:r>
-              <a:rPr lang="en-US" dirty="0" smtClean="0"/>
-              <a:t>Five characteristics of cloud computing (according to NIST):</a:t>
-            </a:r>
-          </a:p>
-          <a:p>
-            <a:r>
-              <a:rPr lang="en-US" dirty="0" smtClean="0">
+            <a:pPr lvl="0"/>
+            <a:r>
+              <a:rPr lang="en-US" dirty="0"/>
+              <a:t>E</a:t>
+            </a:r>
+            <a:r>
+              <a:rPr lang="en-US" dirty="0" smtClean="0"/>
+              <a:t>asily provide </a:t>
+            </a:r>
+            <a:r>
+              <a:rPr lang="en-US" b="1" dirty="0" smtClean="0">
                 <a:sym typeface="Helvetica"/>
               </a:rPr>
-              <a:t>On-demand self-service</a:t>
-            </a:r>
-          </a:p>
-          <a:p>
-            <a:pPr lvl="1"/>
-            <a:r>
-              <a:rPr lang="en-US" dirty="0" smtClean="0"/>
-              <a:t>consumers can provision resources (e.g. computing power and storage)</a:t>
-            </a:r>
-          </a:p>
-          <a:p>
-            <a:r>
-              <a:rPr lang="en-US" dirty="0" smtClean="0">
-                <a:sym typeface="Helvetica"/>
-              </a:rPr>
-              <a:t>Broad network access</a:t>
-            </a:r>
-          </a:p>
-          <a:p>
-            <a:pPr lvl="1"/>
-            <a:r>
-              <a:rPr lang="en-US" dirty="0" smtClean="0"/>
-              <a:t>Access of compute and storage services via a variety of devices</a:t>
-            </a:r>
-          </a:p>
-          <a:p>
-            <a:r>
-              <a:rPr lang="en-US" dirty="0" smtClean="0">
-                <a:sym typeface="Helvetica"/>
-              </a:rPr>
-              <a:t>Resource pooling</a:t>
-            </a:r>
-          </a:p>
-          <a:p>
-            <a:pPr lvl="1"/>
-            <a:r>
-              <a:rPr lang="en-US" dirty="0" smtClean="0"/>
-              <a:t>Consumers can choose the data center, but not the specific hardware device.</a:t>
-            </a:r>
-          </a:p>
-          <a:p>
-            <a:r>
-              <a:rPr lang="en-US" dirty="0" smtClean="0">
-                <a:sym typeface="Helvetica"/>
-              </a:rPr>
-              <a:t>Rapid elasticity</a:t>
-            </a:r>
-          </a:p>
-          <a:p>
-            <a:pPr lvl="1"/>
-            <a:r>
-              <a:rPr lang="en-US" dirty="0" smtClean="0"/>
-              <a:t>Resources are scalable (“elastic”). </a:t>
-            </a:r>
-          </a:p>
-          <a:p>
-            <a:r>
-              <a:rPr lang="en-US" dirty="0" smtClean="0">
-                <a:sym typeface="Helvetica"/>
-              </a:rPr>
-              <a:t>Measured service</a:t>
-            </a:r>
-          </a:p>
-          <a:p>
-            <a:pPr lvl="1"/>
-            <a:r>
-              <a:rPr lang="en-US" dirty="0" smtClean="0"/>
-              <a:t>The amount of resources consumers use can be monitored and metered.</a:t>
-            </a:r>
-          </a:p>
-        </p:txBody>
-      </p:sp>
+              <a:t>access to collaborators</a:t>
+            </a:r>
+            <a:r>
+              <a:rPr lang="en-US" b="1" dirty="0" smtClean="0"/>
+              <a:t> </a:t>
+            </a:r>
+            <a:r>
+              <a:rPr lang="en-US" dirty="0" smtClean="0"/>
+              <a:t>to the same resources.</a:t>
+            </a:r>
+          </a:p>
+          <a:p>
+            <a:pPr lvl="0"/>
+            <a:r>
+              <a:rPr lang="en-US" dirty="0" smtClean="0"/>
+              <a:t>Save time synchronizing the collaboration.</a:t>
+            </a:r>
+          </a:p>
+          <a:p>
+            <a:pPr lvl="0"/>
+            <a:r>
+              <a:rPr lang="en-US" dirty="0" smtClean="0"/>
+              <a:t>There are other advantages and also drawbacks, but first let’s define cloud computing in  a bit more detail…</a:t>
+            </a:r>
+            <a:endParaRPr lang="en-US" dirty="0"/>
+          </a:p>
+        </p:txBody>
+      </p:sp>
+      <p:pic>
+        <p:nvPicPr>
+          <p:cNvPr id="5" name="Picture 4" descr="CloudServices3.png"/>
+          <p:cNvPicPr>
+            <a:picLocks noChangeAspect="1"/>
+          </p:cNvPicPr>
+          <p:nvPr/>
+        </p:nvPicPr>
+        <p:blipFill>
+          <a:blip r:embed="rId2">
+            <a:extLst>
+              <a:ext uri="{28A0092B-C50C-407E-A947-70E740481C1C}">
+                <a14:useLocalDpi xmlns:a14="http://schemas.microsoft.com/office/drawing/2010/main" val="0"/>
+              </a:ext>
+            </a:extLst>
+          </a:blip>
+          <a:stretch>
+            <a:fillRect/>
+          </a:stretch>
+        </p:blipFill>
+        <p:spPr>
+          <a:xfrm>
+            <a:off x="4495800" y="1735714"/>
+            <a:ext cx="4103300" cy="1970389"/>
+          </a:xfrm>
+          <a:prstGeom prst="rect">
+            <a:avLst/>
+          </a:prstGeom>
+        </p:spPr>
+      </p:pic>
     </p:spTree>
     <p:extLst>
       <p:ext uri="{BB962C8B-B14F-4D97-AF65-F5344CB8AC3E}">
-        <p14:creationId xmlns:p14="http://schemas.microsoft.com/office/powerpoint/2010/main" val="3941486043"/>
+        <p14:creationId xmlns:p14="http://schemas.microsoft.com/office/powerpoint/2010/main" val="2407401319"/>
       </p:ext>
     </p:extLst>
   </p:cSld>
   <p:clrMapOvr>
     <a:masterClrMapping/>
   </p:clrMapOvr>
+  <p:timing>
+    <p:tnLst>
+      <p:par>
+        <p:cTn xmlns:p14="http://schemas.microsoft.com/office/powerpoint/2010/main" id="1" dur="indefinite" restart="never" nodeType="tmRoot"/>
+      </p:par>
+    </p:tnLst>
+  </p:timing>
 </p:sld>
 </file>
 
@@ -4318,7 +6707,7 @@
       </p:sp>
       <p:sp>
         <p:nvSpPr>
-          <p:cNvPr id="3" name="Content Placeholder 2"/>
+          <p:cNvPr id="5" name="Content Placeholder 4"/>
           <p:cNvSpPr>
             <a:spLocks noGrp="1"/>
           </p:cNvSpPr>
@@ -4329,76 +6718,77 @@
         <p:spPr/>
         <p:txBody>
           <a:bodyPr>
-            <a:normAutofit/>
+            <a:normAutofit lnSpcReduction="10000"/>
           </a:bodyPr>
           <a:lstStyle/>
           <a:p>
-            <a:pPr marL="0" lvl="0" indent="0">
+            <a:pPr marL="0" indent="0">
               <a:buNone/>
             </a:pPr>
             <a:r>
-              <a:rPr lang="en-US" dirty="0"/>
-              <a:t>C</a:t>
-            </a:r>
-            <a:r>
-              <a:rPr lang="en-US" dirty="0" smtClean="0"/>
-              <a:t>loud computing enables IT infrastructure to be</a:t>
-            </a:r>
-          </a:p>
-          <a:p>
-            <a:r>
-              <a:rPr lang="en-US" dirty="0"/>
-              <a:t>M</a:t>
-            </a:r>
-            <a:r>
-              <a:rPr lang="en-US" dirty="0" smtClean="0"/>
-              <a:t>ore flexible:</a:t>
-            </a:r>
-          </a:p>
-          <a:p>
-            <a:pPr lvl="1"/>
-            <a:r>
-              <a:rPr lang="en-US" dirty="0" smtClean="0"/>
-              <a:t>Re-provision resources according to your needs. </a:t>
-            </a:r>
-          </a:p>
-          <a:p>
-            <a:r>
-              <a:rPr lang="en-US" dirty="0"/>
-              <a:t>E</a:t>
-            </a:r>
-            <a:r>
-              <a:rPr lang="en-US" dirty="0" smtClean="0"/>
-              <a:t>asier to use:</a:t>
-            </a:r>
-          </a:p>
-          <a:p>
-            <a:pPr lvl="1"/>
-            <a:r>
-              <a:rPr lang="en-US" dirty="0" smtClean="0"/>
-              <a:t>Provision resources quickly and easily, lower maintenance requirements than local infrastructure.</a:t>
-            </a:r>
-          </a:p>
-          <a:p>
-            <a:r>
-              <a:rPr lang="en-US" dirty="0" smtClean="0"/>
-              <a:t>Cheaper:</a:t>
-            </a:r>
-          </a:p>
-          <a:p>
-            <a:pPr lvl="1"/>
-            <a:r>
-              <a:rPr lang="en-US" dirty="0" smtClean="0"/>
-              <a:t>Save significant expenditures for local infrastructure.</a:t>
-            </a:r>
+              <a:rPr lang="en-US" dirty="0" smtClean="0"/>
+              <a:t>The </a:t>
+            </a:r>
+            <a:r>
+              <a:rPr lang="en-US" i="1" dirty="0" smtClean="0"/>
+              <a:t>National Institute for Standards and Technology (NIST) </a:t>
+            </a:r>
+            <a:r>
+              <a:rPr lang="en-US" dirty="0" smtClean="0"/>
+              <a:t>defines cloud computing as:</a:t>
+            </a:r>
+          </a:p>
+          <a:p>
+            <a:pPr marL="0" indent="0">
+              <a:buNone/>
+            </a:pPr>
             <a:endParaRPr lang="en-US" dirty="0"/>
+          </a:p>
+          <a:p>
+            <a:pPr marL="0" indent="0">
+              <a:buNone/>
+            </a:pPr>
+            <a:r>
+              <a:rPr lang="en-US" dirty="0" smtClean="0"/>
+              <a:t>“A model for enabling ubiquitous, convenient</a:t>
+            </a:r>
+            <a:r>
+              <a:rPr lang="en-US" b="1" dirty="0" smtClean="0"/>
+              <a:t>, </a:t>
+            </a:r>
+            <a:r>
+              <a:rPr lang="en-US" b="1" dirty="0" smtClean="0">
+                <a:sym typeface="Helvetica"/>
+              </a:rPr>
+              <a:t>on-demand network access to a shared pool of configurable computing resources</a:t>
+            </a:r>
+            <a:r>
+              <a:rPr lang="en-US" dirty="0" smtClean="0"/>
+              <a:t> (e.g., networks, servers, storage, applications and services) that can be </a:t>
+            </a:r>
+            <a:r>
+              <a:rPr lang="en-US" b="1" dirty="0" smtClean="0">
+                <a:sym typeface="Helvetica"/>
+              </a:rPr>
+              <a:t>rapidly provisioned</a:t>
+            </a:r>
+            <a:r>
+              <a:rPr lang="en-US" dirty="0" smtClean="0">
+                <a:sym typeface="Helvetica"/>
+              </a:rPr>
+              <a:t> and released </a:t>
+            </a:r>
+            <a:r>
+              <a:rPr lang="en-US" dirty="0" smtClean="0"/>
+              <a:t>with minimal management effort or service provider interaction”</a:t>
+            </a:r>
           </a:p>
         </p:txBody>
       </p:sp>
     </p:spTree>
     <p:extLst>
       <p:ext uri="{BB962C8B-B14F-4D97-AF65-F5344CB8AC3E}">
-        <p14:creationId xmlns:p14="http://schemas.microsoft.com/office/powerpoint/2010/main" val="279809289"/>
+        <p14:creationId xmlns:p14="http://schemas.microsoft.com/office/powerpoint/2010/main" val="3584086963"/>
       </p:ext>
     </p:extLst>
   </p:cSld>
@@ -4442,7 +6832,7 @@
           <a:p>
             <a:r>
               <a:rPr lang="en-US" smtClean="0"/>
-              <a:t>Common Cloud Services</a:t>
+              <a:t>Cloud Computing</a:t>
             </a:r>
             <a:endParaRPr lang="en-US" dirty="0"/>
           </a:p>
@@ -4461,100 +6851,99 @@
         <p:spPr/>
         <p:txBody>
           <a:bodyPr>
-            <a:normAutofit fontScale="70000" lnSpcReduction="20000"/>
+            <a:normAutofit fontScale="85000" lnSpcReduction="20000"/>
           </a:bodyPr>
           <a:lstStyle/>
           <a:p>
-            <a:pPr lvl="0"/>
-            <a:r>
-              <a:rPr lang="en-US" dirty="0" smtClean="0"/>
-              <a:t>Compute</a:t>
+            <a:pPr marL="0" indent="0">
+              <a:buNone/>
+            </a:pPr>
+            <a:r>
+              <a:rPr lang="en-US" dirty="0" smtClean="0"/>
+              <a:t>Five characteristics of cloud computing (according to NIST):</a:t>
+            </a:r>
+          </a:p>
+          <a:p>
+            <a:r>
+              <a:rPr lang="en-US" dirty="0" smtClean="0">
+                <a:sym typeface="Helvetica"/>
+              </a:rPr>
+              <a:t>On-demand self-service</a:t>
             </a:r>
           </a:p>
           <a:p>
             <a:pPr lvl="1"/>
             <a:r>
               <a:rPr lang="en-US" dirty="0" smtClean="0"/>
-              <a:t>Computing resources for your research in form of virtual machines</a:t>
-            </a:r>
-          </a:p>
-          <a:p>
-            <a:pPr lvl="0"/>
-            <a:r>
-              <a:rPr lang="en-US" dirty="0" smtClean="0"/>
-              <a:t>Storage</a:t>
+              <a:t>consumers can provision resources (e.g. computing power and storage)</a:t>
+            </a:r>
+          </a:p>
+          <a:p>
+            <a:r>
+              <a:rPr lang="en-US" dirty="0" smtClean="0">
+                <a:sym typeface="Helvetica"/>
+              </a:rPr>
+              <a:t>Broad network access</a:t>
             </a:r>
           </a:p>
           <a:p>
             <a:pPr lvl="1"/>
             <a:r>
               <a:rPr lang="en-US" dirty="0" smtClean="0"/>
-              <a:t>Storage made up of distributed resources, but acting as one</a:t>
-            </a:r>
-          </a:p>
-          <a:p>
-            <a:pPr lvl="0"/>
-            <a:r>
-              <a:rPr lang="en-US" dirty="0" smtClean="0"/>
-              <a:t>Networking</a:t>
+              <a:t>Access of compute and storage services via a variety of devices</a:t>
+            </a:r>
+          </a:p>
+          <a:p>
+            <a:r>
+              <a:rPr lang="en-US" dirty="0" smtClean="0">
+                <a:sym typeface="Helvetica"/>
+              </a:rPr>
+              <a:t>Resource pooling</a:t>
             </a:r>
           </a:p>
           <a:p>
             <a:pPr lvl="1"/>
             <a:r>
               <a:rPr lang="en-US" dirty="0" smtClean="0"/>
-              <a:t>Virtual Local Area Networks (VLAN)</a:t>
-            </a:r>
-          </a:p>
-          <a:p>
-            <a:pPr lvl="0"/>
-            <a:r>
-              <a:rPr lang="en-US" dirty="0" smtClean="0"/>
-              <a:t>Databases</a:t>
+              <a:t>Consumers can choose the data center, but not the specific hardware device.</a:t>
+            </a:r>
+          </a:p>
+          <a:p>
+            <a:r>
+              <a:rPr lang="en-US" dirty="0" smtClean="0">
+                <a:sym typeface="Helvetica"/>
+              </a:rPr>
+              <a:t>Rapid elasticity</a:t>
             </a:r>
           </a:p>
           <a:p>
             <a:pPr lvl="1"/>
             <a:r>
               <a:rPr lang="en-US" dirty="0" smtClean="0"/>
-              <a:t>Relational and non-relational database engines</a:t>
-            </a:r>
-          </a:p>
-          <a:p>
-            <a:pPr lvl="0"/>
-            <a:r>
-              <a:rPr lang="en-US" dirty="0" smtClean="0"/>
-              <a:t>Various software services</a:t>
+              <a:t>Resources are scalable (“elastic”). </a:t>
+            </a:r>
+          </a:p>
+          <a:p>
+            <a:r>
+              <a:rPr lang="en-US" dirty="0" smtClean="0">
+                <a:sym typeface="Helvetica"/>
+              </a:rPr>
+              <a:t>Measured service</a:t>
             </a:r>
           </a:p>
           <a:p>
             <a:pPr lvl="1"/>
             <a:r>
               <a:rPr lang="en-US" dirty="0" smtClean="0"/>
-              <a:t>Software provided to you as a “cloud service”. </a:t>
-            </a:r>
-          </a:p>
-          <a:p>
-            <a:pPr lvl="0"/>
-            <a:r>
-              <a:rPr lang="en-US" dirty="0" smtClean="0"/>
-              <a:t>Development &amp; Deployment platforms</a:t>
-            </a:r>
-          </a:p>
-          <a:p>
-            <a:pPr lvl="1"/>
-            <a:r>
-              <a:rPr lang="en-US" dirty="0" smtClean="0"/>
-              <a:t>Platforms for integrated developing and deploying applications directly to customers</a:t>
-            </a:r>
-            <a:endParaRPr lang="en-US" dirty="0"/>
+              <a:t>The amount of resources consumers use can be monitored and metered.</a:t>
+            </a:r>
           </a:p>
         </p:txBody>
       </p:sp>
     </p:spTree>
     <p:extLst>
       <p:ext uri="{BB962C8B-B14F-4D97-AF65-F5344CB8AC3E}">
-        <p14:creationId xmlns:p14="http://schemas.microsoft.com/office/powerpoint/2010/main" val="680396942"/>
+        <p14:creationId xmlns:p14="http://schemas.microsoft.com/office/powerpoint/2010/main" val="3941486043"/>
       </p:ext>
     </p:extLst>
   </p:cSld>
@@ -4598,7 +6987,7 @@
           <a:p>
             <a:r>
               <a:rPr lang="en-US" smtClean="0"/>
-              <a:t>Examples of Cloud Services</a:t>
+              <a:t>Cloud Computing</a:t>
             </a:r>
             <a:endParaRPr lang="en-US" dirty="0"/>
           </a:p>
@@ -4616,59 +7005,68 @@
         </p:nvSpPr>
         <p:spPr/>
         <p:txBody>
-          <a:bodyPr/>
+          <a:bodyPr>
+            <a:normAutofit/>
+          </a:bodyPr>
           <a:lstStyle/>
           <a:p>
-            <a:pPr lvl="0"/>
-            <a:r>
-              <a:rPr lang="en-US" dirty="0" smtClean="0"/>
-              <a:t>Google services (Google Drive, Google Docs, Google Sheets etc.)</a:t>
-            </a:r>
-          </a:p>
-          <a:p>
-            <a:pPr lvl="0"/>
-            <a:r>
-              <a:rPr lang="en-US" dirty="0" smtClean="0"/>
-              <a:t>Apple </a:t>
-            </a:r>
-            <a:r>
-              <a:rPr lang="en-US" dirty="0" err="1" smtClean="0"/>
-              <a:t>iCloud</a:t>
-            </a:r>
-            <a:endParaRPr lang="en-US" dirty="0" smtClean="0"/>
-          </a:p>
-          <a:p>
-            <a:pPr lvl="0"/>
-            <a:r>
-              <a:rPr lang="en-US" dirty="0" smtClean="0"/>
-              <a:t>Amazon Cloud Drive</a:t>
-            </a:r>
-          </a:p>
-          <a:p>
-            <a:pPr lvl="0"/>
-            <a:r>
-              <a:rPr lang="en-US" dirty="0" err="1" smtClean="0"/>
-              <a:t>Dropbox</a:t>
-            </a:r>
-            <a:endParaRPr lang="en-US" dirty="0" smtClean="0"/>
-          </a:p>
-          <a:p>
-            <a:pPr lvl="0"/>
-            <a:r>
-              <a:rPr lang="en-US" dirty="0" smtClean="0"/>
-              <a:t>Facebook, </a:t>
-            </a:r>
-            <a:r>
-              <a:rPr lang="en-US" dirty="0" err="1" smtClean="0"/>
-              <a:t>Instagram</a:t>
-            </a:r>
-            <a:endParaRPr lang="en-US" dirty="0" smtClean="0"/>
-          </a:p>
-          <a:p>
-            <a:pPr lvl="0"/>
-            <a:r>
-              <a:rPr lang="en-US" dirty="0" err="1" smtClean="0"/>
-              <a:t>Chromebook</a:t>
+            <a:pPr marL="0" indent="0">
+              <a:buNone/>
+            </a:pPr>
+            <a:r>
+              <a:rPr lang="en-US" dirty="0"/>
+              <a:t>C</a:t>
+            </a:r>
+            <a:r>
+              <a:rPr lang="en-US" dirty="0" smtClean="0"/>
+              <a:t>loud computing enables IT infrastructure to be</a:t>
+            </a:r>
+          </a:p>
+          <a:p>
+            <a:r>
+              <a:rPr lang="en-US" dirty="0"/>
+              <a:t>M</a:t>
+            </a:r>
+            <a:r>
+              <a:rPr lang="en-US" dirty="0" smtClean="0"/>
+              <a:t>ore flexible:</a:t>
+            </a:r>
+          </a:p>
+          <a:p>
+            <a:pPr lvl="1"/>
+            <a:r>
+              <a:rPr lang="en-US" dirty="0" smtClean="0"/>
+              <a:t>Re-provision resources according to your needs. </a:t>
+            </a:r>
+          </a:p>
+          <a:p>
+            <a:r>
+              <a:rPr lang="en-US" dirty="0"/>
+              <a:t>E</a:t>
+            </a:r>
+            <a:r>
+              <a:rPr lang="en-US" dirty="0" smtClean="0"/>
+              <a:t>asier to use:</a:t>
+            </a:r>
+          </a:p>
+          <a:p>
+            <a:pPr lvl="1"/>
+            <a:r>
+              <a:rPr lang="en-US" dirty="0" smtClean="0"/>
+              <a:t>Provision resources quickly and easily, lower maintenance requirements than local infrastructure.</a:t>
+            </a:r>
+          </a:p>
+          <a:p>
+            <a:r>
+              <a:rPr lang="en-US" dirty="0" smtClean="0"/>
+              <a:t>Cheaper:</a:t>
+            </a:r>
+          </a:p>
+          <a:p>
+            <a:pPr lvl="1"/>
+            <a:r>
+              <a:rPr lang="en-US" dirty="0" smtClean="0"/>
+              <a:t>Save significant expenditures for local infrastructure.</a:t>
             </a:r>
             <a:endParaRPr lang="en-US" dirty="0"/>
           </a:p>
@@ -4677,7 +7075,7 @@
     </p:spTree>
     <p:extLst>
       <p:ext uri="{BB962C8B-B14F-4D97-AF65-F5344CB8AC3E}">
-        <p14:creationId xmlns:p14="http://schemas.microsoft.com/office/powerpoint/2010/main" val="659470109"/>
+        <p14:creationId xmlns:p14="http://schemas.microsoft.com/office/powerpoint/2010/main" val="279809289"/>
       </p:ext>
     </p:extLst>
   </p:cSld>
@@ -4721,7 +7119,7 @@
           <a:p>
             <a:r>
               <a:rPr lang="en-US" smtClean="0"/>
-              <a:t>Types of Cloud Services</a:t>
+              <a:t>Common Cloud Services</a:t>
             </a:r>
             <a:endParaRPr lang="en-US" dirty="0"/>
           </a:p>
@@ -4740,119 +7138,100 @@
         <p:spPr/>
         <p:txBody>
           <a:bodyPr>
-            <a:normAutofit fontScale="85000" lnSpcReduction="20000"/>
+            <a:normAutofit fontScale="70000" lnSpcReduction="20000"/>
           </a:bodyPr>
           <a:lstStyle/>
           <a:p>
             <a:pPr lvl="0"/>
             <a:r>
-              <a:rPr lang="en-US" i="1" dirty="0" smtClean="0">
-                <a:sym typeface="Helvetica"/>
-              </a:rPr>
-              <a:t>Software-as-a-Service (SaaS)</a:t>
+              <a:rPr lang="en-US" dirty="0" smtClean="0"/>
+              <a:t>Compute</a:t>
             </a:r>
           </a:p>
           <a:p>
             <a:pPr lvl="1"/>
             <a:r>
               <a:rPr lang="en-US" dirty="0" smtClean="0"/>
-              <a:t>The customer (the user or business) subscribes to an application which they then access over the Internet. </a:t>
+              <a:t>Computing resources for your research in form of virtual machines</a:t>
+            </a:r>
+          </a:p>
+          <a:p>
+            <a:pPr lvl="0"/>
+            <a:r>
+              <a:rPr lang="en-US" dirty="0" smtClean="0"/>
+              <a:t>Storage</a:t>
             </a:r>
           </a:p>
           <a:p>
             <a:pPr lvl="1"/>
             <a:r>
               <a:rPr lang="en-US" dirty="0" smtClean="0"/>
-              <a:t>Examples: </a:t>
-            </a:r>
-            <a:r>
-              <a:rPr lang="en-US" dirty="0" err="1" smtClean="0"/>
-              <a:t>Dropbox</a:t>
-            </a:r>
-            <a:r>
-              <a:rPr lang="en-US" dirty="0" smtClean="0"/>
-              <a:t>, Google Applications</a:t>
+              <a:t>Storage made up of distributed resources, but acting as one</a:t>
             </a:r>
           </a:p>
           <a:p>
             <a:pPr lvl="0"/>
             <a:r>
-              <a:rPr lang="en-US" i="1" dirty="0" smtClean="0">
-                <a:sym typeface="Helvetica"/>
-              </a:rPr>
-              <a:t>Platform-as-a-Service (</a:t>
-            </a:r>
-            <a:r>
-              <a:rPr lang="en-US" i="1" dirty="0" err="1" smtClean="0">
-                <a:sym typeface="Helvetica"/>
-              </a:rPr>
-              <a:t>PaaS</a:t>
-            </a:r>
-            <a:r>
-              <a:rPr lang="en-US" i="1" dirty="0" smtClean="0">
-                <a:sym typeface="Helvetica"/>
-              </a:rPr>
-              <a:t>)</a:t>
+              <a:rPr lang="en-US" dirty="0" smtClean="0"/>
+              <a:t>Networking</a:t>
             </a:r>
           </a:p>
           <a:p>
             <a:pPr lvl="1"/>
             <a:r>
               <a:rPr lang="en-US" dirty="0" smtClean="0"/>
-              <a:t>The customer can create its own custom applications and directly deploy them. </a:t>
+              <a:t>Virtual Local Area Networks (VLAN)</a:t>
+            </a:r>
+          </a:p>
+          <a:p>
+            <a:pPr lvl="0"/>
+            <a:r>
+              <a:rPr lang="en-US" dirty="0" smtClean="0"/>
+              <a:t>Databases</a:t>
             </a:r>
           </a:p>
           <a:p>
             <a:pPr lvl="1"/>
             <a:r>
               <a:rPr lang="en-US" dirty="0" smtClean="0"/>
-              <a:t>Examples: Windows Azure, Google App Engine</a:t>
+              <a:t>Relational and non-relational database engines</a:t>
             </a:r>
           </a:p>
           <a:p>
             <a:pPr lvl="0"/>
             <a:r>
-              <a:rPr lang="en-US" i="1" dirty="0" smtClean="0">
-                <a:sym typeface="Helvetica"/>
-              </a:rPr>
-              <a:t>Infrastructure-as-a-Service (IaaS)</a:t>
+              <a:rPr lang="en-US" dirty="0" smtClean="0"/>
+              <a:t>Various software services</a:t>
             </a:r>
           </a:p>
           <a:p>
             <a:pPr lvl="1"/>
             <a:r>
               <a:rPr lang="en-US" dirty="0" smtClean="0"/>
-              <a:t>Computing resources (computers, storage, networking…) are provided to the consumer.</a:t>
+              <a:t>Software provided to you as a “cloud service”. </a:t>
+            </a:r>
+          </a:p>
+          <a:p>
+            <a:pPr lvl="0"/>
+            <a:r>
+              <a:rPr lang="en-US" dirty="0" smtClean="0"/>
+              <a:t>Development &amp; Deployment platforms</a:t>
             </a:r>
           </a:p>
           <a:p>
             <a:pPr lvl="1"/>
             <a:r>
               <a:rPr lang="en-US" dirty="0" smtClean="0"/>
-              <a:t>Examples: Amazon Web Services, Google Compute Engine and the </a:t>
-            </a:r>
-            <a:r>
-              <a:rPr lang="en-US" b="1" dirty="0" smtClean="0">
-                <a:sym typeface="Helvetica"/>
-              </a:rPr>
-              <a:t>NeCTAR </a:t>
-            </a:r>
-            <a:r>
-              <a:rPr lang="en-US" b="1" dirty="0" smtClean="0">
-                <a:sym typeface="Helvetica"/>
-              </a:rPr>
-              <a:t>Research Cloud</a:t>
-            </a:r>
-            <a:endParaRPr lang="en-US" b="1" dirty="0">
-              <a:sym typeface="Helvetica"/>
-            </a:endParaRPr>
+              <a:t>Platforms for integrated developing and deploying applications directly to customers</a:t>
+            </a:r>
+            <a:endParaRPr lang="en-US" dirty="0"/>
           </a:p>
         </p:txBody>
       </p:sp>
     </p:spTree>
     <p:extLst>
       <p:ext uri="{BB962C8B-B14F-4D97-AF65-F5344CB8AC3E}">
-        <p14:creationId xmlns:p14="http://schemas.microsoft.com/office/powerpoint/2010/main" val="1849870221"/>
+        <p14:creationId xmlns:p14="http://schemas.microsoft.com/office/powerpoint/2010/main" val="680396942"/>
       </p:ext>
     </p:extLst>
   </p:cSld>
@@ -4881,7 +7260,7 @@
       </p:grpSpPr>
       <p:sp>
         <p:nvSpPr>
-          <p:cNvPr id="5" name="Title 4"/>
+          <p:cNvPr id="2" name="Title 1"/>
           <p:cNvSpPr>
             <a:spLocks noGrp="1"/>
           </p:cNvSpPr>
@@ -4895,8 +7274,8 @@
           <a:lstStyle/>
           <a:p>
             <a:r>
-              <a:rPr lang="en-US" dirty="0" smtClean="0"/>
-              <a:t>Types of Cloud Services</a:t>
+              <a:rPr lang="en-US" smtClean="0"/>
+              <a:t>Examples of Cloud Services</a:t>
             </a:r>
             <a:endParaRPr lang="en-US" dirty="0"/>
           </a:p>
@@ -4912,76 +7291,70 @@
             <p:ph idx="1"/>
           </p:nvPr>
         </p:nvSpPr>
-        <p:spPr>
-          <a:xfrm>
-            <a:off x="457200" y="1200151"/>
-            <a:ext cx="8229600" cy="1353407"/>
-          </a:xfrm>
-        </p:spPr>
-        <p:txBody>
-          <a:bodyPr>
-            <a:normAutofit fontScale="85000" lnSpcReduction="10000"/>
-          </a:bodyPr>
+        <p:spPr/>
+        <p:txBody>
+          <a:bodyPr/>
           <a:lstStyle/>
           <a:p>
             <a:pPr lvl="0"/>
             <a:r>
               <a:rPr lang="en-US" dirty="0" smtClean="0"/>
-              <a:t>Researchers will probably find IaaS services most useful, while SaaS tools are broadly useful for individual work and collaboration.</a:t>
+              <a:t>Google services (Google Drive, Google Docs, Google Sheets etc.)</a:t>
             </a:r>
           </a:p>
           <a:p>
             <a:pPr lvl="0"/>
             <a:r>
               <a:rPr lang="en-US" dirty="0" smtClean="0"/>
-              <a:t>The 3 service types can be characterized with two properties: </a:t>
+              <a:t>Apple </a:t>
             </a:r>
             <a:r>
               <a:rPr lang="en-US" dirty="0" err="1" smtClean="0"/>
-              <a:t>Constrainedness</a:t>
-            </a:r>
-            <a:r>
-              <a:rPr lang="en-US" dirty="0" smtClean="0"/>
-              <a:t> and Automation.</a:t>
+              <a:t>iCloud</a:t>
+            </a:r>
+            <a:endParaRPr lang="en-US" dirty="0" smtClean="0"/>
+          </a:p>
+          <a:p>
+            <a:pPr lvl="0"/>
+            <a:r>
+              <a:rPr lang="en-US" dirty="0" smtClean="0"/>
+              <a:t>Amazon Cloud Drive</a:t>
+            </a:r>
+          </a:p>
+          <a:p>
+            <a:pPr lvl="0"/>
+            <a:r>
+              <a:rPr lang="en-US" dirty="0" err="1" smtClean="0"/>
+              <a:t>Dropbox</a:t>
+            </a:r>
+            <a:endParaRPr lang="en-US" dirty="0" smtClean="0"/>
+          </a:p>
+          <a:p>
+            <a:pPr lvl="0"/>
+            <a:r>
+              <a:rPr lang="en-US" dirty="0" smtClean="0"/>
+              <a:t>Facebook, </a:t>
+            </a:r>
+            <a:r>
+              <a:rPr lang="en-US" dirty="0" err="1" smtClean="0"/>
+              <a:t>Instagram</a:t>
+            </a:r>
+            <a:endParaRPr lang="en-US" dirty="0" smtClean="0"/>
+          </a:p>
+          <a:p>
+            <a:pPr lvl="0"/>
+            <a:r>
+              <a:rPr lang="en-US" dirty="0" err="1" smtClean="0"/>
+              <a:t>Chromebook</a:t>
             </a:r>
             <a:endParaRPr lang="en-US" dirty="0"/>
           </a:p>
         </p:txBody>
       </p:sp>
-      <p:pic>
-        <p:nvPicPr>
-          <p:cNvPr id="6" name="Picture 5" descr="serviceTypesConstrainedness.png"/>
-          <p:cNvPicPr>
-            <a:picLocks noChangeAspect="1"/>
-          </p:cNvPicPr>
-          <p:nvPr/>
-        </p:nvPicPr>
-        <p:blipFill>
-          <a:blip r:embed="rId2">
-            <a:extLst>
-              <a:ext uri="{28A0092B-C50C-407E-A947-70E740481C1C}">
-                <a14:useLocalDpi xmlns:a14="http://schemas.microsoft.com/office/drawing/2010/main" val="0"/>
-              </a:ext>
-            </a:extLst>
-          </a:blip>
-          <a:stretch>
-            <a:fillRect/>
-          </a:stretch>
-        </p:blipFill>
-        <p:spPr>
-          <a:xfrm>
-            <a:off x="2366470" y="2703170"/>
-            <a:ext cx="4266073" cy="1916975"/>
-          </a:xfrm>
-          <a:prstGeom prst="rect">
-            <a:avLst/>
-          </a:prstGeom>
-        </p:spPr>
-      </p:pic>
     </p:spTree>
     <p:extLst>
       <p:ext uri="{BB962C8B-B14F-4D97-AF65-F5344CB8AC3E}">
-        <p14:creationId xmlns:p14="http://schemas.microsoft.com/office/powerpoint/2010/main" val="3282019307"/>
+        <p14:creationId xmlns:p14="http://schemas.microsoft.com/office/powerpoint/2010/main" val="659470109"/>
       </p:ext>
     </p:extLst>
   </p:cSld>
@@ -5024,8 +7397,8 @@
           <a:lstStyle/>
           <a:p>
             <a:r>
-              <a:rPr lang="en-US" dirty="0" smtClean="0"/>
-              <a:t>Virtualization</a:t>
+              <a:rPr lang="en-US" smtClean="0"/>
+              <a:t>Types of Cloud Services</a:t>
             </a:r>
             <a:endParaRPr lang="en-US" dirty="0"/>
           </a:p>
@@ -5038,13 +7411,182 @@
             <a:spLocks noGrp="1"/>
           </p:cNvSpPr>
           <p:nvPr>
-            <p:ph sz="half" idx="1"/>
+            <p:ph idx="1"/>
+          </p:nvPr>
+        </p:nvSpPr>
+        <p:spPr/>
+        <p:txBody>
+          <a:bodyPr>
+            <a:normAutofit fontScale="85000" lnSpcReduction="20000"/>
+          </a:bodyPr>
+          <a:lstStyle/>
+          <a:p>
+            <a:pPr lvl="0"/>
+            <a:r>
+              <a:rPr lang="en-US" i="1" dirty="0" smtClean="0">
+                <a:sym typeface="Helvetica"/>
+              </a:rPr>
+              <a:t>Software-as-a-Service (SaaS)</a:t>
+            </a:r>
+          </a:p>
+          <a:p>
+            <a:pPr lvl="1"/>
+            <a:r>
+              <a:rPr lang="en-US" dirty="0" smtClean="0"/>
+              <a:t>The customer (the user or business) subscribes to an application which they then access over the Internet. </a:t>
+            </a:r>
+          </a:p>
+          <a:p>
+            <a:pPr lvl="1"/>
+            <a:r>
+              <a:rPr lang="en-US" dirty="0" smtClean="0"/>
+              <a:t>Examples: </a:t>
+            </a:r>
+            <a:r>
+              <a:rPr lang="en-US" dirty="0" err="1" smtClean="0"/>
+              <a:t>Dropbox</a:t>
+            </a:r>
+            <a:r>
+              <a:rPr lang="en-US" dirty="0" smtClean="0"/>
+              <a:t>, Google Applications</a:t>
+            </a:r>
+          </a:p>
+          <a:p>
+            <a:pPr lvl="0"/>
+            <a:r>
+              <a:rPr lang="en-US" i="1" dirty="0" smtClean="0">
+                <a:sym typeface="Helvetica"/>
+              </a:rPr>
+              <a:t>Platform-as-a-Service (</a:t>
+            </a:r>
+            <a:r>
+              <a:rPr lang="en-US" i="1" dirty="0" err="1" smtClean="0">
+                <a:sym typeface="Helvetica"/>
+              </a:rPr>
+              <a:t>PaaS</a:t>
+            </a:r>
+            <a:r>
+              <a:rPr lang="en-US" i="1" dirty="0" smtClean="0">
+                <a:sym typeface="Helvetica"/>
+              </a:rPr>
+              <a:t>)</a:t>
+            </a:r>
+          </a:p>
+          <a:p>
+            <a:pPr lvl="1"/>
+            <a:r>
+              <a:rPr lang="en-US" dirty="0" smtClean="0"/>
+              <a:t>The customer can create its own custom applications and directly deploy them. </a:t>
+            </a:r>
+          </a:p>
+          <a:p>
+            <a:pPr lvl="1"/>
+            <a:r>
+              <a:rPr lang="en-US" dirty="0" smtClean="0"/>
+              <a:t>Examples: Windows Azure, Google App Engine</a:t>
+            </a:r>
+          </a:p>
+          <a:p>
+            <a:pPr lvl="0"/>
+            <a:r>
+              <a:rPr lang="en-US" i="1" dirty="0" smtClean="0">
+                <a:sym typeface="Helvetica"/>
+              </a:rPr>
+              <a:t>Infrastructure-as-a-Service (IaaS)</a:t>
+            </a:r>
+          </a:p>
+          <a:p>
+            <a:pPr lvl="1"/>
+            <a:r>
+              <a:rPr lang="en-US" dirty="0" smtClean="0"/>
+              <a:t>Computing resources (computers, storage, networking…) are provided to the consumer.</a:t>
+            </a:r>
+          </a:p>
+          <a:p>
+            <a:pPr lvl="1"/>
+            <a:r>
+              <a:rPr lang="en-US" dirty="0" smtClean="0"/>
+              <a:t>Examples: Amazon Web Services, Google Compute Engine and the </a:t>
+            </a:r>
+            <a:r>
+              <a:rPr lang="en-US" b="1" dirty="0" smtClean="0">
+                <a:sym typeface="Helvetica"/>
+              </a:rPr>
+              <a:t>NeCTAR Research Cloud</a:t>
+            </a:r>
+            <a:endParaRPr lang="en-US" b="1" dirty="0">
+              <a:sym typeface="Helvetica"/>
+            </a:endParaRPr>
+          </a:p>
+        </p:txBody>
+      </p:sp>
+    </p:spTree>
+    <p:extLst>
+      <p:ext uri="{BB962C8B-B14F-4D97-AF65-F5344CB8AC3E}">
+        <p14:creationId xmlns:p14="http://schemas.microsoft.com/office/powerpoint/2010/main" val="1849870221"/>
+      </p:ext>
+    </p:extLst>
+  </p:cSld>
+  <p:clrMapOvr>
+    <a:masterClrMapping/>
+  </p:clrMapOvr>
+</p:sld>
+</file>
+
+<file path=ppt/slides/slide26.xml><?xml version="1.0" encoding="utf-8"?>
+<p:sld xmlns:a="http://schemas.openxmlformats.org/drawingml/2006/main" xmlns:r="http://schemas.openxmlformats.org/officeDocument/2006/relationships" xmlns:p="http://schemas.openxmlformats.org/presentationml/2006/main">
+  <p:cSld>
+    <p:spTree>
+      <p:nvGrpSpPr>
+        <p:cNvPr id="1" name=""/>
+        <p:cNvGrpSpPr/>
+        <p:nvPr/>
+      </p:nvGrpSpPr>
+      <p:grpSpPr>
+        <a:xfrm>
+          <a:off x="0" y="0"/>
+          <a:ext cx="0" cy="0"/>
+          <a:chOff x="0" y="0"/>
+          <a:chExt cx="0" cy="0"/>
+        </a:xfrm>
+      </p:grpSpPr>
+      <p:sp>
+        <p:nvSpPr>
+          <p:cNvPr id="5" name="Title 4"/>
+          <p:cNvSpPr>
+            <a:spLocks noGrp="1"/>
+          </p:cNvSpPr>
+          <p:nvPr>
+            <p:ph type="title"/>
+          </p:nvPr>
+        </p:nvSpPr>
+        <p:spPr/>
+        <p:txBody>
+          <a:bodyPr/>
+          <a:lstStyle/>
+          <a:p>
+            <a:r>
+              <a:rPr lang="en-US" dirty="0" smtClean="0"/>
+              <a:t>Types of Cloud Services</a:t>
+            </a:r>
+            <a:endParaRPr lang="en-US" dirty="0"/>
+          </a:p>
+        </p:txBody>
+      </p:sp>
+      <p:sp>
+        <p:nvSpPr>
+          <p:cNvPr id="3" name="Content Placeholder 2"/>
+          <p:cNvSpPr>
+            <a:spLocks noGrp="1"/>
+          </p:cNvSpPr>
+          <p:nvPr>
+            <p:ph idx="1"/>
           </p:nvPr>
         </p:nvSpPr>
         <p:spPr>
           <a:xfrm>
-            <a:off x="498518" y="1489473"/>
-            <a:ext cx="3657600" cy="2259755"/>
+            <a:off x="457200" y="1200152"/>
+            <a:ext cx="8229600" cy="1353407"/>
           </a:xfrm>
         </p:spPr>
         <p:txBody>
@@ -5055,6 +7597,135 @@
           <a:p>
             <a:pPr lvl="0"/>
             <a:r>
+              <a:rPr lang="en-US" dirty="0" smtClean="0"/>
+              <a:t>Researchers will probably find IaaS services most useful, while SaaS tools are broadly useful for individual work and collaboration.</a:t>
+            </a:r>
+          </a:p>
+          <a:p>
+            <a:pPr lvl="0"/>
+            <a:r>
+              <a:rPr lang="en-US" dirty="0" smtClean="0"/>
+              <a:t>The 3 service types can be characterized with two properties: </a:t>
+            </a:r>
+            <a:r>
+              <a:rPr lang="en-US" dirty="0" err="1" smtClean="0"/>
+              <a:t>Constrainedness</a:t>
+            </a:r>
+            <a:r>
+              <a:rPr lang="en-US" dirty="0" smtClean="0"/>
+              <a:t> and Automation.</a:t>
+            </a:r>
+            <a:endParaRPr lang="en-US" dirty="0"/>
+          </a:p>
+        </p:txBody>
+      </p:sp>
+      <p:pic>
+        <p:nvPicPr>
+          <p:cNvPr id="6" name="Picture 5" descr="serviceTypesConstrainedness.png"/>
+          <p:cNvPicPr>
+            <a:picLocks noChangeAspect="1"/>
+          </p:cNvPicPr>
+          <p:nvPr/>
+        </p:nvPicPr>
+        <p:blipFill>
+          <a:blip r:embed="rId2">
+            <a:extLst>
+              <a:ext uri="{28A0092B-C50C-407E-A947-70E740481C1C}">
+                <a14:useLocalDpi xmlns:a14="http://schemas.microsoft.com/office/drawing/2010/main" val="0"/>
+              </a:ext>
+            </a:extLst>
+          </a:blip>
+          <a:stretch>
+            <a:fillRect/>
+          </a:stretch>
+        </p:blipFill>
+        <p:spPr>
+          <a:xfrm>
+            <a:off x="2366471" y="2703171"/>
+            <a:ext cx="4266073" cy="1916975"/>
+          </a:xfrm>
+          <a:prstGeom prst="rect">
+            <a:avLst/>
+          </a:prstGeom>
+        </p:spPr>
+      </p:pic>
+    </p:spTree>
+    <p:extLst>
+      <p:ext uri="{BB962C8B-B14F-4D97-AF65-F5344CB8AC3E}">
+        <p14:creationId xmlns:p14="http://schemas.microsoft.com/office/powerpoint/2010/main" val="3282019307"/>
+      </p:ext>
+    </p:extLst>
+  </p:cSld>
+  <p:clrMapOvr>
+    <a:masterClrMapping/>
+  </p:clrMapOvr>
+</p:sld>
+</file>
+
+<file path=ppt/slides/slide27.xml><?xml version="1.0" encoding="utf-8"?>
+<p:sld xmlns:a="http://schemas.openxmlformats.org/drawingml/2006/main" xmlns:r="http://schemas.openxmlformats.org/officeDocument/2006/relationships" xmlns:p="http://schemas.openxmlformats.org/presentationml/2006/main">
+  <p:cSld>
+    <p:spTree>
+      <p:nvGrpSpPr>
+        <p:cNvPr id="1" name=""/>
+        <p:cNvGrpSpPr/>
+        <p:nvPr/>
+      </p:nvGrpSpPr>
+      <p:grpSpPr>
+        <a:xfrm>
+          <a:off x="0" y="0"/>
+          <a:ext cx="0" cy="0"/>
+          <a:chOff x="0" y="0"/>
+          <a:chExt cx="0" cy="0"/>
+        </a:xfrm>
+      </p:grpSpPr>
+      <p:sp>
+        <p:nvSpPr>
+          <p:cNvPr id="2" name="Title 1"/>
+          <p:cNvSpPr>
+            <a:spLocks noGrp="1"/>
+          </p:cNvSpPr>
+          <p:nvPr>
+            <p:ph type="title"/>
+          </p:nvPr>
+        </p:nvSpPr>
+        <p:spPr/>
+        <p:txBody>
+          <a:bodyPr/>
+          <a:lstStyle/>
+          <a:p>
+            <a:r>
+              <a:rPr lang="en-US" dirty="0" smtClean="0"/>
+              <a:t>Virtualization</a:t>
+            </a:r>
+            <a:endParaRPr lang="en-US" dirty="0"/>
+          </a:p>
+        </p:txBody>
+      </p:sp>
+      <p:sp>
+        <p:nvSpPr>
+          <p:cNvPr id="3" name="Content Placeholder 2"/>
+          <p:cNvSpPr>
+            <a:spLocks noGrp="1"/>
+          </p:cNvSpPr>
+          <p:nvPr>
+            <p:ph sz="half" idx="1"/>
+          </p:nvPr>
+        </p:nvSpPr>
+        <p:spPr>
+          <a:xfrm>
+            <a:off x="498518" y="1489474"/>
+            <a:ext cx="3657600" cy="2259755"/>
+          </a:xfrm>
+        </p:spPr>
+        <p:txBody>
+          <a:bodyPr>
+            <a:normAutofit fontScale="85000" lnSpcReduction="10000"/>
+          </a:bodyPr>
+          <a:lstStyle/>
+          <a:p>
+            <a:pPr lvl="0"/>
+            <a:r>
               <a:rPr lang="en-US" b="1" dirty="0" smtClean="0"/>
               <a:t>V</a:t>
             </a:r>
@@ -5079,13 +7750,8 @@
             <a:pPr lvl="0"/>
             <a:r>
               <a:rPr lang="en-US" dirty="0" smtClean="0"/>
-              <a:t>We can simulate a whole computer incl. the OS</a:t>
-            </a:r>
-            <a:r>
-              <a:rPr lang="en-US" dirty="0" smtClean="0"/>
-              <a:t>.</a:t>
-            </a:r>
-            <a:endParaRPr lang="en-US" dirty="0" smtClean="0"/>
+              <a:t>We can simulate a whole computer incl. the OS.</a:t>
+            </a:r>
           </a:p>
         </p:txBody>
       </p:sp>
@@ -5101,7 +7767,7 @@
         </p:nvSpPr>
         <p:spPr>
           <a:xfrm>
-            <a:off x="498474" y="3876644"/>
+            <a:off x="498474" y="3876645"/>
             <a:ext cx="7795658" cy="952623"/>
           </a:xfrm>
         </p:spPr>
@@ -5118,7 +7784,7 @@
             </a:r>
           </a:p>
           <a:p>
-            <a:pPr marL="114300" indent="0">
+            <a:pPr marL="114297" indent="0">
               <a:buNone/>
             </a:pPr>
             <a:endParaRPr lang="en-US" dirty="0"/>
@@ -5168,310 +7834,6 @@
 </p:sld>
 </file>
 
-<file path=ppt/slides/slide26.xml><?xml version="1.0" encoding="utf-8"?>
-<p:sld xmlns:a="http://schemas.openxmlformats.org/drawingml/2006/main" xmlns:r="http://schemas.openxmlformats.org/officeDocument/2006/relationships" xmlns:p="http://schemas.openxmlformats.org/presentationml/2006/main">
-  <p:cSld>
-    <p:spTree>
-      <p:nvGrpSpPr>
-        <p:cNvPr id="1" name=""/>
-        <p:cNvGrpSpPr/>
-        <p:nvPr/>
-      </p:nvGrpSpPr>
-      <p:grpSpPr>
-        <a:xfrm>
-          <a:off x="0" y="0"/>
-          <a:ext cx="0" cy="0"/>
-          <a:chOff x="0" y="0"/>
-          <a:chExt cx="0" cy="0"/>
-        </a:xfrm>
-      </p:grpSpPr>
-      <p:sp>
-        <p:nvSpPr>
-          <p:cNvPr id="2" name="Title 1"/>
-          <p:cNvSpPr>
-            <a:spLocks noGrp="1"/>
-          </p:cNvSpPr>
-          <p:nvPr>
-            <p:ph type="title"/>
-          </p:nvPr>
-        </p:nvSpPr>
-        <p:spPr/>
-        <p:txBody>
-          <a:bodyPr/>
-          <a:lstStyle/>
-          <a:p>
-            <a:r>
-              <a:rPr lang="en-US" dirty="0" smtClean="0"/>
-              <a:t>Virtual </a:t>
-            </a:r>
-            <a:r>
-              <a:rPr lang="en-US" i="1" dirty="0" smtClean="0"/>
-              <a:t>vs.</a:t>
-            </a:r>
-            <a:r>
-              <a:rPr lang="en-US" dirty="0" smtClean="0"/>
-              <a:t> </a:t>
-            </a:r>
-            <a:r>
-              <a:rPr lang="en-US" dirty="0" smtClean="0"/>
-              <a:t>Real Computer</a:t>
-            </a:r>
-            <a:endParaRPr lang="en-US" dirty="0"/>
-          </a:p>
-        </p:txBody>
-      </p:sp>
-      <p:sp>
-        <p:nvSpPr>
-          <p:cNvPr id="3" name="Content Placeholder 2"/>
-          <p:cNvSpPr>
-            <a:spLocks noGrp="1"/>
-          </p:cNvSpPr>
-          <p:nvPr>
-            <p:ph idx="1"/>
-          </p:nvPr>
-        </p:nvSpPr>
-        <p:spPr/>
-        <p:txBody>
-          <a:bodyPr>
-            <a:normAutofit/>
-          </a:bodyPr>
-          <a:lstStyle/>
-          <a:p>
-            <a:pPr lvl="0"/>
-            <a:r>
-              <a:rPr lang="en-US" dirty="0" smtClean="0"/>
-              <a:t>A “real machine” is a physical computer, whereas the “virtual machine” is a simulated computer running on another physical computer. </a:t>
-            </a:r>
-          </a:p>
-          <a:p>
-            <a:pPr lvl="0"/>
-            <a:r>
-              <a:rPr lang="en-US" dirty="0" smtClean="0"/>
-              <a:t>Differences and similarities:</a:t>
-            </a:r>
-          </a:p>
-          <a:p>
-            <a:pPr lvl="1"/>
-            <a:r>
-              <a:rPr lang="en-US" b="1" dirty="0" smtClean="0">
-                <a:sym typeface="Helvetica"/>
-              </a:rPr>
-              <a:t>Similarities</a:t>
-            </a:r>
-            <a:r>
-              <a:rPr lang="en-US" dirty="0" smtClean="0"/>
-              <a:t>: Both have an operating system, network access (a real IP address), and hard disk storage.</a:t>
-            </a:r>
-          </a:p>
-          <a:p>
-            <a:pPr lvl="1"/>
-            <a:r>
-              <a:rPr lang="en-US" b="1" dirty="0" smtClean="0">
-                <a:sym typeface="Helvetica"/>
-              </a:rPr>
-              <a:t>Differences</a:t>
-            </a:r>
-            <a:r>
-              <a:rPr lang="en-US" dirty="0" smtClean="0"/>
-              <a:t>: For virtual machines, there is no hardware maintenance! You can copy a virtual machine (take a “Snapshot”) for backup and restore purposes.</a:t>
-            </a:r>
-          </a:p>
-        </p:txBody>
-      </p:sp>
-    </p:spTree>
-    <p:extLst>
-      <p:ext uri="{BB962C8B-B14F-4D97-AF65-F5344CB8AC3E}">
-        <p14:creationId xmlns:p14="http://schemas.microsoft.com/office/powerpoint/2010/main" val="835463411"/>
-      </p:ext>
-    </p:extLst>
-  </p:cSld>
-  <p:clrMapOvr>
-    <a:masterClrMapping/>
-  </p:clrMapOvr>
-</p:sld>
-</file>
-
-<file path=ppt/slides/slide27.xml><?xml version="1.0" encoding="utf-8"?>
-<p:sld xmlns:a="http://schemas.openxmlformats.org/drawingml/2006/main" xmlns:r="http://schemas.openxmlformats.org/officeDocument/2006/relationships" xmlns:p="http://schemas.openxmlformats.org/presentationml/2006/main">
-  <p:cSld>
-    <p:spTree>
-      <p:nvGrpSpPr>
-        <p:cNvPr id="1" name=""/>
-        <p:cNvGrpSpPr/>
-        <p:nvPr/>
-      </p:nvGrpSpPr>
-      <p:grpSpPr>
-        <a:xfrm>
-          <a:off x="0" y="0"/>
-          <a:ext cx="0" cy="0"/>
-          <a:chOff x="0" y="0"/>
-          <a:chExt cx="0" cy="0"/>
-        </a:xfrm>
-      </p:grpSpPr>
-      <p:sp>
-        <p:nvSpPr>
-          <p:cNvPr id="2" name="Title 1"/>
-          <p:cNvSpPr>
-            <a:spLocks noGrp="1"/>
-          </p:cNvSpPr>
-          <p:nvPr>
-            <p:ph type="title"/>
-          </p:nvPr>
-        </p:nvSpPr>
-        <p:spPr/>
-        <p:txBody>
-          <a:bodyPr/>
-          <a:lstStyle/>
-          <a:p>
-            <a:r>
-              <a:rPr lang="en-US" smtClean="0"/>
-              <a:t>Hypervisor</a:t>
-            </a:r>
-            <a:endParaRPr lang="en-US" dirty="0"/>
-          </a:p>
-        </p:txBody>
-      </p:sp>
-      <p:sp>
-        <p:nvSpPr>
-          <p:cNvPr id="3" name="Content Placeholder 2"/>
-          <p:cNvSpPr>
-            <a:spLocks noGrp="1"/>
-          </p:cNvSpPr>
-          <p:nvPr>
-            <p:ph sz="half" idx="1"/>
-          </p:nvPr>
-        </p:nvSpPr>
-        <p:spPr>
-          <a:xfrm>
-            <a:off x="498517" y="1489472"/>
-            <a:ext cx="4127747" cy="2241632"/>
-          </a:xfrm>
-        </p:spPr>
-        <p:txBody>
-          <a:bodyPr>
-            <a:normAutofit fontScale="85000" lnSpcReduction="10000"/>
-          </a:bodyPr>
-          <a:lstStyle/>
-          <a:p>
-            <a:pPr marL="0" lvl="0" indent="0">
-              <a:buNone/>
-            </a:pPr>
-            <a:r>
-              <a:rPr lang="en-US" dirty="0" smtClean="0"/>
-              <a:t>The </a:t>
-            </a:r>
-            <a:r>
-              <a:rPr lang="en-US" b="1" dirty="0" smtClean="0"/>
-              <a:t>Hypervisor</a:t>
-            </a:r>
-            <a:r>
-              <a:rPr lang="en-US" dirty="0" smtClean="0"/>
-              <a:t> or </a:t>
-            </a:r>
-            <a:r>
-              <a:rPr lang="en-US" i="1" dirty="0" smtClean="0"/>
-              <a:t>Virtual Machine Manager</a:t>
-            </a:r>
-            <a:r>
-              <a:rPr lang="en-US" dirty="0" smtClean="0"/>
-              <a:t> is the software that manages communications between the </a:t>
-            </a:r>
-            <a:r>
-              <a:rPr lang="en-US" dirty="0" smtClean="0"/>
-              <a:t>physical hardware </a:t>
-            </a:r>
-            <a:r>
-              <a:rPr lang="en-US" dirty="0" smtClean="0"/>
-              <a:t>and and the VMs running on it.</a:t>
-            </a:r>
-            <a:endParaRPr lang="en-US" dirty="0"/>
-          </a:p>
-        </p:txBody>
-      </p:sp>
-      <p:sp>
-        <p:nvSpPr>
-          <p:cNvPr id="4" name="Content Placeholder 3"/>
-          <p:cNvSpPr>
-            <a:spLocks noGrp="1"/>
-          </p:cNvSpPr>
-          <p:nvPr>
-            <p:ph sz="half" idx="2"/>
-          </p:nvPr>
-        </p:nvSpPr>
-        <p:spPr>
-          <a:xfrm>
-            <a:off x="498518" y="3873664"/>
-            <a:ext cx="8188282" cy="863518"/>
-          </a:xfrm>
-        </p:spPr>
-        <p:txBody>
-          <a:bodyPr>
-            <a:normAutofit fontScale="85000" lnSpcReduction="10000"/>
-          </a:bodyPr>
-          <a:lstStyle/>
-          <a:p>
-            <a:pPr marL="0" indent="0">
-              <a:buNone/>
-            </a:pPr>
-            <a:r>
-              <a:rPr lang="en-US" dirty="0"/>
-              <a:t>The Hypervisor enables the technology — but also brings new vulnerabilities. We will discuss how they are addressed in </a:t>
-            </a:r>
-            <a:r>
-              <a:rPr lang="en-US" i="1" dirty="0"/>
-              <a:t>Module 8</a:t>
-            </a:r>
-            <a:r>
-              <a:rPr lang="en-US" dirty="0" smtClean="0"/>
-              <a:t>.</a:t>
-            </a:r>
-            <a:endParaRPr lang="en-US" dirty="0"/>
-          </a:p>
-        </p:txBody>
-      </p:sp>
-      <p:pic>
-        <p:nvPicPr>
-          <p:cNvPr id="7" name="Picture 6" descr="Hypervisor.png"/>
-          <p:cNvPicPr>
-            <a:picLocks noChangeAspect="1"/>
-          </p:cNvPicPr>
-          <p:nvPr/>
-        </p:nvPicPr>
-        <p:blipFill>
-          <a:blip r:embed="rId2">
-            <a:extLst>
-              <a:ext uri="{28A0092B-C50C-407E-A947-70E740481C1C}">
-                <a14:useLocalDpi xmlns:a14="http://schemas.microsoft.com/office/drawing/2010/main" val="0"/>
-              </a:ext>
-            </a:extLst>
-          </a:blip>
-          <a:stretch>
-            <a:fillRect/>
-          </a:stretch>
-        </p:blipFill>
-        <p:spPr>
-          <a:xfrm>
-            <a:off x="4626265" y="1489471"/>
-            <a:ext cx="4060536" cy="2364213"/>
-          </a:xfrm>
-          <a:prstGeom prst="rect">
-            <a:avLst/>
-          </a:prstGeom>
-        </p:spPr>
-      </p:pic>
-    </p:spTree>
-    <p:extLst>
-      <p:ext uri="{BB962C8B-B14F-4D97-AF65-F5344CB8AC3E}">
-        <p14:creationId xmlns:p14="http://schemas.microsoft.com/office/powerpoint/2010/main" val="3797475197"/>
-      </p:ext>
-    </p:extLst>
-  </p:cSld>
-  <p:clrMapOvr>
-    <a:masterClrMapping/>
-  </p:clrMapOvr>
-</p:sld>
-</file>
-
 <file path=ppt/slides/slide28.xml><?xml version="1.0" encoding="utf-8"?>
 <p:sld xmlns:a="http://schemas.openxmlformats.org/drawingml/2006/main" xmlns:r="http://schemas.openxmlformats.org/officeDocument/2006/relationships" xmlns:p="http://schemas.openxmlformats.org/presentationml/2006/main">
   <p:cSld>
@@ -5506,7 +7868,15 @@
           <a:p>
             <a:r>
               <a:rPr lang="en-US" dirty="0" smtClean="0"/>
-              <a:t>Common concerns</a:t>
+              <a:t>Virtual </a:t>
+            </a:r>
+            <a:r>
+              <a:rPr lang="en-US" i="1" dirty="0" smtClean="0"/>
+              <a:t>vs.</a:t>
+            </a:r>
+            <a:r>
+              <a:rPr lang="en-US" dirty="0" smtClean="0"/>
+              <a:t> Real Computer</a:t>
             </a:r>
             <a:endParaRPr lang="en-US" dirty="0"/>
           </a:p>
@@ -5525,86 +7895,55 @@
         <p:spPr/>
         <p:txBody>
           <a:bodyPr>
-            <a:normAutofit fontScale="92500" lnSpcReduction="20000"/>
+            <a:normAutofit/>
           </a:bodyPr>
           <a:lstStyle/>
           <a:p>
-            <a:pPr marL="0" lvl="0" indent="0">
-              <a:buNone/>
-            </a:pPr>
-            <a:r>
-              <a:rPr lang="en-US" dirty="0" smtClean="0"/>
-              <a:t>Common concerns when adopting cloud computing include:</a:t>
-            </a:r>
-          </a:p>
-          <a:p>
-            <a:pPr marL="0" lvl="0" indent="0">
-              <a:buNone/>
-            </a:pPr>
-            <a:endParaRPr lang="en-US" dirty="0" smtClean="0"/>
-          </a:p>
-          <a:p>
-            <a:r>
-              <a:rPr lang="en-US" dirty="0" smtClean="0"/>
-              <a:t>Uninterrupted access to services</a:t>
-            </a:r>
-          </a:p>
-          <a:p>
-            <a:r>
-              <a:rPr lang="en-US" dirty="0" smtClean="0"/>
-              <a:t>Privacy &amp; Security</a:t>
-            </a:r>
-          </a:p>
-          <a:p>
-            <a:r>
-              <a:rPr lang="en-US" dirty="0" smtClean="0"/>
-              <a:t>Portability of tools and data to and from different (cloud) platforms</a:t>
-            </a:r>
-          </a:p>
-          <a:p>
-            <a:r>
-              <a:rPr lang="en-US" dirty="0" smtClean="0"/>
-              <a:t>Uncertainty of cost prediction</a:t>
-            </a:r>
-          </a:p>
-          <a:p>
-            <a:r>
-              <a:rPr lang="en-US" dirty="0" smtClean="0"/>
-              <a:t>Absence of software tools</a:t>
-            </a:r>
-          </a:p>
-          <a:p>
-            <a:pPr marL="0" indent="0">
-              <a:buNone/>
-            </a:pPr>
-            <a:endParaRPr lang="en-US" dirty="0" smtClean="0"/>
-          </a:p>
-          <a:p>
-            <a:pPr marL="0" lvl="0" indent="0">
-              <a:buNone/>
-            </a:pPr>
-            <a:r>
-              <a:rPr lang="en-US" i="1" dirty="0" smtClean="0">
+            <a:pPr lvl="0"/>
+            <a:r>
+              <a:rPr lang="en-US" dirty="0" smtClean="0"/>
+              <a:t>A “real machine” is a physical computer, whereas the “virtual machine” is a simulated computer running on another physical computer. </a:t>
+            </a:r>
+          </a:p>
+          <a:p>
+            <a:pPr lvl="0"/>
+            <a:r>
+              <a:rPr lang="en-US" dirty="0" smtClean="0"/>
+              <a:t>Differences and similarities:</a:t>
+            </a:r>
+          </a:p>
+          <a:p>
+            <a:pPr lvl="1"/>
+            <a:r>
+              <a:rPr lang="en-US" b="1" dirty="0" smtClean="0">
                 <a:sym typeface="Helvetica"/>
               </a:rPr>
-              <a:t>Module 8</a:t>
-            </a:r>
-            <a:r>
-              <a:rPr lang="en-US" i="1" dirty="0" smtClean="0"/>
-              <a:t> </a:t>
-            </a:r>
-            <a:r>
-              <a:rPr lang="en-US" dirty="0" smtClean="0"/>
-              <a:t>will discuss the common concerns in more detail.</a:t>
-            </a:r>
-            <a:endParaRPr lang="en-US" dirty="0"/>
+              <a:t>Similarities</a:t>
+            </a:r>
+            <a:r>
+              <a:rPr lang="en-US" dirty="0" smtClean="0"/>
+              <a:t>: Both have an operating system, network access (a real IP address), and hard disk storage.</a:t>
+            </a:r>
+          </a:p>
+          <a:p>
+            <a:pPr lvl="1"/>
+            <a:r>
+              <a:rPr lang="en-US" b="1" dirty="0" smtClean="0">
+                <a:sym typeface="Helvetica"/>
+              </a:rPr>
+              <a:t>Differences</a:t>
+            </a:r>
+            <a:r>
+              <a:rPr lang="en-US" dirty="0" smtClean="0"/>
+              <a:t>: For virtual machines, there is no hardware maintenance! You can copy a virtual machine (take a “Snapshot”) for backup and restore purposes.</a:t>
+            </a:r>
           </a:p>
         </p:txBody>
       </p:sp>
     </p:spTree>
     <p:extLst>
       <p:ext uri="{BB962C8B-B14F-4D97-AF65-F5344CB8AC3E}">
-        <p14:creationId xmlns:p14="http://schemas.microsoft.com/office/powerpoint/2010/main" val="3485685574"/>
+        <p14:creationId xmlns:p14="http://schemas.microsoft.com/office/powerpoint/2010/main" val="835463411"/>
       </p:ext>
     </p:extLst>
   </p:cSld>
@@ -5648,7 +7987,7 @@
           <a:p>
             <a:r>
               <a:rPr lang="en-US" smtClean="0"/>
-              <a:t>History</a:t>
+              <a:t>Hypervisor</a:t>
             </a:r>
             <a:endParaRPr lang="en-US" dirty="0"/>
           </a:p>
@@ -5661,82 +8000,123 @@
             <a:spLocks noGrp="1"/>
           </p:cNvSpPr>
           <p:nvPr>
-            <p:ph idx="1"/>
-          </p:nvPr>
-        </p:nvSpPr>
-        <p:spPr/>
+            <p:ph sz="half" idx="1"/>
+          </p:nvPr>
+        </p:nvSpPr>
+        <p:spPr>
+          <a:xfrm>
+            <a:off x="498518" y="1489472"/>
+            <a:ext cx="4127747" cy="2241632"/>
+          </a:xfrm>
+        </p:spPr>
         <p:txBody>
           <a:bodyPr>
-            <a:normAutofit/>
+            <a:normAutofit fontScale="85000" lnSpcReduction="10000"/>
           </a:bodyPr>
           <a:lstStyle/>
           <a:p>
-            <a:pPr lvl="0">
-              <a:spcBef>
-                <a:spcPts val="1000"/>
-              </a:spcBef>
+            <a:pPr marL="0" indent="0">
+              <a:buNone/>
             </a:pPr>
             <a:r>
+              <a:rPr lang="en-US" dirty="0" smtClean="0"/>
+              <a:t>The </a:t>
+            </a:r>
+            <a:r>
               <a:rPr lang="en-US" b="1" dirty="0" smtClean="0"/>
-              <a:t>1950s: </a:t>
-            </a:r>
-            <a:r>
-              <a:rPr lang="en-US" dirty="0" smtClean="0"/>
-              <a:t>Early forms are </a:t>
+              <a:t>Hypervisor</a:t>
+            </a:r>
+            <a:r>
+              <a:rPr lang="en-US" dirty="0" smtClean="0"/>
+              <a:t> or </a:t>
             </a:r>
             <a:r>
               <a:rPr lang="en-US" i="1" dirty="0" smtClean="0"/>
-              <a:t>mainframes</a:t>
-            </a:r>
-            <a:r>
-              <a:rPr lang="en-US" dirty="0" smtClean="0"/>
-              <a:t> and connected </a:t>
-            </a:r>
-            <a:r>
-              <a:rPr lang="en-US" i="1" dirty="0" smtClean="0"/>
-              <a:t>clients</a:t>
+              <a:t>Virtual Machine Manager</a:t>
+            </a:r>
+            <a:r>
+              <a:rPr lang="en-US" dirty="0" smtClean="0"/>
+              <a:t> is the software that manages communications between the physical hardware and and the VMs running on it.</a:t>
+            </a:r>
+            <a:endParaRPr lang="en-US" dirty="0"/>
+          </a:p>
+        </p:txBody>
+      </p:sp>
+      <p:sp>
+        <p:nvSpPr>
+          <p:cNvPr id="4" name="Content Placeholder 3"/>
+          <p:cNvSpPr>
+            <a:spLocks noGrp="1"/>
+          </p:cNvSpPr>
+          <p:nvPr>
+            <p:ph sz="half" idx="2"/>
+          </p:nvPr>
+        </p:nvSpPr>
+        <p:spPr>
+          <a:xfrm>
+            <a:off x="498518" y="3873664"/>
+            <a:ext cx="8188282" cy="863518"/>
+          </a:xfrm>
+        </p:spPr>
+        <p:txBody>
+          <a:bodyPr>
+            <a:normAutofit fontScale="85000" lnSpcReduction="10000"/>
+          </a:bodyPr>
+          <a:lstStyle/>
+          <a:p>
+            <a:pPr marL="0" indent="0">
+              <a:buNone/>
+            </a:pPr>
+            <a:r>
+              <a:rPr lang="en-US" dirty="0"/>
+              <a:t>The Hypervisor enables the technology — but also brings new vulnerabilities. We will discuss how they are addressed in </a:t>
+            </a:r>
+            <a:r>
+              <a:rPr lang="en-US" i="1" dirty="0"/>
+              <a:t>Module 8</a:t>
             </a:r>
             <a:r>
               <a:rPr lang="en-US" dirty="0" smtClean="0"/>
               <a:t>.</a:t>
             </a:r>
-          </a:p>
-          <a:p>
-            <a:pPr lvl="0">
-              <a:spcBef>
-                <a:spcPts val="1000"/>
-              </a:spcBef>
-            </a:pPr>
-            <a:r>
-              <a:rPr lang="en-US" b="1" dirty="0" smtClean="0"/>
-              <a:t>1990s: </a:t>
-            </a:r>
-            <a:r>
-              <a:rPr lang="en-US" dirty="0" smtClean="0"/>
-              <a:t>“Time sharing” technique introduced, allowing more users access to large-scale computing</a:t>
-            </a:r>
-          </a:p>
-          <a:p>
-            <a:pPr lvl="0">
-              <a:spcBef>
-                <a:spcPts val="1000"/>
-              </a:spcBef>
-            </a:pPr>
-            <a:r>
-              <a:rPr lang="en-US" b="1" dirty="0" smtClean="0"/>
-              <a:t>2000s: </a:t>
-            </a:r>
-            <a:r>
-              <a:rPr lang="en-US" dirty="0" smtClean="0"/>
-              <a:t>Cloud computing comes into existence</a:t>
-            </a:r>
-          </a:p>
-        </p:txBody>
-      </p:sp>
+            <a:endParaRPr lang="en-US" dirty="0"/>
+          </a:p>
+        </p:txBody>
+      </p:sp>
+      <p:pic>
+        <p:nvPicPr>
+          <p:cNvPr id="7" name="Picture 6" descr="Hypervisor.png"/>
+          <p:cNvPicPr>
+            <a:picLocks noChangeAspect="1"/>
+          </p:cNvPicPr>
+          <p:nvPr/>
+        </p:nvPicPr>
+        <p:blipFill>
+          <a:blip r:embed="rId2">
+            <a:extLst>
+              <a:ext uri="{28A0092B-C50C-407E-A947-70E740481C1C}">
+                <a14:useLocalDpi xmlns:a14="http://schemas.microsoft.com/office/drawing/2010/main" val="0"/>
+              </a:ext>
+            </a:extLst>
+          </a:blip>
+          <a:stretch>
+            <a:fillRect/>
+          </a:stretch>
+        </p:blipFill>
+        <p:spPr>
+          <a:xfrm>
+            <a:off x="4626265" y="1489472"/>
+            <a:ext cx="4060536" cy="2364213"/>
+          </a:xfrm>
+          <a:prstGeom prst="rect">
+            <a:avLst/>
+          </a:prstGeom>
+        </p:spPr>
+      </p:pic>
     </p:spTree>
     <p:extLst>
       <p:ext uri="{BB962C8B-B14F-4D97-AF65-F5344CB8AC3E}">
-        <p14:creationId xmlns:p14="http://schemas.microsoft.com/office/powerpoint/2010/main" val="2317406485"/>
+        <p14:creationId xmlns:p14="http://schemas.microsoft.com/office/powerpoint/2010/main" val="3797475197"/>
       </p:ext>
     </p:extLst>
   </p:cSld>
@@ -5818,7 +8198,7 @@
             </a:r>
           </a:p>
           <a:p>
-            <a:pPr marL="0" lvl="0" indent="0">
+            <a:pPr marL="0" indent="0">
               <a:buNone/>
             </a:pPr>
             <a:r>
@@ -5923,7 +8303,7 @@
           <a:p>
             <a:r>
               <a:rPr lang="en-US" dirty="0" smtClean="0"/>
-              <a:t>History</a:t>
+              <a:t>Common concerns</a:t>
             </a:r>
             <a:endParaRPr lang="en-US" dirty="0"/>
           </a:p>
@@ -5942,153 +8322,86 @@
         <p:spPr/>
         <p:txBody>
           <a:bodyPr>
-            <a:normAutofit fontScale="92500"/>
+            <a:normAutofit fontScale="92500" lnSpcReduction="20000"/>
           </a:bodyPr>
           <a:lstStyle/>
           <a:p>
-            <a:pPr>
-              <a:spcBef>
-                <a:spcPts val="1000"/>
-              </a:spcBef>
+            <a:pPr marL="0" indent="0">
+              <a:buNone/>
             </a:pPr>
             <a:r>
-              <a:rPr lang="en-US" b="1" dirty="0" smtClean="0"/>
-              <a:t>2006</a:t>
-            </a:r>
-            <a:r>
-              <a:rPr lang="en-US" dirty="0" smtClean="0"/>
-              <a:t>: </a:t>
-            </a:r>
-            <a:r>
-              <a:rPr lang="en-US" i="1" dirty="0" smtClean="0"/>
-              <a:t>Amazon Web Services </a:t>
-            </a:r>
-            <a:r>
-              <a:rPr lang="en-US" dirty="0" smtClean="0"/>
-              <a:t>(AWS) provides storage space (S3) and computing resources (EC2)</a:t>
-            </a:r>
-          </a:p>
-          <a:p>
-            <a:pPr>
-              <a:spcBef>
-                <a:spcPts val="1000"/>
-              </a:spcBef>
+              <a:rPr lang="en-US" dirty="0" smtClean="0"/>
+              <a:t>Common concerns when adopting cloud computing include:</a:t>
+            </a:r>
+          </a:p>
+          <a:p>
+            <a:pPr marL="0" indent="0">
+              <a:buNone/>
             </a:pPr>
-            <a:r>
-              <a:rPr lang="en-US" b="1" dirty="0" smtClean="0"/>
-              <a:t>2008</a:t>
-            </a:r>
-            <a:r>
-              <a:rPr lang="en-US" dirty="0" smtClean="0"/>
-              <a:t>: </a:t>
-            </a:r>
-            <a:r>
-              <a:rPr lang="en-US" i="1" dirty="0" err="1" smtClean="0"/>
-              <a:t>OpenNebula</a:t>
-            </a:r>
-            <a:r>
-              <a:rPr lang="en-US" dirty="0" smtClean="0"/>
-              <a:t> becomes first open-source software for deploying clouds</a:t>
-            </a:r>
-          </a:p>
-          <a:p>
-            <a:pPr>
-              <a:spcBef>
-                <a:spcPts val="1000"/>
-              </a:spcBef>
+            <a:endParaRPr lang="en-US" dirty="0" smtClean="0"/>
+          </a:p>
+          <a:p>
+            <a:r>
+              <a:rPr lang="en-US" dirty="0" smtClean="0"/>
+              <a:t>Uninterrupted access to services</a:t>
+            </a:r>
+          </a:p>
+          <a:p>
+            <a:r>
+              <a:rPr lang="en-US" dirty="0" smtClean="0"/>
+              <a:t>Privacy &amp; Security</a:t>
+            </a:r>
+          </a:p>
+          <a:p>
+            <a:r>
+              <a:rPr lang="en-US" dirty="0" smtClean="0"/>
+              <a:t>Portability of tools and data to and from different (cloud) platforms</a:t>
+            </a:r>
+          </a:p>
+          <a:p>
+            <a:r>
+              <a:rPr lang="en-US" dirty="0" smtClean="0"/>
+              <a:t>Uncertainty of cost prediction</a:t>
+            </a:r>
+          </a:p>
+          <a:p>
+            <a:r>
+              <a:rPr lang="en-US" dirty="0" smtClean="0"/>
+              <a:t>Absence of software tools</a:t>
+            </a:r>
+          </a:p>
+          <a:p>
+            <a:pPr marL="0" indent="0">
+              <a:buNone/>
             </a:pPr>
-            <a:r>
-              <a:rPr lang="en-US" b="1" dirty="0" smtClean="0"/>
-              <a:t>2008</a:t>
-            </a:r>
-            <a:r>
-              <a:rPr lang="en-US" dirty="0" smtClean="0"/>
-              <a:t>: </a:t>
-            </a:r>
-            <a:r>
-              <a:rPr lang="en-US" i="1" dirty="0" smtClean="0"/>
-              <a:t>Microsoft Azure </a:t>
-            </a:r>
-            <a:r>
-              <a:rPr lang="en-US" dirty="0" smtClean="0"/>
-              <a:t>and </a:t>
-            </a:r>
-            <a:r>
-              <a:rPr lang="en-US" i="1" dirty="0" smtClean="0"/>
-              <a:t>Google Cloud Platform </a:t>
-            </a:r>
-            <a:r>
-              <a:rPr lang="en-US" dirty="0" smtClean="0"/>
-              <a:t>launched</a:t>
-            </a:r>
-          </a:p>
-          <a:p>
-            <a:pPr>
-              <a:spcBef>
-                <a:spcPts val="1000"/>
-              </a:spcBef>
+            <a:endParaRPr lang="en-US" dirty="0" smtClean="0"/>
+          </a:p>
+          <a:p>
+            <a:pPr marL="0" indent="0">
+              <a:buNone/>
             </a:pPr>
             <a:r>
-              <a:rPr lang="en-US" b="1" dirty="0" smtClean="0"/>
-              <a:t>2010</a:t>
-            </a:r>
-            <a:r>
-              <a:rPr lang="en-US" dirty="0" smtClean="0"/>
-              <a:t>: </a:t>
-            </a:r>
-            <a:r>
-              <a:rPr lang="en-US" i="1" dirty="0" smtClean="0"/>
-              <a:t>Rackspace Hosting </a:t>
-            </a:r>
-            <a:r>
-              <a:rPr lang="en-US" dirty="0" smtClean="0"/>
-              <a:t>and </a:t>
-            </a:r>
-            <a:r>
-              <a:rPr lang="en-US" i="1" dirty="0" smtClean="0"/>
-              <a:t>NASA</a:t>
-            </a:r>
-            <a:r>
-              <a:rPr lang="en-US" dirty="0" smtClean="0"/>
-              <a:t> launch open-source deployment platform </a:t>
-            </a:r>
-            <a:r>
-              <a:rPr lang="en-US" i="1" dirty="0" smtClean="0"/>
-              <a:t>OpenStack</a:t>
-            </a:r>
-            <a:r>
-              <a:rPr lang="en-US" dirty="0" smtClean="0"/>
-              <a:t>. </a:t>
-            </a:r>
-            <a:r>
-              <a:rPr lang="en-US" b="1" dirty="0" smtClean="0">
+              <a:rPr lang="en-US" i="1" dirty="0" smtClean="0">
                 <a:sym typeface="Helvetica"/>
               </a:rPr>
-              <a:t>NeCTAR uses OpenStack!</a:t>
-            </a:r>
-            <a:endParaRPr lang="en-US" b="1" dirty="0" smtClean="0"/>
-          </a:p>
-          <a:p>
-            <a:pPr>
-              <a:spcBef>
-                <a:spcPts val="1000"/>
-              </a:spcBef>
-            </a:pPr>
+              <a:t>Module 8</a:t>
+            </a:r>
             <a:r>
               <a:rPr lang="en-US" i="1" dirty="0" smtClean="0"/>
-              <a:t>until today</a:t>
-            </a:r>
-            <a:r>
-              <a:rPr lang="en-US" dirty="0" smtClean="0"/>
-              <a:t>: More cloud providers are introduced to the market.</a:t>
-            </a:r>
+              <a:t> </a:t>
+            </a:r>
+            <a:r>
+              <a:rPr lang="en-US" dirty="0" smtClean="0"/>
+              <a:t>will discuss the common concerns in more detail.</a:t>
+            </a:r>
+            <a:endParaRPr lang="en-US" dirty="0"/>
           </a:p>
         </p:txBody>
       </p:sp>
     </p:spTree>
     <p:extLst>
       <p:ext uri="{BB962C8B-B14F-4D97-AF65-F5344CB8AC3E}">
-        <p14:creationId xmlns:p14="http://schemas.microsoft.com/office/powerpoint/2010/main" val="1233174976"/>
+        <p14:creationId xmlns:p14="http://schemas.microsoft.com/office/powerpoint/2010/main" val="3485685574"/>
       </p:ext>
     </p:extLst>
   </p:cSld>
@@ -6132,7 +8445,7 @@
           <a:p>
             <a:r>
               <a:rPr lang="en-US" smtClean="0"/>
-              <a:t>NeCTAR Services</a:t>
+              <a:t>History</a:t>
             </a:r>
             <a:endParaRPr lang="en-US" dirty="0"/>
           </a:p>
@@ -6155,107 +8468,72 @@
           </a:bodyPr>
           <a:lstStyle/>
           <a:p>
-            <a:pPr lvl="0"/>
-            <a:r>
-              <a:rPr lang="en-US" dirty="0" smtClean="0"/>
-              <a:t>In 2010, the Australian research community voices their need for flexible, low cost computing resources that can be accessed </a:t>
+            <a:pPr>
+              <a:spcBef>
+                <a:spcPts val="1000"/>
+              </a:spcBef>
+            </a:pPr>
+            <a:r>
+              <a:rPr lang="en-US" b="1" dirty="0" smtClean="0"/>
+              <a:t>1950s: </a:t>
+            </a:r>
+            <a:r>
+              <a:rPr lang="en-US" dirty="0" smtClean="0"/>
+              <a:t>Early forms are </a:t>
             </a:r>
             <a:r>
               <a:rPr lang="en-US" i="1" dirty="0" smtClean="0"/>
-              <a:t>on demand</a:t>
-            </a:r>
-            <a:r>
-              <a:rPr lang="en-US" dirty="0" smtClean="0"/>
-              <a:t>. </a:t>
-            </a:r>
-          </a:p>
-          <a:p>
-            <a:pPr lvl="0"/>
-            <a:r>
-              <a:rPr lang="en-US" dirty="0" smtClean="0"/>
-              <a:t>As a result, Australian government is now funding a Cloud that is making it simple for researchers to access IT </a:t>
-            </a:r>
-            <a:r>
-              <a:rPr lang="en-US" dirty="0" smtClean="0"/>
-              <a:t>resources.</a:t>
-            </a:r>
-          </a:p>
-          <a:p>
-            <a:pPr lvl="0"/>
-            <a:r>
-              <a:rPr lang="en-US" dirty="0" smtClean="0"/>
-              <a:t>NeCTAR </a:t>
-            </a:r>
-            <a:r>
-              <a:rPr lang="en-US" dirty="0" smtClean="0"/>
-              <a:t>(</a:t>
-            </a:r>
-            <a:r>
-              <a:rPr lang="en-US" b="1" dirty="0" smtClean="0">
-                <a:sym typeface="Helvetica"/>
-              </a:rPr>
-              <a:t>N</a:t>
-            </a:r>
-            <a:r>
-              <a:rPr lang="en-US" dirty="0" smtClean="0"/>
-              <a:t>ational </a:t>
-            </a:r>
-            <a:r>
-              <a:rPr lang="en-US" b="1" dirty="0" err="1" smtClean="0"/>
-              <a:t>e</a:t>
-            </a:r>
-            <a:r>
-              <a:rPr lang="en-US" dirty="0" err="1" smtClean="0">
-                <a:sym typeface="Helvetica"/>
-              </a:rPr>
-              <a:t>R</a:t>
-            </a:r>
-            <a:r>
-              <a:rPr lang="en-US" dirty="0" err="1" smtClean="0"/>
-              <a:t>esearch</a:t>
-            </a:r>
-            <a:r>
-              <a:rPr lang="en-US" dirty="0" smtClean="0"/>
-              <a:t> </a:t>
-            </a:r>
-            <a:r>
-              <a:rPr lang="en-US" b="1" dirty="0" smtClean="0">
-                <a:sym typeface="Helvetica"/>
-              </a:rPr>
-              <a:t>C</a:t>
-            </a:r>
-            <a:r>
-              <a:rPr lang="en-US" dirty="0" smtClean="0"/>
-              <a:t>ollaboration </a:t>
-            </a:r>
-            <a:r>
-              <a:rPr lang="en-US" b="1" dirty="0" smtClean="0">
-                <a:sym typeface="Helvetica"/>
-              </a:rPr>
-              <a:t>T</a:t>
-            </a:r>
-            <a:r>
-              <a:rPr lang="en-US" dirty="0" smtClean="0"/>
-              <a:t>ools and </a:t>
-            </a:r>
-            <a:r>
-              <a:rPr lang="en-US" b="1" dirty="0" smtClean="0">
-                <a:sym typeface="Helvetica"/>
-              </a:rPr>
-              <a:t>R</a:t>
-            </a:r>
-            <a:r>
-              <a:rPr lang="en-US" dirty="0" smtClean="0"/>
-              <a:t>esources) is an Australian Government project.</a:t>
-            </a:r>
-            <a:endParaRPr lang="en-US" dirty="0"/>
+              <a:t>mainframes</a:t>
+            </a:r>
+            <a:r>
+              <a:rPr lang="en-US" dirty="0" smtClean="0"/>
+              <a:t> and connected </a:t>
+            </a:r>
+            <a:r>
+              <a:rPr lang="en-US" i="1" dirty="0" smtClean="0"/>
+              <a:t>clients</a:t>
+            </a:r>
+            <a:r>
+              <a:rPr lang="en-US" dirty="0" smtClean="0"/>
+              <a:t>.</a:t>
+            </a:r>
+          </a:p>
+          <a:p>
+            <a:pPr>
+              <a:spcBef>
+                <a:spcPts val="1000"/>
+              </a:spcBef>
+            </a:pPr>
+            <a:r>
+              <a:rPr lang="en-US" b="1" dirty="0" smtClean="0"/>
+              <a:t>1990s: </a:t>
+            </a:r>
+            <a:r>
+              <a:rPr lang="en-US" dirty="0" smtClean="0"/>
+              <a:t>“Time sharing” technique introduced, allowing more users access to large-scale computing</a:t>
+            </a:r>
+          </a:p>
+          <a:p>
+            <a:pPr>
+              <a:spcBef>
+                <a:spcPts val="1000"/>
+              </a:spcBef>
+            </a:pPr>
+            <a:r>
+              <a:rPr lang="en-US" b="1" dirty="0" smtClean="0"/>
+              <a:t>2000s: </a:t>
+            </a:r>
+            <a:r>
+              <a:rPr lang="en-US" dirty="0" smtClean="0"/>
+              <a:t>Cloud computing comes into existence</a:t>
+            </a:r>
           </a:p>
         </p:txBody>
       </p:sp>
     </p:spTree>
     <p:extLst>
       <p:ext uri="{BB962C8B-B14F-4D97-AF65-F5344CB8AC3E}">
-        <p14:creationId xmlns:p14="http://schemas.microsoft.com/office/powerpoint/2010/main" val="3248195757"/>
+        <p14:creationId xmlns:p14="http://schemas.microsoft.com/office/powerpoint/2010/main" val="2317406485"/>
       </p:ext>
     </p:extLst>
   </p:cSld>
@@ -6299,7 +8577,7 @@
           <a:p>
             <a:r>
               <a:rPr lang="en-US" dirty="0" smtClean="0"/>
-              <a:t>NeCTAR Services</a:t>
+              <a:t>History</a:t>
             </a:r>
             <a:endParaRPr lang="en-US" dirty="0"/>
           </a:p>
@@ -6318,53 +8596,145 @@
         <p:spPr/>
         <p:txBody>
           <a:bodyPr>
-            <a:normAutofit/>
+            <a:normAutofit fontScale="92500"/>
           </a:bodyPr>
           <a:lstStyle/>
           <a:p>
-            <a:pPr lvl="0"/>
-            <a:r>
-              <a:rPr lang="en-US" dirty="0" smtClean="0"/>
-              <a:t>The NeCTAR project aims to support the “connected researcher”: </a:t>
-            </a:r>
-          </a:p>
-          <a:p>
-            <a:pPr lvl="1"/>
-            <a:r>
-              <a:rPr lang="en-US" dirty="0" smtClean="0"/>
-              <a:t>The vision is to enhance research collaboration by building information and communications technology infrastructure. </a:t>
-            </a:r>
-          </a:p>
-          <a:p>
-            <a:pPr lvl="0"/>
-            <a:r>
-              <a:rPr lang="en-US" dirty="0" smtClean="0"/>
-              <a:t>NeCTAR is building:</a:t>
-            </a:r>
-          </a:p>
-          <a:p>
-            <a:pPr lvl="1"/>
-            <a:r>
-              <a:rPr lang="en-US" dirty="0" smtClean="0"/>
-              <a:t>Virtual Laboratories</a:t>
-            </a:r>
-          </a:p>
-          <a:p>
-            <a:pPr lvl="1"/>
-            <a:r>
-              <a:rPr lang="en-US" dirty="0" err="1" smtClean="0"/>
-              <a:t>eResearch</a:t>
-            </a:r>
-            <a:r>
-              <a:rPr lang="en-US" dirty="0" smtClean="0"/>
-              <a:t> Tools</a:t>
-            </a:r>
-          </a:p>
-          <a:p>
-            <a:pPr lvl="1"/>
-            <a:r>
-              <a:rPr lang="en-US" dirty="0" smtClean="0"/>
-              <a:t>The Australian Research Cloud</a:t>
+            <a:pPr>
+              <a:spcBef>
+                <a:spcPts val="1000"/>
+              </a:spcBef>
+            </a:pPr>
+            <a:r>
+              <a:rPr lang="en-US" b="1" dirty="0" smtClean="0"/>
+              <a:t>2006</a:t>
+            </a:r>
+            <a:r>
+              <a:rPr lang="en-US" dirty="0" smtClean="0"/>
+              <a:t>: </a:t>
+            </a:r>
+            <a:r>
+              <a:rPr lang="en-US" i="1" dirty="0" smtClean="0"/>
+              <a:t>Amazon Web Services </a:t>
+            </a:r>
+            <a:r>
+              <a:rPr lang="en-US" dirty="0" smtClean="0"/>
+              <a:t>(AWS) provides storage space (S3) and computing resources (EC2)</a:t>
+            </a:r>
+          </a:p>
+          <a:p>
+            <a:pPr>
+              <a:spcBef>
+                <a:spcPts val="1000"/>
+              </a:spcBef>
+            </a:pPr>
+            <a:r>
+              <a:rPr lang="en-US" b="1" dirty="0" smtClean="0"/>
+              <a:t>2008</a:t>
+            </a:r>
+            <a:r>
+              <a:rPr lang="en-US" dirty="0" smtClean="0"/>
+              <a:t>: </a:t>
+            </a:r>
+            <a:r>
+              <a:rPr lang="en-US" i="1" dirty="0" err="1" smtClean="0"/>
+              <a:t>OpenNebula</a:t>
+            </a:r>
+            <a:r>
+              <a:rPr lang="en-US" dirty="0" smtClean="0"/>
+              <a:t> becomes first open-source software for deploying clouds</a:t>
+            </a:r>
+          </a:p>
+          <a:p>
+            <a:pPr>
+              <a:spcBef>
+                <a:spcPts val="1000"/>
+              </a:spcBef>
+            </a:pPr>
+            <a:r>
+              <a:rPr lang="en-US" b="1" dirty="0" smtClean="0"/>
+              <a:t>2008</a:t>
+            </a:r>
+            <a:r>
+              <a:rPr lang="en-US" dirty="0" smtClean="0"/>
+              <a:t>: </a:t>
+            </a:r>
+            <a:r>
+              <a:rPr lang="en-US" i="1" dirty="0" smtClean="0"/>
+              <a:t>Microsoft Azure </a:t>
+            </a:r>
+            <a:r>
+              <a:rPr lang="en-US" dirty="0" smtClean="0"/>
+              <a:t>and </a:t>
+            </a:r>
+            <a:r>
+              <a:rPr lang="en-US" i="1" dirty="0" smtClean="0"/>
+              <a:t>Google Cloud Platform </a:t>
+            </a:r>
+            <a:r>
+              <a:rPr lang="en-US" dirty="0" smtClean="0"/>
+              <a:t>launched</a:t>
+            </a:r>
+          </a:p>
+          <a:p>
+            <a:pPr>
+              <a:spcBef>
+                <a:spcPts val="1000"/>
+              </a:spcBef>
+            </a:pPr>
+            <a:r>
+              <a:rPr lang="en-US" b="1" dirty="0" smtClean="0"/>
+              <a:t>2010</a:t>
+            </a:r>
+            <a:r>
+              <a:rPr lang="en-US" dirty="0" smtClean="0"/>
+              <a:t>: </a:t>
+            </a:r>
+            <a:r>
+              <a:rPr lang="en-US" i="1" dirty="0" smtClean="0"/>
+              <a:t>Rackspace Hosting </a:t>
+            </a:r>
+            <a:r>
+              <a:rPr lang="en-US" dirty="0" smtClean="0"/>
+              <a:t>and </a:t>
+            </a:r>
+            <a:r>
+              <a:rPr lang="en-US" i="1" dirty="0" smtClean="0"/>
+              <a:t>NASA</a:t>
+            </a:r>
+            <a:r>
+              <a:rPr lang="en-US" dirty="0" smtClean="0"/>
+              <a:t> launch open-source deployment platform </a:t>
+            </a:r>
+            <a:r>
+              <a:rPr lang="en-US" i="1" dirty="0" smtClean="0"/>
+              <a:t>OpenStack</a:t>
+            </a:r>
+            <a:r>
+              <a:rPr lang="en-US" dirty="0" smtClean="0"/>
+              <a:t>. </a:t>
+            </a:r>
+            <a:r>
+              <a:rPr lang="en-US" b="1" dirty="0" smtClean="0">
+                <a:sym typeface="Helvetica"/>
+              </a:rPr>
+              <a:t>NeCTAR uses OpenStack!</a:t>
+            </a:r>
+            <a:endParaRPr lang="en-US" b="1" dirty="0" smtClean="0"/>
+          </a:p>
+          <a:p>
+            <a:pPr>
+              <a:spcBef>
+                <a:spcPts val="1000"/>
+              </a:spcBef>
+            </a:pPr>
+            <a:r>
+              <a:rPr lang="en-US" i="1" dirty="0" smtClean="0"/>
+              <a:t>until today</a:t>
+            </a:r>
+            <a:r>
+              <a:rPr lang="en-US" dirty="0" smtClean="0"/>
+              <a:t>: More cloud providers are introduced to the market.</a:t>
             </a:r>
           </a:p>
         </p:txBody>
@@ -6372,7 +8742,7 @@
     </p:spTree>
     <p:extLst>
       <p:ext uri="{BB962C8B-B14F-4D97-AF65-F5344CB8AC3E}">
-        <p14:creationId xmlns:p14="http://schemas.microsoft.com/office/powerpoint/2010/main" val="3924913803"/>
+        <p14:creationId xmlns:p14="http://schemas.microsoft.com/office/powerpoint/2010/main" val="1233174976"/>
       </p:ext>
     </p:extLst>
   </p:cSld>
@@ -6435,148 +8805,94 @@
         <p:spPr/>
         <p:txBody>
           <a:bodyPr>
-            <a:normAutofit fontScale="92500" lnSpcReduction="20000"/>
+            <a:normAutofit/>
           </a:bodyPr>
           <a:lstStyle/>
           <a:p>
             <a:pPr lvl="0"/>
             <a:r>
-              <a:rPr lang="en-US" dirty="0" smtClean="0">
+              <a:rPr lang="en-US" dirty="0" smtClean="0"/>
+              <a:t>In 2010, the Australian research community voices their need for flexible, low cost computing resources that can be accessed </a:t>
+            </a:r>
+            <a:r>
+              <a:rPr lang="en-US" i="1" dirty="0" smtClean="0"/>
+              <a:t>on demand</a:t>
+            </a:r>
+            <a:r>
+              <a:rPr lang="en-US" dirty="0" smtClean="0"/>
+              <a:t>. </a:t>
+            </a:r>
+          </a:p>
+          <a:p>
+            <a:pPr lvl="0"/>
+            <a:r>
+              <a:rPr lang="en-US" dirty="0" smtClean="0"/>
+              <a:t>As a result, Australian government is now funding a Cloud that is making it simple for researchers to access IT resources.</a:t>
+            </a:r>
+          </a:p>
+          <a:p>
+            <a:pPr lvl="0"/>
+            <a:r>
+              <a:rPr lang="en-US" dirty="0" smtClean="0"/>
+              <a:t>NeCTAR (</a:t>
+            </a:r>
+            <a:r>
+              <a:rPr lang="en-US" b="1" dirty="0" smtClean="0">
                 <a:sym typeface="Helvetica"/>
               </a:rPr>
-              <a:t>Virtual </a:t>
-            </a:r>
-            <a:r>
-              <a:rPr lang="en-US" dirty="0" smtClean="0">
-                <a:sym typeface="Helvetica"/>
-              </a:rPr>
-              <a:t>Labs</a:t>
-            </a:r>
-            <a:r>
-              <a:rPr lang="en-US" dirty="0" smtClean="0"/>
-              <a:t> </a:t>
-            </a:r>
-            <a:r>
-              <a:rPr lang="en-US" dirty="0" smtClean="0"/>
-              <a:t>and </a:t>
+              <a:t>N</a:t>
+            </a:r>
+            <a:r>
+              <a:rPr lang="en-US" dirty="0" smtClean="0"/>
+              <a:t>ational </a:t>
+            </a:r>
+            <a:r>
+              <a:rPr lang="en-US" b="1" dirty="0" err="1" smtClean="0"/>
+              <a:t>e</a:t>
             </a:r>
             <a:r>
               <a:rPr lang="en-US" dirty="0" err="1" smtClean="0">
                 <a:sym typeface="Helvetica"/>
               </a:rPr>
-              <a:t>eResearch</a:t>
-            </a:r>
-            <a:r>
-              <a:rPr lang="en-US" dirty="0" smtClean="0">
-                <a:sym typeface="Helvetica"/>
-              </a:rPr>
-              <a:t> Tools</a:t>
-            </a:r>
-            <a:r>
-              <a:rPr lang="en-US" dirty="0" smtClean="0"/>
-              <a:t> will be covered in </a:t>
-            </a:r>
-            <a:r>
-              <a:rPr lang="en-US" i="1" dirty="0" smtClean="0"/>
-              <a:t>Module 2</a:t>
-            </a:r>
-            <a:r>
-              <a:rPr lang="en-US" dirty="0" smtClean="0"/>
-              <a:t>.</a:t>
-            </a:r>
-          </a:p>
-          <a:p>
-            <a:pPr lvl="0"/>
-            <a:r>
-              <a:rPr lang="en-US" dirty="0" smtClean="0"/>
-              <a:t>The majority of this course will deal with the </a:t>
-            </a:r>
-            <a:r>
-              <a:rPr lang="en-US" dirty="0" smtClean="0">
-                <a:sym typeface="Helvetica"/>
-              </a:rPr>
-              <a:t>Australian Research Cloud:</a:t>
-            </a:r>
-            <a:endParaRPr lang="en-US" dirty="0" smtClean="0"/>
-          </a:p>
-          <a:p>
-            <a:pPr lvl="1"/>
-            <a:r>
-              <a:rPr lang="en-US" dirty="0" smtClean="0"/>
-              <a:t>Offers secure and robust</a:t>
-            </a:r>
-            <a:r>
-              <a:rPr lang="en-US" b="1" dirty="0" smtClean="0"/>
-              <a:t> Infrastructure-as-a-Service (IaaS)</a:t>
-            </a:r>
-            <a:r>
-              <a:rPr lang="en-US" dirty="0" smtClean="0"/>
-              <a:t>.</a:t>
-            </a:r>
-          </a:p>
-          <a:p>
-            <a:pPr lvl="1"/>
-            <a:r>
-              <a:rPr lang="en-US" dirty="0" smtClean="0"/>
-              <a:t>The </a:t>
-            </a:r>
-            <a:r>
-              <a:rPr lang="en-US" dirty="0" smtClean="0"/>
-              <a:t>Research Cloud currently consists </a:t>
-            </a:r>
-            <a:r>
-              <a:rPr lang="en-US" b="1" dirty="0" smtClean="0"/>
-              <a:t>of 8 “Nodes” </a:t>
-            </a:r>
-            <a:r>
-              <a:rPr lang="en-US" dirty="0" smtClean="0"/>
-              <a:t>(data centers) with </a:t>
+              <a:t>R</a:t>
+            </a:r>
+            <a:r>
+              <a:rPr lang="en-US" dirty="0" err="1" smtClean="0"/>
+              <a:t>esearch</a:t>
+            </a:r>
+            <a:r>
+              <a:rPr lang="en-US" dirty="0" smtClean="0"/>
+              <a:t> </a:t>
             </a:r>
             <a:r>
               <a:rPr lang="en-US" b="1" dirty="0" smtClean="0">
                 <a:sym typeface="Helvetica"/>
               </a:rPr>
-              <a:t>32.000 processor cores</a:t>
-            </a:r>
-            <a:r>
-              <a:rPr lang="en-US" b="1" dirty="0" smtClean="0"/>
-              <a:t> </a:t>
-            </a:r>
-            <a:r>
-              <a:rPr lang="en-US" dirty="0" smtClean="0"/>
-              <a:t>distributed across Australia.</a:t>
-            </a:r>
-          </a:p>
-          <a:p>
-            <a:pPr lvl="1"/>
-            <a:r>
-              <a:rPr lang="en-US" dirty="0" smtClean="0"/>
-              <a:t>The completed Cloud will be a very significant Australian resource and one of the largest OpenStack based clouds in production worldwide</a:t>
-            </a:r>
-            <a:r>
-              <a:rPr lang="en-US" dirty="0" smtClean="0"/>
-              <a:t>.</a:t>
-            </a:r>
-          </a:p>
-          <a:p>
-            <a:pPr lvl="1"/>
-            <a:r>
-              <a:rPr lang="en-US" b="1" dirty="0">
+              <a:t>C</a:t>
+            </a:r>
+            <a:r>
+              <a:rPr lang="en-US" dirty="0" smtClean="0"/>
+              <a:t>ollaboration </a:t>
+            </a:r>
+            <a:r>
+              <a:rPr lang="en-US" b="1" dirty="0" smtClean="0">
                 <a:sym typeface="Helvetica"/>
               </a:rPr>
-              <a:t>Free</a:t>
-            </a:r>
-            <a:r>
-              <a:rPr lang="en-US" b="1" dirty="0"/>
-              <a:t> access </a:t>
-            </a:r>
-            <a:r>
-              <a:rPr lang="en-US" dirty="0"/>
-              <a:t>for Australian researchers through the Australian Access Federation (AAF</a:t>
-            </a:r>
-            <a:r>
-              <a:rPr lang="en-US" dirty="0" smtClean="0"/>
-              <a:t>).</a:t>
+              <a:t>T</a:t>
+            </a:r>
+            <a:r>
+              <a:rPr lang="en-US" dirty="0" smtClean="0"/>
+              <a:t>ools and </a:t>
+            </a:r>
+            <a:r>
+              <a:rPr lang="en-US" b="1" dirty="0" smtClean="0">
+                <a:sym typeface="Helvetica"/>
+              </a:rPr>
+              <a:t>R</a:t>
+            </a:r>
+            <a:r>
+              <a:rPr lang="en-US" dirty="0" smtClean="0"/>
+              <a:t>esources) is an Australian Government project.</a:t>
             </a:r>
             <a:endParaRPr lang="en-US" dirty="0"/>
           </a:p>
@@ -6585,7 +8901,7 @@
     </p:spTree>
     <p:extLst>
       <p:ext uri="{BB962C8B-B14F-4D97-AF65-F5344CB8AC3E}">
-        <p14:creationId xmlns:p14="http://schemas.microsoft.com/office/powerpoint/2010/main" val="1151422146"/>
+        <p14:creationId xmlns:p14="http://schemas.microsoft.com/office/powerpoint/2010/main" val="3248195757"/>
       </p:ext>
     </p:extLst>
   </p:cSld>
@@ -6628,8 +8944,125 @@
           <a:lstStyle/>
           <a:p>
             <a:r>
+              <a:rPr lang="en-US" dirty="0" smtClean="0"/>
+              <a:t>NeCTAR Services</a:t>
+            </a:r>
+            <a:endParaRPr lang="en-US" dirty="0"/>
+          </a:p>
+        </p:txBody>
+      </p:sp>
+      <p:sp>
+        <p:nvSpPr>
+          <p:cNvPr id="3" name="Content Placeholder 2"/>
+          <p:cNvSpPr>
+            <a:spLocks noGrp="1"/>
+          </p:cNvSpPr>
+          <p:nvPr>
+            <p:ph idx="1"/>
+          </p:nvPr>
+        </p:nvSpPr>
+        <p:spPr/>
+        <p:txBody>
+          <a:bodyPr>
+            <a:normAutofit/>
+          </a:bodyPr>
+          <a:lstStyle/>
+          <a:p>
+            <a:pPr lvl="0"/>
+            <a:r>
+              <a:rPr lang="en-US" dirty="0" smtClean="0"/>
+              <a:t>The NeCTAR project aims to support the “connected researcher”: </a:t>
+            </a:r>
+          </a:p>
+          <a:p>
+            <a:pPr lvl="1"/>
+            <a:r>
+              <a:rPr lang="en-US" dirty="0" smtClean="0"/>
+              <a:t>The vision is to enhance research collaboration by building information and communications technology infrastructure. </a:t>
+            </a:r>
+          </a:p>
+          <a:p>
+            <a:pPr lvl="0"/>
+            <a:r>
+              <a:rPr lang="en-US" dirty="0" smtClean="0"/>
+              <a:t>NeCTAR is building:</a:t>
+            </a:r>
+          </a:p>
+          <a:p>
+            <a:pPr lvl="1"/>
+            <a:r>
+              <a:rPr lang="en-US" dirty="0" smtClean="0"/>
+              <a:t>Virtual Laboratories</a:t>
+            </a:r>
+          </a:p>
+          <a:p>
+            <a:pPr lvl="1"/>
+            <a:r>
+              <a:rPr lang="en-US" dirty="0" err="1" smtClean="0"/>
+              <a:t>eResearch</a:t>
+            </a:r>
+            <a:r>
+              <a:rPr lang="en-US" dirty="0" smtClean="0"/>
+              <a:t> Tools</a:t>
+            </a:r>
+          </a:p>
+          <a:p>
+            <a:pPr lvl="1"/>
+            <a:r>
+              <a:rPr lang="en-US" dirty="0" smtClean="0"/>
+              <a:t>The Australian Research Cloud</a:t>
+            </a:r>
+          </a:p>
+        </p:txBody>
+      </p:sp>
+    </p:spTree>
+    <p:extLst>
+      <p:ext uri="{BB962C8B-B14F-4D97-AF65-F5344CB8AC3E}">
+        <p14:creationId xmlns:p14="http://schemas.microsoft.com/office/powerpoint/2010/main" val="3924913803"/>
+      </p:ext>
+    </p:extLst>
+  </p:cSld>
+  <p:clrMapOvr>
+    <a:masterClrMapping/>
+  </p:clrMapOvr>
+</p:sld>
+</file>
+
+<file path=ppt/slides/slide35.xml><?xml version="1.0" encoding="utf-8"?>
+<p:sld xmlns:a="http://schemas.openxmlformats.org/drawingml/2006/main" xmlns:r="http://schemas.openxmlformats.org/officeDocument/2006/relationships" xmlns:p="http://schemas.openxmlformats.org/presentationml/2006/main">
+  <p:cSld>
+    <p:spTree>
+      <p:nvGrpSpPr>
+        <p:cNvPr id="1" name=""/>
+        <p:cNvGrpSpPr/>
+        <p:nvPr/>
+      </p:nvGrpSpPr>
+      <p:grpSpPr>
+        <a:xfrm>
+          <a:off x="0" y="0"/>
+          <a:ext cx="0" cy="0"/>
+          <a:chOff x="0" y="0"/>
+          <a:chExt cx="0" cy="0"/>
+        </a:xfrm>
+      </p:grpSpPr>
+      <p:sp>
+        <p:nvSpPr>
+          <p:cNvPr id="2" name="Title 1"/>
+          <p:cNvSpPr>
+            <a:spLocks noGrp="1"/>
+          </p:cNvSpPr>
+          <p:nvPr>
+            <p:ph type="title"/>
+          </p:nvPr>
+        </p:nvSpPr>
+        <p:spPr/>
+        <p:txBody>
+          <a:bodyPr/>
+          <a:lstStyle/>
+          <a:p>
+            <a:r>
               <a:rPr lang="en-US" smtClean="0"/>
-              <a:t>Benefits for your research</a:t>
+              <a:t>NeCTAR Services</a:t>
             </a:r>
             <a:endParaRPr lang="en-US" dirty="0"/>
           </a:p>
@@ -6654,6 +9087,201 @@
           <a:p>
             <a:pPr lvl="0"/>
             <a:r>
+              <a:rPr lang="en-US" dirty="0" smtClean="0">
+                <a:sym typeface="Helvetica"/>
+              </a:rPr>
+              <a:t>Virtual Labs</a:t>
+            </a:r>
+            <a:r>
+              <a:rPr lang="en-US" dirty="0" smtClean="0"/>
+              <a:t> and </a:t>
+            </a:r>
+            <a:r>
+              <a:rPr lang="en-US" dirty="0" err="1" smtClean="0">
+                <a:sym typeface="Helvetica"/>
+              </a:rPr>
+              <a:t>eResearch</a:t>
+            </a:r>
+            <a:r>
+              <a:rPr lang="en-US" dirty="0" smtClean="0">
+                <a:sym typeface="Helvetica"/>
+              </a:rPr>
+              <a:t> Tools</a:t>
+            </a:r>
+            <a:r>
+              <a:rPr lang="en-US" dirty="0" smtClean="0"/>
+              <a:t> will be covered in </a:t>
+            </a:r>
+            <a:r>
+              <a:rPr lang="en-US" i="1" dirty="0" smtClean="0"/>
+              <a:t>Module 2</a:t>
+            </a:r>
+            <a:r>
+              <a:rPr lang="en-US" dirty="0" smtClean="0"/>
+              <a:t>.</a:t>
+            </a:r>
+          </a:p>
+          <a:p>
+            <a:pPr lvl="0"/>
+            <a:r>
+              <a:rPr lang="en-US" dirty="0" smtClean="0"/>
+              <a:t>The majority of this course will deal with the </a:t>
+            </a:r>
+            <a:r>
+              <a:rPr lang="en-US" dirty="0" smtClean="0">
+                <a:sym typeface="Helvetica"/>
+              </a:rPr>
+              <a:t>Australian Research Cloud:</a:t>
+            </a:r>
+            <a:endParaRPr lang="en-US" dirty="0" smtClean="0"/>
+          </a:p>
+          <a:p>
+            <a:pPr lvl="1"/>
+            <a:r>
+              <a:rPr lang="en-US" dirty="0" smtClean="0"/>
+              <a:t>Offers secure and robust</a:t>
+            </a:r>
+            <a:r>
+              <a:rPr lang="en-US" b="1" dirty="0" smtClean="0"/>
+              <a:t> Infrastructure-as-a-Service (IaaS)</a:t>
+            </a:r>
+            <a:r>
+              <a:rPr lang="en-US" dirty="0" smtClean="0"/>
+              <a:t>.</a:t>
+            </a:r>
+          </a:p>
+          <a:p>
+            <a:pPr lvl="1"/>
+            <a:r>
+              <a:rPr lang="en-US" dirty="0" smtClean="0"/>
+              <a:t>The Research Cloud currently consists </a:t>
+            </a:r>
+            <a:r>
+              <a:rPr lang="en-US" b="1" dirty="0" smtClean="0"/>
+              <a:t>of 8 “Nodes” </a:t>
+            </a:r>
+            <a:r>
+              <a:rPr lang="en-US" dirty="0" smtClean="0"/>
+              <a:t>(data centers) with </a:t>
+            </a:r>
+            <a:r>
+              <a:rPr lang="en-US" b="1" dirty="0" smtClean="0">
+                <a:sym typeface="Helvetica"/>
+              </a:rPr>
+              <a:t>32.000 processor cores</a:t>
+            </a:r>
+            <a:r>
+              <a:rPr lang="en-US" b="1" dirty="0" smtClean="0"/>
+              <a:t> </a:t>
+            </a:r>
+            <a:r>
+              <a:rPr lang="en-US" dirty="0" smtClean="0"/>
+              <a:t>distributed across Australia.</a:t>
+            </a:r>
+          </a:p>
+          <a:p>
+            <a:pPr lvl="1"/>
+            <a:r>
+              <a:rPr lang="en-US" dirty="0" smtClean="0"/>
+              <a:t>The completed Cloud will be a very significant Australian resource and one of the largest OpenStack based clouds in production worldwide.</a:t>
+            </a:r>
+          </a:p>
+          <a:p>
+            <a:pPr lvl="1"/>
+            <a:r>
+              <a:rPr lang="en-US" b="1" dirty="0">
+                <a:sym typeface="Helvetica"/>
+              </a:rPr>
+              <a:t>Free</a:t>
+            </a:r>
+            <a:r>
+              <a:rPr lang="en-US" b="1" dirty="0"/>
+              <a:t> access </a:t>
+            </a:r>
+            <a:r>
+              <a:rPr lang="en-US" dirty="0"/>
+              <a:t>for Australian researchers through the Australian Access Federation (AAF</a:t>
+            </a:r>
+            <a:r>
+              <a:rPr lang="en-US" dirty="0" smtClean="0"/>
+              <a:t>).</a:t>
+            </a:r>
+            <a:endParaRPr lang="en-US" dirty="0"/>
+          </a:p>
+        </p:txBody>
+      </p:sp>
+    </p:spTree>
+    <p:extLst>
+      <p:ext uri="{BB962C8B-B14F-4D97-AF65-F5344CB8AC3E}">
+        <p14:creationId xmlns:p14="http://schemas.microsoft.com/office/powerpoint/2010/main" val="1151422146"/>
+      </p:ext>
+    </p:extLst>
+  </p:cSld>
+  <p:clrMapOvr>
+    <a:masterClrMapping/>
+  </p:clrMapOvr>
+</p:sld>
+</file>
+
+<file path=ppt/slides/slide36.xml><?xml version="1.0" encoding="utf-8"?>
+<p:sld xmlns:a="http://schemas.openxmlformats.org/drawingml/2006/main" xmlns:r="http://schemas.openxmlformats.org/officeDocument/2006/relationships" xmlns:p="http://schemas.openxmlformats.org/presentationml/2006/main">
+  <p:cSld>
+    <p:spTree>
+      <p:nvGrpSpPr>
+        <p:cNvPr id="1" name=""/>
+        <p:cNvGrpSpPr/>
+        <p:nvPr/>
+      </p:nvGrpSpPr>
+      <p:grpSpPr>
+        <a:xfrm>
+          <a:off x="0" y="0"/>
+          <a:ext cx="0" cy="0"/>
+          <a:chOff x="0" y="0"/>
+          <a:chExt cx="0" cy="0"/>
+        </a:xfrm>
+      </p:grpSpPr>
+      <p:sp>
+        <p:nvSpPr>
+          <p:cNvPr id="2" name="Title 1"/>
+          <p:cNvSpPr>
+            <a:spLocks noGrp="1"/>
+          </p:cNvSpPr>
+          <p:nvPr>
+            <p:ph type="title"/>
+          </p:nvPr>
+        </p:nvSpPr>
+        <p:spPr/>
+        <p:txBody>
+          <a:bodyPr/>
+          <a:lstStyle/>
+          <a:p>
+            <a:r>
+              <a:rPr lang="en-US" smtClean="0"/>
+              <a:t>Benefits for your research</a:t>
+            </a:r>
+            <a:endParaRPr lang="en-US" dirty="0"/>
+          </a:p>
+        </p:txBody>
+      </p:sp>
+      <p:sp>
+        <p:nvSpPr>
+          <p:cNvPr id="3" name="Content Placeholder 2"/>
+          <p:cNvSpPr>
+            <a:spLocks noGrp="1"/>
+          </p:cNvSpPr>
+          <p:nvPr>
+            <p:ph idx="1"/>
+          </p:nvPr>
+        </p:nvSpPr>
+        <p:spPr/>
+        <p:txBody>
+          <a:bodyPr>
+            <a:normAutofit fontScale="92500" lnSpcReduction="20000"/>
+          </a:bodyPr>
+          <a:lstStyle/>
+          <a:p>
+            <a:pPr lvl="0"/>
+            <a:r>
               <a:rPr lang="en-US" dirty="0" smtClean="0"/>
               <a:t>Concentrate on your work instead of spending time to obtain and maintain hardware.</a:t>
             </a:r>
@@ -6705,7 +9333,6 @@
               <a:rPr lang="en-US" dirty="0" smtClean="0"/>
               <a:t>.</a:t>
             </a:r>
-            <a:endParaRPr lang="en-US" dirty="0" smtClean="0"/>
           </a:p>
           <a:p>
             <a:pPr lvl="0"/>
@@ -6765,7 +9392,7 @@
 </p:sld>
 </file>
 
-<file path=ppt/slides/slide35.xml><?xml version="1.0" encoding="utf-8"?>
+<file path=ppt/slides/slide37.xml><?xml version="1.0" encoding="utf-8"?>
 <p:sld xmlns:a="http://schemas.openxmlformats.org/drawingml/2006/main" xmlns:r="http://schemas.openxmlformats.org/officeDocument/2006/relationships" xmlns:p="http://schemas.openxmlformats.org/presentationml/2006/main">
   <p:cSld>
     <p:spTree>
@@ -6918,7 +9545,7 @@
 </p:sld>
 </file>
 
-<file path=ppt/slides/slide36.xml><?xml version="1.0" encoding="utf-8"?>
+<file path=ppt/slides/slide38.xml><?xml version="1.0" encoding="utf-8"?>
 <p:sld xmlns:a="http://schemas.openxmlformats.org/drawingml/2006/main" xmlns:r="http://schemas.openxmlformats.org/officeDocument/2006/relationships" xmlns:p="http://schemas.openxmlformats.org/presentationml/2006/main">
   <p:cSld>
     <p:spTree>
@@ -6975,7 +9602,7 @@
           </a:bodyPr>
           <a:lstStyle/>
           <a:p>
-            <a:pPr marL="0" lvl="0" indent="0">
+            <a:pPr marL="0" indent="0">
               <a:buNone/>
             </a:pPr>
             <a:r>
@@ -7014,13 +9641,13 @@
             </a:r>
           </a:p>
           <a:p>
-            <a:pPr marL="0" lvl="0" indent="0" algn="ctr">
+            <a:pPr marL="0" indent="0" algn="ctr">
               <a:buNone/>
             </a:pPr>
             <a:endParaRPr lang="en-US" i="1" dirty="0" smtClean="0"/>
           </a:p>
           <a:p>
-            <a:pPr marL="0" lvl="0" indent="0" algn="ctr">
+            <a:pPr marL="0" indent="0" algn="ctr">
               <a:buNone/>
             </a:pPr>
             <a:r>
@@ -7046,7 +9673,7 @@
 </p:sld>
 </file>
 
-<file path=ppt/slides/slide37.xml><?xml version="1.0" encoding="utf-8"?>
+<file path=ppt/slides/slide39.xml><?xml version="1.0" encoding="utf-8"?>
 <p:sld xmlns:a="http://schemas.openxmlformats.org/drawingml/2006/main" xmlns:r="http://schemas.openxmlformats.org/officeDocument/2006/relationships" xmlns:p="http://schemas.openxmlformats.org/presentationml/2006/main">
   <p:cSld>
     <p:spTree>
@@ -7076,7 +9703,146 @@
 </p:sld>
 </file>
 
-<file path=ppt/slides/slide38.xml><?xml version="1.0" encoding="utf-8"?>
+<file path=ppt/slides/slide4.xml><?xml version="1.0" encoding="utf-8"?>
+<p:sld xmlns:a="http://schemas.openxmlformats.org/drawingml/2006/main" xmlns:r="http://schemas.openxmlformats.org/officeDocument/2006/relationships" xmlns:p="http://schemas.openxmlformats.org/presentationml/2006/main">
+  <p:cSld>
+    <p:spTree>
+      <p:nvGrpSpPr>
+        <p:cNvPr id="1" name=""/>
+        <p:cNvGrpSpPr/>
+        <p:nvPr/>
+      </p:nvGrpSpPr>
+      <p:grpSpPr>
+        <a:xfrm>
+          <a:off x="0" y="0"/>
+          <a:ext cx="0" cy="0"/>
+          <a:chOff x="0" y="0"/>
+          <a:chExt cx="0" cy="0"/>
+        </a:xfrm>
+      </p:grpSpPr>
+      <p:sp>
+        <p:nvSpPr>
+          <p:cNvPr id="2" name="Title 1"/>
+          <p:cNvSpPr>
+            <a:spLocks noGrp="1"/>
+          </p:cNvSpPr>
+          <p:nvPr>
+            <p:ph type="title"/>
+          </p:nvPr>
+        </p:nvSpPr>
+        <p:spPr/>
+        <p:txBody>
+          <a:bodyPr>
+            <a:normAutofit fontScale="90000"/>
+          </a:bodyPr>
+          <a:lstStyle/>
+          <a:p>
+            <a:r>
+              <a:rPr lang="en-US" smtClean="0"/>
+              <a:t>Overview of Cloud Computing and NeCTAR Services</a:t>
+            </a:r>
+            <a:endParaRPr lang="en-US" dirty="0"/>
+          </a:p>
+        </p:txBody>
+      </p:sp>
+      <p:sp>
+        <p:nvSpPr>
+          <p:cNvPr id="3" name="Content Placeholder 2"/>
+          <p:cNvSpPr>
+            <a:spLocks noGrp="1"/>
+          </p:cNvSpPr>
+          <p:nvPr>
+            <p:ph idx="1"/>
+          </p:nvPr>
+        </p:nvSpPr>
+        <p:spPr/>
+        <p:txBody>
+          <a:bodyPr>
+            <a:normAutofit fontScale="92500" lnSpcReduction="10000"/>
+          </a:bodyPr>
+          <a:lstStyle/>
+          <a:p>
+            <a:pPr marL="0" indent="0">
+              <a:buNone/>
+            </a:pPr>
+            <a:r>
+              <a:rPr lang="en-US" dirty="0" smtClean="0"/>
+              <a:t>In this Module:</a:t>
+            </a:r>
+          </a:p>
+          <a:p>
+            <a:pPr lvl="0"/>
+            <a:r>
+              <a:rPr lang="en-US" dirty="0" smtClean="0"/>
+              <a:t>Course overview</a:t>
+            </a:r>
+          </a:p>
+          <a:p>
+            <a:pPr lvl="0"/>
+            <a:r>
+              <a:rPr lang="en-US" dirty="0" smtClean="0"/>
+              <a:t>Definition of cloud computing</a:t>
+            </a:r>
+          </a:p>
+          <a:p>
+            <a:pPr lvl="0"/>
+            <a:r>
+              <a:rPr lang="en-US" dirty="0" smtClean="0"/>
+              <a:t>Description of common cloud services</a:t>
+            </a:r>
+          </a:p>
+          <a:p>
+            <a:pPr lvl="0"/>
+            <a:r>
+              <a:rPr lang="en-US" dirty="0" smtClean="0"/>
+              <a:t>Common concerns of cloud computing</a:t>
+            </a:r>
+          </a:p>
+          <a:p>
+            <a:pPr lvl="0"/>
+            <a:r>
+              <a:rPr lang="en-US" dirty="0" smtClean="0"/>
+              <a:t>What is virtualization?</a:t>
+            </a:r>
+          </a:p>
+          <a:p>
+            <a:pPr lvl="0"/>
+            <a:r>
+              <a:rPr lang="en-US" dirty="0" smtClean="0"/>
+              <a:t>Cloud computing history</a:t>
+            </a:r>
+          </a:p>
+          <a:p>
+            <a:pPr lvl="0"/>
+            <a:r>
+              <a:rPr lang="en-US" dirty="0" smtClean="0"/>
+              <a:t>Description of NeCTAR and its services</a:t>
+            </a:r>
+          </a:p>
+          <a:p>
+            <a:pPr lvl="0"/>
+            <a:r>
+              <a:rPr lang="en-US" dirty="0" smtClean="0"/>
+              <a:t>How cloud computing benefits your research</a:t>
+            </a:r>
+            <a:endParaRPr lang="en-US" dirty="0"/>
+          </a:p>
+        </p:txBody>
+      </p:sp>
+    </p:spTree>
+    <p:extLst>
+      <p:ext uri="{BB962C8B-B14F-4D97-AF65-F5344CB8AC3E}">
+        <p14:creationId xmlns:p14="http://schemas.microsoft.com/office/powerpoint/2010/main" val="2937352810"/>
+      </p:ext>
+    </p:extLst>
+  </p:cSld>
+  <p:clrMapOvr>
+    <a:masterClrMapping/>
+  </p:clrMapOvr>
+</p:sld>
+</file>
+
+<file path=ppt/slides/slide40.xml><?xml version="1.0" encoding="utf-8"?>
 <p:sld xmlns:a="http://schemas.openxmlformats.org/drawingml/2006/main" xmlns:r="http://schemas.openxmlformats.org/officeDocument/2006/relationships" xmlns:p="http://schemas.openxmlformats.org/presentationml/2006/main">
   <p:cSld>
     <p:spTree>
@@ -7097,150 +9863,6 @@
     <p:extLst>
       <p:ext uri="{BB962C8B-B14F-4D97-AF65-F5344CB8AC3E}">
         <p14:creationId xmlns:p14="http://schemas.microsoft.com/office/powerpoint/2010/main" val="861334569"/>
-      </p:ext>
-    </p:extLst>
-  </p:cSld>
-  <p:clrMapOvr>
-    <a:masterClrMapping/>
-  </p:clrMapOvr>
-</p:sld>
-</file>
-
-<file path=ppt/slides/slide4.xml><?xml version="1.0" encoding="utf-8"?>
-<p:sld xmlns:a="http://schemas.openxmlformats.org/drawingml/2006/main" xmlns:r="http://schemas.openxmlformats.org/officeDocument/2006/relationships" xmlns:p="http://schemas.openxmlformats.org/presentationml/2006/main">
-  <p:cSld>
-    <p:spTree>
-      <p:nvGrpSpPr>
-        <p:cNvPr id="1" name=""/>
-        <p:cNvGrpSpPr/>
-        <p:nvPr/>
-      </p:nvGrpSpPr>
-      <p:grpSpPr>
-        <a:xfrm>
-          <a:off x="0" y="0"/>
-          <a:ext cx="0" cy="0"/>
-          <a:chOff x="0" y="0"/>
-          <a:chExt cx="0" cy="0"/>
-        </a:xfrm>
-      </p:grpSpPr>
-      <p:sp>
-        <p:nvSpPr>
-          <p:cNvPr id="2" name="Title 1"/>
-          <p:cNvSpPr>
-            <a:spLocks noGrp="1"/>
-          </p:cNvSpPr>
-          <p:nvPr>
-            <p:ph type="title"/>
-          </p:nvPr>
-        </p:nvSpPr>
-        <p:spPr/>
-        <p:txBody>
-          <a:bodyPr>
-            <a:normAutofit fontScale="90000"/>
-          </a:bodyPr>
-          <a:lstStyle/>
-          <a:p>
-            <a:r>
-              <a:rPr lang="en-US" smtClean="0"/>
-              <a:t>Overview of Cloud Computing and NeCTAR Services</a:t>
-            </a:r>
-            <a:endParaRPr lang="en-US" dirty="0"/>
-          </a:p>
-        </p:txBody>
-      </p:sp>
-      <p:sp>
-        <p:nvSpPr>
-          <p:cNvPr id="3" name="Content Placeholder 2"/>
-          <p:cNvSpPr>
-            <a:spLocks noGrp="1"/>
-          </p:cNvSpPr>
-          <p:nvPr>
-            <p:ph idx="1"/>
-          </p:nvPr>
-        </p:nvSpPr>
-        <p:spPr/>
-        <p:txBody>
-          <a:bodyPr>
-            <a:normAutofit fontScale="92500" lnSpcReduction="10000"/>
-          </a:bodyPr>
-          <a:lstStyle/>
-          <a:p>
-            <a:pPr marL="0" lvl="0" indent="0">
-              <a:buNone/>
-            </a:pPr>
-            <a:r>
-              <a:rPr lang="en-US" dirty="0" smtClean="0"/>
-              <a:t>In this Module:</a:t>
-            </a:r>
-            <a:endParaRPr lang="en-US" dirty="0" smtClean="0"/>
-          </a:p>
-          <a:p>
-            <a:pPr lvl="0"/>
-            <a:r>
-              <a:rPr lang="en-US" dirty="0" smtClean="0"/>
-              <a:t>Course overview</a:t>
-            </a:r>
-          </a:p>
-          <a:p>
-            <a:pPr lvl="0"/>
-            <a:r>
-              <a:rPr lang="en-US" dirty="0" smtClean="0"/>
-              <a:t>Definition </a:t>
-            </a:r>
-            <a:r>
-              <a:rPr lang="en-US" dirty="0" smtClean="0"/>
-              <a:t>of cloud computing</a:t>
-            </a:r>
-          </a:p>
-          <a:p>
-            <a:pPr lvl="0"/>
-            <a:r>
-              <a:rPr lang="en-US" dirty="0" smtClean="0"/>
-              <a:t>Description of common cloud services</a:t>
-            </a:r>
-          </a:p>
-          <a:p>
-            <a:pPr lvl="0"/>
-            <a:r>
-              <a:rPr lang="en-US" dirty="0" smtClean="0"/>
-              <a:t>Common concerns of cloud computing</a:t>
-            </a:r>
-          </a:p>
-          <a:p>
-            <a:pPr lvl="0"/>
-            <a:r>
-              <a:rPr lang="en-US" dirty="0" smtClean="0"/>
-              <a:t>What is virtualization?</a:t>
-            </a:r>
-          </a:p>
-          <a:p>
-            <a:pPr lvl="0"/>
-            <a:r>
-              <a:rPr lang="en-US" dirty="0" smtClean="0"/>
-              <a:t>Cloud computing history</a:t>
-            </a:r>
-          </a:p>
-          <a:p>
-            <a:pPr lvl="0"/>
-            <a:r>
-              <a:rPr lang="en-US" dirty="0" smtClean="0"/>
-              <a:t>Description of NeCTAR and its services</a:t>
-            </a:r>
-          </a:p>
-          <a:p>
-            <a:pPr lvl="0"/>
-            <a:r>
-              <a:rPr lang="en-US" dirty="0" smtClean="0"/>
-              <a:t>How cloud computing benefits your research</a:t>
-            </a:r>
-            <a:endParaRPr lang="en-US" dirty="0"/>
-          </a:p>
-        </p:txBody>
-      </p:sp>
-    </p:spTree>
-    <p:extLst>
-      <p:ext uri="{BB962C8B-B14F-4D97-AF65-F5344CB8AC3E}">
-        <p14:creationId xmlns:p14="http://schemas.microsoft.com/office/powerpoint/2010/main" val="2937352810"/>
       </p:ext>
     </p:extLst>
   </p:cSld>
@@ -7438,11 +10060,7 @@
             </a:r>
             <a:r>
               <a:rPr lang="en-US" i="1" dirty="0" smtClean="0"/>
-              <a:t> </a:t>
-            </a:r>
-            <a:r>
-              <a:rPr lang="en-US" i="1" dirty="0" smtClean="0"/>
-              <a:t>Tools</a:t>
+              <a:t> Tools</a:t>
             </a:r>
             <a:endParaRPr lang="en-US" dirty="0" smtClean="0"/>
           </a:p>
@@ -7469,7 +10087,6 @@
               <a:rPr lang="en-US" dirty="0" smtClean="0"/>
               <a:t>eady to go” tools.</a:t>
             </a:r>
-            <a:endParaRPr lang="en-US" dirty="0" smtClean="0"/>
           </a:p>
           <a:p>
             <a:pPr marL="0" indent="0">
@@ -7487,7 +10104,6 @@
               <a:rPr lang="en-US" dirty="0" smtClean="0"/>
               <a:t> Tools and the Virtual Laboratories that are offered by NeCTAR services. </a:t>
             </a:r>
-            <a:endParaRPr lang="en-US" dirty="0" smtClean="0"/>
           </a:p>
         </p:txBody>
       </p:sp>
@@ -7696,11 +10312,7 @@
             </a:pPr>
             <a:r>
               <a:rPr lang="en-US" dirty="0" smtClean="0"/>
-              <a:t>This </a:t>
-            </a:r>
-            <a:r>
-              <a:rPr lang="en-US" dirty="0" smtClean="0"/>
-              <a:t>module will discuss the differences between Cloud Computing and </a:t>
+              <a:t>This module will discuss the differences between Cloud Computing and </a:t>
             </a:r>
             <a:r>
               <a:rPr lang="en-US" dirty="0"/>
@@ -7708,13 +10320,8 @@
             </a:r>
             <a:r>
               <a:rPr lang="en-US" dirty="0" smtClean="0"/>
-              <a:t>and provide an overview of pros and cons of moving </a:t>
-            </a:r>
-            <a:r>
-              <a:rPr lang="en-US" dirty="0" smtClean="0"/>
-              <a:t>from PC to Cloud or HPC.</a:t>
-            </a:r>
-            <a:endParaRPr lang="en-US" dirty="0" smtClean="0"/>
+              <a:t>and provide an overview of pros and cons of moving from PC to Cloud or HPC.</a:t>
+            </a:r>
           </a:p>
           <a:p>
             <a:endParaRPr lang="en-US" dirty="0"/>
